--- a/powerpoints/01-web-and-you.pptx
+++ b/powerpoints/01-web-and-you.pptx
@@ -19260,7 +19260,7 @@
             <a:pPr lvl="2"/>
             <a:r>
               <a:rPr/>
-              <a:t>who’s looking or watching?</a:t>
+              <a:t>Who’s looking or watching?</a:t>
             </a:r>
           </a:p>
           <a:p>

--- a/powerpoints/01-web-and-you.pptx
+++ b/powerpoints/01-web-and-you.pptx
@@ -5,7 +5,7 @@
     <p:sldMasterId id="2147483648" r:id="rId1"/>
   </p:sldMasterIdLst>
   <p:notesMasterIdLst>
-    <p:NotesMasterId r:id="rId14"/>
+    <p:NotesMasterId r:id="rId16"/>
   </p:notesMasterIdLst>
   <p:sldIdLst>
     <p:sldId id="256" r:id="rId2"/>
@@ -20,6 +20,8 @@
     <p:sldId id="265" r:id="rId11"/>
     <p:sldId id="266" r:id="rId12"/>
     <p:sldId id="267" r:id="rId13"/>
+    <p:sldId id="268" r:id="rId14"/>
+    <p:sldId id="269" r:id="rId15"/>
   </p:sldIdLst>
   <p:sldSz cx="9144000" cy="6858000" type="screen4x3"/>
   <p:notesSz cx="6858000" cy="9144000"/>
@@ -19335,6 +19337,136 @@
           </a:p>
         </p:txBody>
       </p:sp>
+    </p:spTree>
+  </p:cSld>
+</p:sld>
+</file>
+
+<file path=ppt/slides/slide13.xml><?xml version="1.0" encoding="utf-8"?>
+<p:sld xmlns:a="http://schemas.openxmlformats.org/drawingml/2006/main" xmlns:r="http://schemas.openxmlformats.org/officeDocument/2006/relationships" xmlns:p="http://schemas.openxmlformats.org/presentationml/2006/main">
+  <p:cSld>
+    <p:spTree>
+      <p:nvGrpSpPr>
+        <p:cNvPr id="1" name=""/>
+        <p:cNvGrpSpPr/>
+        <p:nvPr/>
+      </p:nvGrpSpPr>
+      <p:grpSpPr>
+        <a:xfrm>
+          <a:off x="0" y="0"/>
+          <a:ext cx="0" cy="0"/>
+          <a:chOff x="0" y="0"/>
+          <a:chExt cx="0" cy="0"/>
+        </a:xfrm>
+      </p:grpSpPr>
+      <p:sp>
+        <p:nvSpPr>
+          <p:cNvPr id="2" name="Title 1"/>
+          <p:cNvSpPr>
+            <a:spLocks noGrp="1"/>
+          </p:cNvSpPr>
+          <p:nvPr>
+            <p:ph type="title"/>
+          </p:nvPr>
+        </p:nvSpPr>
+        <p:spPr/>
+        <p:txBody>
+          <a:bodyPr/>
+          <a:lstStyle/>
+          <a:p>
+            <a:pPr lvl="0" marL="0" indent="0">
+              <a:buNone/>
+            </a:pPr>
+            <a:r>
+              <a:rPr/>
+              <a:t>mozilla</a:t>
+            </a:r>
+          </a:p>
+        </p:txBody>
+      </p:sp>
+      <p:sp>
+        <p:nvSpPr>
+          <p:cNvPr id="3" name="Content Placeholder 2"/>
+          <p:cNvSpPr>
+            <a:spLocks noGrp="1"/>
+          </p:cNvSpPr>
+          <p:nvPr>
+            <p:ph idx="1"/>
+          </p:nvPr>
+        </p:nvSpPr>
+        <p:spPr/>
+        <p:txBody>
+          <a:bodyPr/>
+          <a:lstStyle/>
+          <a:p>
+            <a:pPr lvl="0" marL="0" indent="0">
+              <a:buNone/>
+            </a:pPr>
+            <a:r>
+              <a:rPr/>
+              <a:t>Mozilla is a global non-profit dedicated to putting you in control of your online experience and shaping the future of the web for the public good. Visit us at </a:t>
+            </a:r>
+            <a:r>
+              <a:rPr>
+                <a:hlinkClick r:id="rId2"/>
+              </a:rPr>
+              <a:t>mozilla.org</a:t>
+            </a:r>
+          </a:p>
+        </p:txBody>
+      </p:sp>
+    </p:spTree>
+  </p:cSld>
+</p:sld>
+</file>
+
+<file path=ppt/slides/slide14.xml><?xml version="1.0" encoding="utf-8"?>
+<p:sld xmlns:a="http://schemas.openxmlformats.org/drawingml/2006/main" xmlns:r="http://schemas.openxmlformats.org/officeDocument/2006/relationships" xmlns:p="http://schemas.openxmlformats.org/presentationml/2006/main">
+  <p:cSld>
+    <p:spTree>
+      <p:nvGrpSpPr>
+        <p:cNvPr id="1" name=""/>
+        <p:cNvGrpSpPr/>
+        <p:nvPr/>
+      </p:nvGrpSpPr>
+      <p:grpSpPr>
+        <a:xfrm>
+          <a:off x="0" y="0"/>
+          <a:ext cx="0" cy="0"/>
+          <a:chOff x="0" y="0"/>
+          <a:chExt cx="0" cy="0"/>
+        </a:xfrm>
+      </p:grpSpPr>
+      <p:pic>
+        <p:nvPicPr>
+          <p:cNvPr descr="https://www.mozilla.org/media/protocol/img/logos/firefox/browser/logo-word-hor-xs.c87882e8c93c.png" id="0" name="Picture 1"/>
+          <p:cNvPicPr>
+            <a:picLocks noGrp="1" noChangeAspect="1"/>
+          </p:cNvPicPr>
+          <p:nvPr/>
+        </p:nvPicPr>
+        <p:blipFill>
+          <a:blip r:embed="rId2"/>
+          <a:stretch>
+            <a:fillRect/>
+          </a:stretch>
+        </p:blipFill>
+        <p:spPr bwMode="auto">
+          <a:xfrm>
+            <a:off x="457200" y="3098800"/>
+            <a:ext cx="8229600" cy="1524000"/>
+          </a:xfrm>
+          <a:prstGeom prst="rect">
+            <a:avLst/>
+          </a:prstGeom>
+          <a:noFill/>
+          <a:ln w="9525">
+            <a:noFill/>
+            <a:headEnd/>
+            <a:tailEnd/>
+          </a:ln>
+        </p:spPr>
+      </p:pic>
     </p:spTree>
   </p:cSld>
 </p:sld>

--- a/powerpoints/01-web-and-you.pptx
+++ b/powerpoints/01-web-and-you.pptx
@@ -19439,7 +19439,7 @@
       </p:grpSpPr>
       <p:pic>
         <p:nvPicPr>
-          <p:cNvPr descr="https://www.mozilla.org/media/protocol/img/logos/firefox/browser/logo-word-hor-xs.c87882e8c93c.png" id="0" name="Picture 1"/>
+          <p:cNvPr descr="https://www.mozilla.org/media/protocol/img/logos/mozilla/logo-word-hor.e20791bb4dd4.svg" id="0" name="Picture 1"/>
           <p:cNvPicPr>
             <a:picLocks noGrp="1" noChangeAspect="1"/>
           </p:cNvPicPr>
@@ -19453,8 +19453,8 @@
         </p:blipFill>
         <p:spPr bwMode="auto">
           <a:xfrm>
-            <a:off x="457200" y="3098800"/>
-            <a:ext cx="8229600" cy="1524000"/>
+            <a:off x="457200" y="2425700"/>
+            <a:ext cx="8229600" cy="2349500"/>
           </a:xfrm>
           <a:prstGeom prst="rect">
             <a:avLst/>
@@ -19467,6 +19467,36 @@
           </a:ln>
         </p:spPr>
       </p:pic>
+      <p:sp>
+        <p:nvSpPr>
+          <p:cNvPr id="1" name="TextBox 3"/>
+          <p:cNvSpPr txBox="1"/>
+          <p:nvPr/>
+        </p:nvSpPr>
+        <p:spPr>
+          <a:xfrm>
+            <a:off x="457200" y="5613400"/>
+            <a:ext cx="8229600" cy="508000"/>
+          </a:xfrm>
+          <a:prstGeom prst="rect">
+            <a:avLst/>
+          </a:prstGeom>
+          <a:noFill/>
+        </p:spPr>
+        <p:txBody>
+          <a:bodyPr/>
+          <a:lstStyle/>
+          <a:p>
+            <a:pPr lvl="0" marL="0" indent="0" algn="ctr">
+              <a:buNone/>
+            </a:pPr>
+            <a:r>
+              <a:rPr/>
+              <a:t>mozilla</a:t>
+            </a:r>
+          </a:p>
+        </p:txBody>
+      </p:sp>
     </p:spTree>
   </p:cSld>
 </p:sld>

--- a/powerpoints/01-web-and-you.pptx
+++ b/powerpoints/01-web-and-you.pptx
@@ -19384,37 +19384,36 @@
           </a:p>
         </p:txBody>
       </p:sp>
-      <p:sp>
-        <p:nvSpPr>
-          <p:cNvPr id="3" name="Content Placeholder 2"/>
-          <p:cNvSpPr>
-            <a:spLocks noGrp="1"/>
-          </p:cNvSpPr>
-          <p:nvPr>
-            <p:ph idx="1"/>
-          </p:nvPr>
-        </p:nvSpPr>
-        <p:spPr/>
-        <p:txBody>
-          <a:bodyPr/>
-          <a:lstStyle/>
-          <a:p>
-            <a:pPr lvl="0" marL="0" indent="0">
-              <a:buNone/>
-            </a:pPr>
-            <a:r>
-              <a:rPr/>
-              <a:t>Mozilla is a global non-profit dedicated to putting you in control of your online experience and shaping the future of the web for the public good. Visit us at </a:t>
-            </a:r>
-            <a:r>
-              <a:rPr>
-                <a:hlinkClick r:id="rId2"/>
-              </a:rPr>
-              <a:t>mozilla.org</a:t>
-            </a:r>
-          </a:p>
-        </p:txBody>
-      </p:sp>
+      <p:pic>
+        <p:nvPicPr>
+          <p:cNvPr descr="../images/moz-logo-main-rgb.png" id="0" name="Picture 1"/>
+          <p:cNvPicPr>
+            <a:picLocks noGrp="1" noChangeAspect="1"/>
+          </p:cNvPicPr>
+          <p:nvPr/>
+        </p:nvPicPr>
+        <p:blipFill>
+          <a:blip r:embed="rId2"/>
+          <a:stretch>
+            <a:fillRect/>
+          </a:stretch>
+        </p:blipFill>
+        <p:spPr bwMode="auto">
+          <a:xfrm>
+            <a:off x="457200" y="2679700"/>
+            <a:ext cx="8229600" cy="2362200"/>
+          </a:xfrm>
+          <a:prstGeom prst="rect">
+            <a:avLst/>
+          </a:prstGeom>
+          <a:noFill/>
+          <a:ln w="9525">
+            <a:noFill/>
+            <a:headEnd/>
+            <a:tailEnd/>
+          </a:ln>
+        </p:spPr>
+      </p:pic>
     </p:spTree>
   </p:cSld>
 </p:sld>
@@ -19437,62 +19436,42 @@
           <a:chExt cx="0" cy="0"/>
         </a:xfrm>
       </p:grpSpPr>
-      <p:pic>
-        <p:nvPicPr>
-          <p:cNvPr descr="https://www.mozilla.org/media/protocol/img/logos/mozilla/logo-word-hor.e20791bb4dd4.svg" id="0" name="Picture 1"/>
-          <p:cNvPicPr>
-            <a:picLocks noGrp="1" noChangeAspect="1"/>
-          </p:cNvPicPr>
-          <p:nvPr/>
-        </p:nvPicPr>
-        <p:blipFill>
-          <a:blip r:embed="rId2"/>
-          <a:stretch>
-            <a:fillRect/>
-          </a:stretch>
-        </p:blipFill>
-        <p:spPr bwMode="auto">
-          <a:xfrm>
-            <a:off x="457200" y="2425700"/>
-            <a:ext cx="8229600" cy="2349500"/>
-          </a:xfrm>
-          <a:prstGeom prst="rect">
-            <a:avLst/>
-          </a:prstGeom>
-          <a:noFill/>
-          <a:ln w="9525">
-            <a:noFill/>
-            <a:headEnd/>
-            <a:tailEnd/>
-          </a:ln>
-        </p:spPr>
-      </p:pic>
       <p:sp>
         <p:nvSpPr>
-          <p:cNvPr id="1" name="TextBox 3"/>
-          <p:cNvSpPr txBox="1"/>
-          <p:nvPr/>
+          <p:cNvPr id="3" name="Content Placeholder 2"/>
+          <p:cNvSpPr>
+            <a:spLocks noGrp="1"/>
+          </p:cNvSpPr>
+          <p:nvPr>
+            <p:ph idx="1"/>
+          </p:nvPr>
         </p:nvSpPr>
-        <p:spPr>
-          <a:xfrm>
-            <a:off x="457200" y="5613400"/>
-            <a:ext cx="8229600" cy="508000"/>
-          </a:xfrm>
-          <a:prstGeom prst="rect">
-            <a:avLst/>
-          </a:prstGeom>
-          <a:noFill/>
-        </p:spPr>
+        <p:spPr/>
         <p:txBody>
           <a:bodyPr/>
           <a:lstStyle/>
           <a:p>
-            <a:pPr lvl="0" marL="0" indent="0" algn="ctr">
+            <a:pPr lvl="0" marL="0" indent="0">
               <a:buNone/>
             </a:pPr>
             <a:r>
               <a:rPr/>
-              <a:t>mozilla</a:t>
+              <a:t> </a:t>
+            </a:r>
+          </a:p>
+          <a:p>
+            <a:pPr lvl="0" marL="0" indent="0">
+              <a:buNone/>
+            </a:pPr>
+            <a:r>
+              <a:rPr/>
+              <a:t>Mozilla is a global non-profit dedicated to putting you in control of your online experience and shaping the future of the web for the public good. Visit us at </a:t>
+            </a:r>
+            <a:r>
+              <a:rPr>
+                <a:hlinkClick r:id="rId2"/>
+              </a:rPr>
+              <a:t>mozilla.org</a:t>
             </a:r>
           </a:p>
         </p:txBody>

--- a/powerpoints/01-web-and-you.pptx
+++ b/powerpoints/01-web-and-you.pptx
@@ -5,7 +5,7 @@
     <p:sldMasterId id="2147483648" r:id="rId1"/>
   </p:sldMasterIdLst>
   <p:notesMasterIdLst>
-    <p:NotesMasterId r:id="rId16"/>
+    <p:NotesMasterId r:id="rId15"/>
   </p:notesMasterIdLst>
   <p:sldIdLst>
     <p:sldId id="256" r:id="rId2"/>
@@ -21,7 +21,6 @@
     <p:sldId id="266" r:id="rId12"/>
     <p:sldId id="267" r:id="rId13"/>
     <p:sldId id="268" r:id="rId14"/>
-    <p:sldId id="269" r:id="rId15"/>
   </p:sldIdLst>
   <p:sldSz cx="9144000" cy="6858000" type="screen4x3"/>
   <p:notesSz cx="6858000" cy="9144000"/>
@@ -19384,58 +19383,6 @@
           </a:p>
         </p:txBody>
       </p:sp>
-      <p:pic>
-        <p:nvPicPr>
-          <p:cNvPr descr="../images/moz-logo-main-rgb.png" id="0" name="Picture 1"/>
-          <p:cNvPicPr>
-            <a:picLocks noGrp="1" noChangeAspect="1"/>
-          </p:cNvPicPr>
-          <p:nvPr/>
-        </p:nvPicPr>
-        <p:blipFill>
-          <a:blip r:embed="rId2"/>
-          <a:stretch>
-            <a:fillRect/>
-          </a:stretch>
-        </p:blipFill>
-        <p:spPr bwMode="auto">
-          <a:xfrm>
-            <a:off x="457200" y="2679700"/>
-            <a:ext cx="8229600" cy="2362200"/>
-          </a:xfrm>
-          <a:prstGeom prst="rect">
-            <a:avLst/>
-          </a:prstGeom>
-          <a:noFill/>
-          <a:ln w="9525">
-            <a:noFill/>
-            <a:headEnd/>
-            <a:tailEnd/>
-          </a:ln>
-        </p:spPr>
-      </p:pic>
-    </p:spTree>
-  </p:cSld>
-</p:sld>
-</file>
-
-<file path=ppt/slides/slide14.xml><?xml version="1.0" encoding="utf-8"?>
-<p:sld xmlns:a="http://schemas.openxmlformats.org/drawingml/2006/main" xmlns:r="http://schemas.openxmlformats.org/officeDocument/2006/relationships" xmlns:p="http://schemas.openxmlformats.org/presentationml/2006/main">
-  <p:cSld>
-    <p:spTree>
-      <p:nvGrpSpPr>
-        <p:cNvPr id="1" name=""/>
-        <p:cNvGrpSpPr/>
-        <p:nvPr/>
-      </p:nvGrpSpPr>
-      <p:grpSpPr>
-        <a:xfrm>
-          <a:off x="0" y="0"/>
-          <a:ext cx="0" cy="0"/>
-          <a:chOff x="0" y="0"/>
-          <a:chExt cx="0" cy="0"/>
-        </a:xfrm>
-      </p:grpSpPr>
       <p:sp>
         <p:nvSpPr>
           <p:cNvPr id="3" name="Content Placeholder 2"/>
@@ -19450,15 +19397,6 @@
         <p:txBody>
           <a:bodyPr/>
           <a:lstStyle/>
-          <a:p>
-            <a:pPr lvl="0" marL="0" indent="0">
-              <a:buNone/>
-            </a:pPr>
-            <a:r>
-              <a:rPr/>
-              <a:t> </a:t>
-            </a:r>
-          </a:p>
           <a:p>
             <a:pPr lvl="0" marL="0" indent="0">
               <a:buNone/>

--- a/powerpoints/01-web-and-you.pptx
+++ b/powerpoints/01-web-and-you.pptx
@@ -2566,7 +2566,7 @@
             </a:r>
             <a:r>
               <a:rPr/>
-              <a:t>favorite</a:t>
+              <a:t>favourite</a:t>
             </a:r>
             <a:r>
               <a:rPr/>
@@ -2582,7 +2582,7 @@
             </a:r>
             <a:r>
               <a:rPr/>
-              <a:t>favorite</a:t>
+              <a:t>favourite</a:t>
             </a:r>
             <a:r>
               <a:rPr/>
@@ -19655,7 +19655,7 @@
             <a:pPr lvl="1"/>
             <a:r>
               <a:rPr/>
-              <a:t>Favorite food</a:t>
+              <a:t>favourite food</a:t>
             </a:r>
           </a:p>
         </p:txBody>

--- a/powerpoints/01-web-and-you.pptx
+++ b/powerpoints/01-web-and-you.pptx
@@ -19491,7 +19491,23 @@
             </a:pPr>
             <a:r>
               <a:rPr/>
-              <a:t>Networks</a:t>
+              <a:t>Web</a:t>
+            </a:r>
+            <a:r>
+              <a:rPr/>
+              <a:t> </a:t>
+            </a:r>
+            <a:r>
+              <a:rPr/>
+              <a:t>and</a:t>
+            </a:r>
+            <a:r>
+              <a:rPr/>
+              <a:t> </a:t>
+            </a:r>
+            <a:r>
+              <a:rPr/>
+              <a:t>You</a:t>
             </a:r>
           </a:p>
         </p:txBody>

--- a/powerpoints/01-web-and-you.pptx
+++ b/powerpoints/01-web-and-you.pptx
@@ -10600,43 +10600,7 @@
             </a:pPr>
             <a:r>
               <a:rPr/>
-              <a:t>[10-15</a:t>
-            </a:r>
-            <a:r>
-              <a:rPr/>
-              <a:t> </a:t>
-            </a:r>
-            <a:r>
-              <a:rPr/>
-              <a:t>mins]</a:t>
-            </a:r>
-          </a:p>
-          <a:p>
-            <a:pPr lvl="0" marL="0" indent="0">
-              <a:buNone/>
-            </a:pPr>
-          </a:p>
-          <a:p>
-            <a:pPr lvl="1"/>
-            <a:r>
-              <a:rPr/>
-              <a:t>Learners</a:t>
-            </a:r>
-            <a:r>
-              <a:rPr/>
-              <a:t> </a:t>
-            </a:r>
-            <a:r>
-              <a:rPr/>
-              <a:t>bring</a:t>
-            </a:r>
-            <a:r>
-              <a:rPr/>
-              <a:t> </a:t>
-            </a:r>
-            <a:r>
-              <a:rPr/>
-              <a:t>their</a:t>
+              <a:t>On</a:t>
             </a:r>
             <a:r>
               <a:rPr/>
@@ -10652,6 +10616,110 @@
             </a:r>
             <a:r>
               <a:rPr/>
+              <a:t>post-it</a:t>
+            </a:r>
+            <a:r>
+              <a:rPr/>
+              <a:t> </a:t>
+            </a:r>
+            <a:r>
+              <a:rPr/>
+              <a:t>notes</a:t>
+            </a:r>
+            <a:r>
+              <a:rPr/>
+              <a:t> </a:t>
+            </a:r>
+            <a:r>
+              <a:rPr/>
+              <a:t>write</a:t>
+            </a:r>
+            <a:r>
+              <a:rPr/>
+              <a:t> </a:t>
+            </a:r>
+            <a:r>
+              <a:rPr/>
+              <a:t>key</a:t>
+            </a:r>
+            <a:r>
+              <a:rPr/>
+              <a:t> </a:t>
+            </a:r>
+            <a:r>
+              <a:rPr/>
+              <a:t>words</a:t>
+            </a:r>
+            <a:r>
+              <a:rPr/>
+              <a:t> </a:t>
+            </a:r>
+            <a:r>
+              <a:rPr/>
+              <a:t>you</a:t>
+            </a:r>
+            <a:r>
+              <a:rPr/>
+              <a:t> </a:t>
+            </a:r>
+            <a:r>
+              <a:rPr/>
+              <a:t>heard</a:t>
+            </a:r>
+            <a:r>
+              <a:rPr/>
+              <a:t> </a:t>
+            </a:r>
+            <a:r>
+              <a:rPr/>
+              <a:t>in</a:t>
+            </a:r>
+            <a:r>
+              <a:rPr/>
+              <a:t> </a:t>
+            </a:r>
+            <a:r>
+              <a:rPr/>
+              <a:t>the</a:t>
+            </a:r>
+            <a:r>
+              <a:rPr/>
+              <a:t> </a:t>
+            </a:r>
+            <a:r>
+              <a:rPr/>
+              <a:t>stories</a:t>
+            </a:r>
+            <a:r>
+              <a:rPr/>
+              <a:t> </a:t>
+            </a:r>
+            <a:r>
+              <a:rPr/>
+              <a:t>(one</a:t>
+            </a:r>
+            <a:r>
+              <a:rPr/>
+              <a:t> </a:t>
+            </a:r>
+            <a:r>
+              <a:rPr/>
+              <a:t>word</a:t>
+            </a:r>
+            <a:r>
+              <a:rPr/>
+              <a:t> </a:t>
+            </a:r>
+            <a:r>
+              <a:rPr/>
+              <a:t>per</a:t>
+            </a:r>
+            <a:r>
+              <a:rPr/>
+              <a:t> </a:t>
+            </a:r>
+            <a:r>
+              <a:rPr/>
               <a:t>sticky</a:t>
             </a:r>
             <a:r>
@@ -10660,231 +10728,7 @@
             </a:r>
             <a:r>
               <a:rPr/>
-              <a:t>notes</a:t>
-            </a:r>
-            <a:r>
-              <a:rPr/>
-              <a:t> </a:t>
-            </a:r>
-            <a:r>
-              <a:rPr/>
-              <a:t>and</a:t>
-            </a:r>
-            <a:r>
-              <a:rPr/>
-              <a:t> </a:t>
-            </a:r>
-            <a:r>
-              <a:rPr/>
-              <a:t>gather</a:t>
-            </a:r>
-            <a:r>
-              <a:rPr/>
-              <a:t> </a:t>
-            </a:r>
-            <a:r>
-              <a:rPr/>
-              <a:t>them</a:t>
-            </a:r>
-            <a:r>
-              <a:rPr/>
-              <a:t> </a:t>
-            </a:r>
-            <a:r>
-              <a:rPr/>
-              <a:t>on</a:t>
-            </a:r>
-            <a:r>
-              <a:rPr/>
-              <a:t> </a:t>
-            </a:r>
-            <a:r>
-              <a:rPr/>
-              <a:t>a</a:t>
-            </a:r>
-            <a:r>
-              <a:rPr/>
-              <a:t> </a:t>
-            </a:r>
-            <a:r>
-              <a:rPr/>
-              <a:t>wall,</a:t>
-            </a:r>
-            <a:r>
-              <a:rPr/>
-              <a:t> </a:t>
-            </a:r>
-            <a:r>
-              <a:rPr/>
-              <a:t>in</a:t>
-            </a:r>
-            <a:r>
-              <a:rPr/>
-              <a:t> </a:t>
-            </a:r>
-            <a:r>
-              <a:rPr/>
-              <a:t>word</a:t>
-            </a:r>
-            <a:r>
-              <a:rPr/>
-              <a:t> </a:t>
-            </a:r>
-            <a:r>
-              <a:rPr/>
-              <a:t>groupings</a:t>
-            </a:r>
-            <a:r>
-              <a:rPr/>
-              <a:t> </a:t>
-            </a:r>
-            <a:r>
-              <a:rPr/>
-              <a:t>(verbs,</a:t>
-            </a:r>
-            <a:r>
-              <a:rPr/>
-              <a:t> </a:t>
-            </a:r>
-            <a:r>
-              <a:rPr/>
-              <a:t>adjectives,</a:t>
-            </a:r>
-            <a:r>
-              <a:rPr/>
-              <a:t> </a:t>
-            </a:r>
-            <a:r>
-              <a:rPr/>
-              <a:t>nouns).</a:t>
-            </a:r>
-            <a:r>
-              <a:rPr/>
-              <a:t> </a:t>
-            </a:r>
-            <a:r>
-              <a:rPr/>
-              <a:t>Facilitator</a:t>
-            </a:r>
-            <a:r>
-              <a:rPr/>
-              <a:t> </a:t>
-            </a:r>
-            <a:r>
-              <a:rPr/>
-              <a:t>invites</a:t>
-            </a:r>
-            <a:r>
-              <a:rPr/>
-              <a:t> </a:t>
-            </a:r>
-            <a:r>
-              <a:rPr/>
-              <a:t>learners</a:t>
-            </a:r>
-            <a:r>
-              <a:rPr/>
-              <a:t> </a:t>
-            </a:r>
-            <a:r>
-              <a:rPr/>
-              <a:t>to</a:t>
-            </a:r>
-            <a:r>
-              <a:rPr/>
-              <a:t> </a:t>
-            </a:r>
-            <a:r>
-              <a:rPr/>
-              <a:t>come</a:t>
-            </a:r>
-            <a:r>
-              <a:rPr/>
-              <a:t> </a:t>
-            </a:r>
-            <a:r>
-              <a:rPr/>
-              <a:t>up</a:t>
-            </a:r>
-            <a:r>
-              <a:rPr/>
-              <a:t> </a:t>
-            </a:r>
-            <a:r>
-              <a:rPr/>
-              <a:t>and</a:t>
-            </a:r>
-            <a:r>
-              <a:rPr/>
-              <a:t> </a:t>
-            </a:r>
-            <a:r>
-              <a:rPr/>
-              <a:t>take</a:t>
-            </a:r>
-            <a:r>
-              <a:rPr/>
-              <a:t> </a:t>
-            </a:r>
-            <a:r>
-              <a:rPr/>
-              <a:t>a</a:t>
-            </a:r>
-            <a:r>
-              <a:rPr/>
-              <a:t> </a:t>
-            </a:r>
-            <a:r>
-              <a:rPr/>
-              <a:t>look,</a:t>
-            </a:r>
-            <a:r>
-              <a:rPr/>
-              <a:t> </a:t>
-            </a:r>
-            <a:r>
-              <a:rPr/>
-              <a:t>and</a:t>
-            </a:r>
-            <a:r>
-              <a:rPr/>
-              <a:t> </a:t>
-            </a:r>
-            <a:r>
-              <a:rPr/>
-              <a:t>reflect</a:t>
-            </a:r>
-            <a:r>
-              <a:rPr/>
-              <a:t> </a:t>
-            </a:r>
-            <a:r>
-              <a:rPr/>
-              <a:t>on</a:t>
-            </a:r>
-            <a:r>
-              <a:rPr/>
-              <a:t> </a:t>
-            </a:r>
-            <a:r>
-              <a:rPr/>
-              <a:t>the</a:t>
-            </a:r>
-            <a:r>
-              <a:rPr/>
-              <a:t> </a:t>
-            </a:r>
-            <a:r>
-              <a:rPr/>
-              <a:t>following</a:t>
-            </a:r>
-            <a:r>
-              <a:rPr/>
-              <a:t> </a:t>
-            </a:r>
-            <a:r>
-              <a:rPr/>
-              <a:t>question</a:t>
+              <a:t>note).</a:t>
             </a:r>
           </a:p>
         </p:txBody>
@@ -10906,7 +10750,7 @@
           <a:p>
             <a:fld id="{18BDFEC3-8487-43E8-A154-7C12CBC1FFF2}" type="slidenum">
               <a:rPr lang="en-US"/>
-              <a:t>9</a:t>
+              <a:t>8</a:t>
             </a:fld>
             <a:endParaRPr lang="en-US"/>
           </a:p>
@@ -10961,960 +10805,20 @@
           <a:bodyPr/>
           <a:lstStyle/>
           <a:p>
-            <a:pPr lvl="1"/>
-            <a:r>
-              <a:rPr/>
-              <a:t>Put</a:t>
-            </a:r>
-            <a:r>
-              <a:rPr/>
-              <a:t> </a:t>
-            </a:r>
-            <a:r>
-              <a:rPr/>
-              <a:t>sticky</a:t>
-            </a:r>
-            <a:r>
-              <a:rPr/>
-              <a:t> </a:t>
-            </a:r>
-            <a:r>
-              <a:rPr/>
-              <a:t>notes</a:t>
-            </a:r>
-            <a:r>
-              <a:rPr/>
-              <a:t> </a:t>
-            </a:r>
-            <a:r>
-              <a:rPr/>
-              <a:t>again</a:t>
-            </a:r>
-            <a:r>
-              <a:rPr/>
-              <a:t> </a:t>
-            </a:r>
-            <a:r>
-              <a:rPr/>
-              <a:t>on</a:t>
-            </a:r>
-            <a:r>
-              <a:rPr/>
-              <a:t> </a:t>
-            </a:r>
-            <a:r>
-              <a:rPr/>
-              <a:t>the</a:t>
-            </a:r>
-            <a:r>
-              <a:rPr/>
-              <a:t> </a:t>
-            </a:r>
-            <a:r>
-              <a:rPr/>
-              <a:t>wall,</a:t>
-            </a:r>
-            <a:r>
-              <a:rPr/>
-              <a:t> </a:t>
-            </a:r>
-            <a:r>
-              <a:rPr/>
-              <a:t>and</a:t>
-            </a:r>
-            <a:r>
-              <a:rPr/>
-              <a:t> </a:t>
-            </a:r>
-            <a:r>
-              <a:rPr/>
-              <a:t>again</a:t>
-            </a:r>
-            <a:r>
-              <a:rPr/>
-              <a:t> </a:t>
-            </a:r>
-            <a:r>
-              <a:rPr/>
-              <a:t>invite</a:t>
-            </a:r>
-            <a:r>
-              <a:rPr/>
-              <a:t> </a:t>
-            </a:r>
-            <a:r>
-              <a:rPr/>
-              <a:t>learners</a:t>
-            </a:r>
-            <a:r>
-              <a:rPr/>
-              <a:t> </a:t>
-            </a:r>
-            <a:r>
-              <a:rPr/>
-              <a:t>to</a:t>
-            </a:r>
-            <a:r>
-              <a:rPr/>
-              <a:t> </a:t>
-            </a:r>
-            <a:r>
-              <a:rPr/>
-              <a:t>look</a:t>
-            </a:r>
-            <a:r>
-              <a:rPr/>
-              <a:t> </a:t>
-            </a:r>
-            <a:r>
-              <a:rPr/>
-              <a:t>and</a:t>
-            </a:r>
-            <a:r>
-              <a:rPr/>
-              <a:t> </a:t>
-            </a:r>
-            <a:r>
-              <a:rPr/>
-              <a:t>discuss.</a:t>
-            </a:r>
-            <a:r>
-              <a:rPr/>
-              <a:t> </a:t>
-            </a:r>
-            <a:r>
-              <a:rPr/>
-              <a:t>&gt;</a:t>
-            </a:r>
-            <a:r>
-              <a:rPr/>
-              <a:t> </a:t>
-            </a:r>
-            <a:r>
-              <a:rPr/>
-              <a:t>Tip!</a:t>
-            </a:r>
-            <a:r>
-              <a:rPr/>
-              <a:t> </a:t>
-            </a:r>
-            <a:r>
-              <a:rPr/>
-              <a:t>The</a:t>
-            </a:r>
-            <a:r>
-              <a:rPr/>
-              <a:t> </a:t>
-            </a:r>
-            <a:r>
-              <a:rPr/>
-              <a:t>facilitator</a:t>
-            </a:r>
-            <a:r>
-              <a:rPr/>
-              <a:t> </a:t>
-            </a:r>
-            <a:r>
-              <a:rPr/>
-              <a:t>can</a:t>
-            </a:r>
-            <a:r>
-              <a:rPr/>
-              <a:t> </a:t>
-            </a:r>
-            <a:r>
-              <a:rPr/>
-              <a:t>use</a:t>
-            </a:r>
-            <a:r>
-              <a:rPr/>
-              <a:t> </a:t>
-            </a:r>
-            <a:r>
-              <a:rPr/>
-              <a:t>responses</a:t>
-            </a:r>
-            <a:r>
-              <a:rPr/>
-              <a:t> </a:t>
-            </a:r>
-            <a:r>
-              <a:rPr/>
-              <a:t>to</a:t>
-            </a:r>
-            <a:r>
-              <a:rPr/>
-              <a:t> </a:t>
-            </a:r>
-            <a:r>
-              <a:rPr/>
-              <a:t>stories</a:t>
-            </a:r>
-            <a:r>
-              <a:rPr/>
-              <a:t> </a:t>
-            </a:r>
-            <a:r>
-              <a:rPr/>
-              <a:t>and</a:t>
-            </a:r>
-            <a:r>
-              <a:rPr/>
-              <a:t> </a:t>
-            </a:r>
-            <a:r>
-              <a:rPr/>
-              <a:t>exploration</a:t>
-            </a:r>
-            <a:r>
-              <a:rPr/>
-              <a:t> </a:t>
-            </a:r>
-            <a:r>
-              <a:rPr/>
-              <a:t>questions</a:t>
-            </a:r>
-            <a:r>
-              <a:rPr/>
-              <a:t> </a:t>
-            </a:r>
-            <a:r>
-              <a:rPr/>
-              <a:t>to</a:t>
-            </a:r>
-            <a:r>
-              <a:rPr/>
-              <a:t> </a:t>
-            </a:r>
-            <a:r>
-              <a:rPr/>
-              <a:t>shape</a:t>
-            </a:r>
-            <a:r>
-              <a:rPr/>
-              <a:t> </a:t>
-            </a:r>
-            <a:r>
-              <a:rPr/>
-              <a:t>the</a:t>
-            </a:r>
-            <a:r>
-              <a:rPr/>
-              <a:t> </a:t>
-            </a:r>
-            <a:r>
-              <a:rPr/>
-              <a:t>rest</a:t>
-            </a:r>
-            <a:r>
-              <a:rPr/>
-              <a:t> </a:t>
-            </a:r>
-            <a:r>
-              <a:rPr/>
-              <a:t>of</a:t>
-            </a:r>
-            <a:r>
-              <a:rPr/>
-              <a:t> </a:t>
-            </a:r>
-            <a:r>
-              <a:rPr/>
-              <a:t>the</a:t>
-            </a:r>
-            <a:r>
-              <a:rPr/>
-              <a:t> </a:t>
-            </a:r>
-            <a:r>
-              <a:rPr/>
-              <a:t>program–</a:t>
-            </a:r>
-            <a:r>
-              <a:rPr/>
-              <a:t> </a:t>
-            </a:r>
-            <a:r>
-              <a:rPr/>
-              <a:t>return</a:t>
-            </a:r>
-            <a:r>
-              <a:rPr/>
-              <a:t> </a:t>
-            </a:r>
-            <a:r>
-              <a:rPr/>
-              <a:t>to</a:t>
-            </a:r>
-            <a:r>
-              <a:rPr/>
-              <a:t> </a:t>
-            </a:r>
-            <a:r>
-              <a:rPr/>
-              <a:t>the</a:t>
-            </a:r>
-            <a:r>
-              <a:rPr/>
-              <a:t> </a:t>
-            </a:r>
-            <a:r>
-              <a:rPr/>
-              <a:t>questions</a:t>
-            </a:r>
-            <a:r>
-              <a:rPr/>
-              <a:t> </a:t>
-            </a:r>
-            <a:r>
-              <a:rPr/>
-              <a:t>for</a:t>
-            </a:r>
-            <a:r>
-              <a:rPr/>
-              <a:t> </a:t>
-            </a:r>
-            <a:r>
-              <a:rPr/>
-              <a:t>context,</a:t>
-            </a:r>
-            <a:r>
-              <a:rPr/>
-              <a:t> </a:t>
-            </a:r>
-            <a:r>
-              <a:rPr/>
-              <a:t>examples,</a:t>
-            </a:r>
-            <a:r>
-              <a:rPr/>
-              <a:t> </a:t>
-            </a:r>
-            <a:r>
-              <a:rPr/>
-              <a:t>and</a:t>
-            </a:r>
-            <a:r>
-              <a:rPr/>
-              <a:t> </a:t>
-            </a:r>
-            <a:r>
-              <a:rPr/>
-              <a:t>to</a:t>
-            </a:r>
-            <a:r>
-              <a:rPr/>
-              <a:t> </a:t>
-            </a:r>
-            <a:r>
-              <a:rPr/>
-              <a:t>address</a:t>
-            </a:r>
-            <a:r>
-              <a:rPr/>
-              <a:t> </a:t>
-            </a:r>
-            <a:r>
-              <a:rPr/>
-              <a:t>gaps</a:t>
-            </a:r>
-            <a:r>
-              <a:rPr/>
-              <a:t> </a:t>
-            </a:r>
-            <a:r>
-              <a:rPr/>
-              <a:t>in</a:t>
-            </a:r>
-            <a:r>
-              <a:rPr/>
-              <a:t> </a:t>
-            </a:r>
-            <a:r>
-              <a:rPr/>
-              <a:t>knowledge</a:t>
-            </a:r>
-            <a:r>
-              <a:rPr/>
-              <a:t> </a:t>
-            </a:r>
-            <a:r>
-              <a:rPr/>
-              <a:t>and</a:t>
-            </a:r>
-            <a:r>
-              <a:rPr/>
-              <a:t> </a:t>
-            </a:r>
-            <a:r>
-              <a:rPr/>
-              <a:t>understanding,</a:t>
-            </a:r>
-            <a:r>
-              <a:rPr/>
-              <a:t> </a:t>
-            </a:r>
-            <a:r>
-              <a:rPr/>
-              <a:t>or</a:t>
-            </a:r>
-            <a:r>
-              <a:rPr/>
-              <a:t> </a:t>
-            </a:r>
-            <a:r>
-              <a:rPr/>
-              <a:t>leverage</a:t>
-            </a:r>
-            <a:r>
-              <a:rPr/>
-              <a:t> </a:t>
-            </a:r>
-            <a:r>
-              <a:rPr/>
-              <a:t>special</a:t>
-            </a:r>
-            <a:r>
-              <a:rPr/>
-              <a:t> </a:t>
-            </a:r>
-            <a:r>
-              <a:rPr/>
-              <a:t>expertise–</a:t>
-            </a:r>
-            <a:r>
-              <a:rPr/>
-              <a:t> </a:t>
-            </a:r>
-            <a:r>
-              <a:rPr/>
-              <a:t>ie</a:t>
-            </a:r>
-            <a:r>
-              <a:rPr/>
-              <a:t> </a:t>
-            </a:r>
-            <a:r>
-              <a:rPr/>
-              <a:t>“</a:t>
-            </a:r>
-            <a:r>
-              <a:rPr/>
-              <a:t>we</a:t>
-            </a:r>
-            <a:r>
-              <a:rPr/>
-              <a:t> </a:t>
-            </a:r>
-            <a:r>
-              <a:rPr/>
-              <a:t>had</a:t>
-            </a:r>
-            <a:r>
-              <a:rPr/>
-              <a:t> </a:t>
-            </a:r>
-            <a:r>
-              <a:rPr/>
-              <a:t>a</a:t>
-            </a:r>
-            <a:r>
-              <a:rPr/>
-              <a:t> </a:t>
-            </a:r>
-            <a:r>
-              <a:rPr/>
-              <a:t>question</a:t>
-            </a:r>
-            <a:r>
-              <a:rPr/>
-              <a:t> </a:t>
-            </a:r>
-            <a:r>
-              <a:rPr/>
-              <a:t>about</a:t>
-            </a:r>
-            <a:r>
-              <a:rPr/>
-              <a:t> </a:t>
-            </a:r>
-            <a:r>
-              <a:rPr/>
-              <a:t>how</a:t>
-            </a:r>
-            <a:r>
-              <a:rPr/>
-              <a:t> </a:t>
-            </a:r>
-            <a:r>
-              <a:rPr/>
-              <a:t>a</a:t>
-            </a:r>
-            <a:r>
-              <a:rPr/>
-              <a:t> </a:t>
-            </a:r>
-            <a:r>
-              <a:rPr/>
-              <a:t>browser</a:t>
-            </a:r>
-            <a:r>
-              <a:rPr/>
-              <a:t> </a:t>
-            </a:r>
-            <a:r>
-              <a:rPr/>
-              <a:t>works,</a:t>
-            </a:r>
-            <a:r>
-              <a:rPr/>
-              <a:t> </a:t>
-            </a:r>
-            <a:r>
-              <a:rPr/>
-              <a:t>so</a:t>
-            </a:r>
-            <a:r>
-              <a:rPr/>
-              <a:t> </a:t>
-            </a:r>
-            <a:r>
-              <a:rPr/>
-              <a:t>let’s</a:t>
-            </a:r>
-            <a:r>
-              <a:rPr/>
-              <a:t> </a:t>
-            </a:r>
-            <a:r>
-              <a:rPr/>
-              <a:t>explore</a:t>
-            </a:r>
-            <a:r>
-              <a:rPr/>
-              <a:t> </a:t>
-            </a:r>
-            <a:r>
-              <a:rPr/>
-              <a:t>that</a:t>
-            </a:r>
-            <a:r>
-              <a:rPr/>
-              <a:t> </a:t>
-            </a:r>
-            <a:r>
-              <a:rPr/>
-              <a:t>now</a:t>
-            </a:r>
-            <a:r>
-              <a:rPr/>
-              <a:t>”</a:t>
-            </a:r>
-            <a:r>
-              <a:rPr/>
-              <a:t> </a:t>
-            </a:r>
-            <a:r>
-              <a:rPr/>
-              <a:t>or</a:t>
-            </a:r>
-            <a:r>
-              <a:rPr/>
-              <a:t> </a:t>
-            </a:r>
-            <a:r>
-              <a:rPr/>
-              <a:t>“</a:t>
-            </a:r>
-            <a:r>
-              <a:rPr/>
-              <a:t>some</a:t>
-            </a:r>
-            <a:r>
-              <a:rPr/>
-              <a:t> </a:t>
-            </a:r>
-            <a:r>
-              <a:rPr/>
-              <a:t>of</a:t>
-            </a:r>
-            <a:r>
-              <a:rPr/>
-              <a:t> </a:t>
-            </a:r>
-            <a:r>
-              <a:rPr/>
-              <a:t>you</a:t>
-            </a:r>
-            <a:r>
-              <a:rPr/>
-              <a:t> </a:t>
-            </a:r>
-            <a:r>
-              <a:rPr/>
-              <a:t>are</a:t>
-            </a:r>
-            <a:r>
-              <a:rPr/>
-              <a:t> </a:t>
-            </a:r>
-            <a:r>
-              <a:rPr/>
-              <a:t>active</a:t>
-            </a:r>
-            <a:r>
-              <a:rPr/>
-              <a:t> </a:t>
-            </a:r>
-            <a:r>
-              <a:rPr/>
-              <a:t>youtube</a:t>
-            </a:r>
-            <a:r>
-              <a:rPr/>
-              <a:t> </a:t>
-            </a:r>
-            <a:r>
-              <a:rPr/>
-              <a:t>users–</a:t>
-            </a:r>
-            <a:r>
-              <a:rPr/>
-              <a:t> </a:t>
-            </a:r>
-            <a:r>
-              <a:rPr/>
-              <a:t>what</a:t>
-            </a:r>
-            <a:r>
-              <a:rPr/>
-              <a:t> </a:t>
-            </a:r>
-            <a:r>
-              <a:rPr/>
-              <a:t>can</a:t>
-            </a:r>
-            <a:r>
-              <a:rPr/>
-              <a:t> </a:t>
-            </a:r>
-            <a:r>
-              <a:rPr/>
-              <a:t>you</a:t>
-            </a:r>
-            <a:r>
-              <a:rPr/>
-              <a:t> </a:t>
-            </a:r>
-            <a:r>
-              <a:rPr/>
-              <a:t>tell</a:t>
-            </a:r>
-            <a:r>
-              <a:rPr/>
-              <a:t> </a:t>
-            </a:r>
-            <a:r>
-              <a:rPr/>
-              <a:t>us</a:t>
-            </a:r>
-            <a:r>
-              <a:rPr/>
-              <a:t> </a:t>
-            </a:r>
-            <a:r>
-              <a:rPr/>
-              <a:t>about</a:t>
-            </a:r>
-            <a:r>
-              <a:rPr/>
-              <a:t> </a:t>
-            </a:r>
-            <a:r>
-              <a:rPr/>
-              <a:t>the</a:t>
-            </a:r>
-            <a:r>
-              <a:rPr/>
-              <a:t> </a:t>
-            </a:r>
-            <a:r>
-              <a:rPr/>
-              <a:t>platform?</a:t>
-            </a:r>
-            <a:r>
-              <a:rPr/>
-              <a:t>”</a:t>
-            </a:r>
-          </a:p>
-          <a:p>
             <a:pPr lvl="0" marL="0" indent="0">
               <a:buNone/>
             </a:pPr>
-          </a:p>
-          <a:p>
-            <a:pPr lvl="0" marL="1270000" indent="0">
-              <a:buNone/>
-            </a:pPr>
-            <a:r>
-              <a:rPr sz="2000"/>
-              <a:t>Tip!</a:t>
-            </a:r>
-            <a:r>
-              <a:rPr sz="2000"/>
-              <a:t> </a:t>
-            </a:r>
-            <a:r>
-              <a:rPr sz="2000"/>
-              <a:t>Always</a:t>
-            </a:r>
-            <a:r>
-              <a:rPr sz="2000"/>
-              <a:t> </a:t>
-            </a:r>
-            <a:r>
-              <a:rPr sz="2000"/>
-              <a:t>be</a:t>
-            </a:r>
-            <a:r>
-              <a:rPr sz="2000"/>
-              <a:t> </a:t>
-            </a:r>
-            <a:r>
-              <a:rPr sz="2000"/>
-              <a:t>respectful</a:t>
-            </a:r>
-            <a:r>
-              <a:rPr sz="2000"/>
-              <a:t> </a:t>
-            </a:r>
-            <a:r>
-              <a:rPr sz="2000"/>
-              <a:t>of</a:t>
-            </a:r>
-            <a:r>
-              <a:rPr sz="2000"/>
-              <a:t> </a:t>
-            </a:r>
-            <a:r>
-              <a:rPr sz="2000"/>
-              <a:t>varied</a:t>
-            </a:r>
-            <a:r>
-              <a:rPr sz="2000"/>
-              <a:t> </a:t>
-            </a:r>
-            <a:r>
-              <a:rPr sz="2000"/>
-              <a:t>viewpoints,</a:t>
-            </a:r>
-            <a:r>
-              <a:rPr sz="2000"/>
-              <a:t> </a:t>
-            </a:r>
-            <a:r>
-              <a:rPr sz="2000"/>
-              <a:t>ideas,</a:t>
-            </a:r>
-            <a:r>
-              <a:rPr sz="2000"/>
-              <a:t> </a:t>
-            </a:r>
-            <a:r>
-              <a:rPr sz="2000"/>
-              <a:t>and</a:t>
-            </a:r>
-            <a:r>
-              <a:rPr sz="2000"/>
-              <a:t> </a:t>
-            </a:r>
-            <a:r>
-              <a:rPr sz="2000"/>
-              <a:t>perspectives</a:t>
-            </a:r>
-            <a:r>
-              <a:rPr sz="2000"/>
-              <a:t> </a:t>
-            </a:r>
-            <a:r>
-              <a:rPr sz="2000"/>
-              <a:t>when</a:t>
-            </a:r>
-            <a:r>
-              <a:rPr sz="2000"/>
-              <a:t> </a:t>
-            </a:r>
-            <a:r>
-              <a:rPr sz="2000"/>
-              <a:t>referring</a:t>
-            </a:r>
-            <a:r>
-              <a:rPr sz="2000"/>
-              <a:t> </a:t>
-            </a:r>
-            <a:r>
-              <a:rPr sz="2000"/>
-              <a:t>to</a:t>
-            </a:r>
-            <a:r>
-              <a:rPr sz="2000"/>
-              <a:t> </a:t>
-            </a:r>
-            <a:r>
-              <a:rPr sz="2000"/>
-              <a:t>content</a:t>
-            </a:r>
-            <a:r>
-              <a:rPr sz="2000"/>
-              <a:t> </a:t>
-            </a:r>
-            <a:r>
-              <a:rPr sz="2000"/>
-              <a:t>that</a:t>
-            </a:r>
-            <a:r>
-              <a:rPr sz="2000"/>
-              <a:t> </a:t>
-            </a:r>
-            <a:r>
-              <a:rPr sz="2000"/>
-              <a:t>the</a:t>
-            </a:r>
-            <a:r>
-              <a:rPr sz="2000"/>
-              <a:t> </a:t>
-            </a:r>
-            <a:r>
-              <a:rPr sz="2000"/>
-              <a:t>learners</a:t>
-            </a:r>
-            <a:r>
-              <a:rPr sz="2000"/>
-              <a:t> </a:t>
-            </a:r>
-            <a:r>
-              <a:rPr sz="2000"/>
-              <a:t>share.</a:t>
-            </a:r>
-            <a:r>
-              <a:rPr sz="2000"/>
-              <a:t> </a:t>
-            </a:r>
-            <a:r>
-              <a:rPr sz="2000"/>
-              <a:t>At</a:t>
-            </a:r>
-            <a:r>
-              <a:rPr sz="2000"/>
-              <a:t> </a:t>
-            </a:r>
-            <a:r>
-              <a:rPr sz="2000"/>
-              <a:t>the</a:t>
-            </a:r>
-            <a:r>
-              <a:rPr sz="2000"/>
-              <a:t> </a:t>
-            </a:r>
-            <a:r>
-              <a:rPr sz="2000"/>
-              <a:t>end</a:t>
-            </a:r>
-            <a:r>
-              <a:rPr sz="2000"/>
-              <a:t> </a:t>
-            </a:r>
-            <a:r>
-              <a:rPr sz="2000"/>
-              <a:t>of</a:t>
-            </a:r>
-            <a:r>
-              <a:rPr sz="2000"/>
-              <a:t> </a:t>
-            </a:r>
-            <a:r>
-              <a:rPr sz="2000"/>
-              <a:t>the</a:t>
-            </a:r>
-            <a:r>
-              <a:rPr sz="2000"/>
-              <a:t> </a:t>
-            </a:r>
-            <a:r>
-              <a:rPr sz="2000"/>
-              <a:t>session,</a:t>
-            </a:r>
-            <a:r>
-              <a:rPr sz="2000"/>
-              <a:t> </a:t>
-            </a:r>
-            <a:r>
-              <a:rPr sz="2000"/>
-              <a:t>thank</a:t>
-            </a:r>
-            <a:r>
-              <a:rPr sz="2000"/>
-              <a:t> </a:t>
-            </a:r>
-            <a:r>
-              <a:rPr sz="2000"/>
-              <a:t>the</a:t>
-            </a:r>
-            <a:r>
-              <a:rPr sz="2000"/>
-              <a:t> </a:t>
-            </a:r>
-            <a:r>
-              <a:rPr sz="2000"/>
-              <a:t>learners</a:t>
-            </a:r>
-            <a:r>
-              <a:rPr sz="2000"/>
-              <a:t> </a:t>
-            </a:r>
-            <a:r>
-              <a:rPr sz="2000"/>
-              <a:t>for</a:t>
-            </a:r>
-            <a:r>
-              <a:rPr sz="2000"/>
-              <a:t> </a:t>
-            </a:r>
-            <a:r>
-              <a:rPr sz="2000"/>
-              <a:t>their</a:t>
-            </a:r>
-            <a:r>
-              <a:rPr sz="2000"/>
-              <a:t> </a:t>
-            </a:r>
-            <a:r>
-              <a:rPr sz="2000"/>
-              <a:t>participation,</a:t>
-            </a:r>
-            <a:r>
-              <a:rPr sz="2000"/>
-              <a:t> </a:t>
-            </a:r>
-            <a:r>
-              <a:rPr sz="2000"/>
-              <a:t>questions,</a:t>
-            </a:r>
-            <a:r>
-              <a:rPr sz="2000"/>
-              <a:t> </a:t>
-            </a:r>
-            <a:r>
-              <a:rPr sz="2000"/>
-              <a:t>and</a:t>
-            </a:r>
-            <a:r>
-              <a:rPr sz="2000"/>
-              <a:t> </a:t>
-            </a:r>
-            <a:r>
-              <a:rPr sz="2000"/>
-              <a:t>insights!</a:t>
+            <a:r>
+              <a:rPr/>
+              <a:t>[10-15</a:t>
+            </a:r>
+            <a:r>
+              <a:rPr/>
+              <a:t> </a:t>
+            </a:r>
+            <a:r>
+              <a:rPr/>
+              <a:t>mins]</a:t>
             </a:r>
           </a:p>
           <a:p>
@@ -11926,15 +10830,159 @@
             <a:pPr lvl="1"/>
             <a:r>
               <a:rPr/>
-              <a:t>Now</a:t>
-            </a:r>
-            <a:r>
-              <a:rPr/>
-              <a:t> </a:t>
-            </a:r>
-            <a:r>
-              <a:rPr/>
-              <a:t>that</a:t>
+              <a:t>Learners</a:t>
+            </a:r>
+            <a:r>
+              <a:rPr/>
+              <a:t> </a:t>
+            </a:r>
+            <a:r>
+              <a:rPr/>
+              <a:t>bring</a:t>
+            </a:r>
+            <a:r>
+              <a:rPr/>
+              <a:t> </a:t>
+            </a:r>
+            <a:r>
+              <a:rPr/>
+              <a:t>their</a:t>
+            </a:r>
+            <a:r>
+              <a:rPr/>
+              <a:t> </a:t>
+            </a:r>
+            <a:r>
+              <a:rPr/>
+              <a:t>the</a:t>
+            </a:r>
+            <a:r>
+              <a:rPr/>
+              <a:t> </a:t>
+            </a:r>
+            <a:r>
+              <a:rPr/>
+              <a:t>sticky</a:t>
+            </a:r>
+            <a:r>
+              <a:rPr/>
+              <a:t> </a:t>
+            </a:r>
+            <a:r>
+              <a:rPr/>
+              <a:t>notes</a:t>
+            </a:r>
+            <a:r>
+              <a:rPr/>
+              <a:t> </a:t>
+            </a:r>
+            <a:r>
+              <a:rPr/>
+              <a:t>and</a:t>
+            </a:r>
+            <a:r>
+              <a:rPr/>
+              <a:t> </a:t>
+            </a:r>
+            <a:r>
+              <a:rPr/>
+              <a:t>gather</a:t>
+            </a:r>
+            <a:r>
+              <a:rPr/>
+              <a:t> </a:t>
+            </a:r>
+            <a:r>
+              <a:rPr/>
+              <a:t>them</a:t>
+            </a:r>
+            <a:r>
+              <a:rPr/>
+              <a:t> </a:t>
+            </a:r>
+            <a:r>
+              <a:rPr/>
+              <a:t>on</a:t>
+            </a:r>
+            <a:r>
+              <a:rPr/>
+              <a:t> </a:t>
+            </a:r>
+            <a:r>
+              <a:rPr/>
+              <a:t>a</a:t>
+            </a:r>
+            <a:r>
+              <a:rPr/>
+              <a:t> </a:t>
+            </a:r>
+            <a:r>
+              <a:rPr/>
+              <a:t>wall,</a:t>
+            </a:r>
+            <a:r>
+              <a:rPr/>
+              <a:t> </a:t>
+            </a:r>
+            <a:r>
+              <a:rPr/>
+              <a:t>in</a:t>
+            </a:r>
+            <a:r>
+              <a:rPr/>
+              <a:t> </a:t>
+            </a:r>
+            <a:r>
+              <a:rPr/>
+              <a:t>word</a:t>
+            </a:r>
+            <a:r>
+              <a:rPr/>
+              <a:t> </a:t>
+            </a:r>
+            <a:r>
+              <a:rPr/>
+              <a:t>groupings</a:t>
+            </a:r>
+            <a:r>
+              <a:rPr/>
+              <a:t> </a:t>
+            </a:r>
+            <a:r>
+              <a:rPr/>
+              <a:t>(verbs,</a:t>
+            </a:r>
+            <a:r>
+              <a:rPr/>
+              <a:t> </a:t>
+            </a:r>
+            <a:r>
+              <a:rPr/>
+              <a:t>adjectives,</a:t>
+            </a:r>
+            <a:r>
+              <a:rPr/>
+              <a:t> </a:t>
+            </a:r>
+            <a:r>
+              <a:rPr/>
+              <a:t>nouns).</a:t>
+            </a:r>
+            <a:r>
+              <a:rPr/>
+              <a:t> </a:t>
+            </a:r>
+            <a:r>
+              <a:rPr/>
+              <a:t>Facilitator</a:t>
+            </a:r>
+            <a:r>
+              <a:rPr/>
+              <a:t> </a:t>
+            </a:r>
+            <a:r>
+              <a:rPr/>
+              <a:t>invites</a:t>
             </a:r>
             <a:r>
               <a:rPr/>
@@ -11950,39 +10998,79 @@
             </a:r>
             <a:r>
               <a:rPr/>
-              <a:t>have</a:t>
-            </a:r>
-            <a:r>
-              <a:rPr/>
-              <a:t> </a:t>
-            </a:r>
-            <a:r>
-              <a:rPr/>
-              <a:t>shared</a:t>
-            </a:r>
-            <a:r>
-              <a:rPr/>
-              <a:t> </a:t>
-            </a:r>
-            <a:r>
-              <a:rPr/>
-              <a:t>their</a:t>
-            </a:r>
-            <a:r>
-              <a:rPr/>
-              <a:t> </a:t>
-            </a:r>
-            <a:r>
-              <a:rPr/>
-              <a:t>individual</a:t>
-            </a:r>
-            <a:r>
-              <a:rPr/>
-              <a:t> </a:t>
-            </a:r>
-            <a:r>
-              <a:rPr/>
-              <a:t>stories,</a:t>
+              <a:t>to</a:t>
+            </a:r>
+            <a:r>
+              <a:rPr/>
+              <a:t> </a:t>
+            </a:r>
+            <a:r>
+              <a:rPr/>
+              <a:t>come</a:t>
+            </a:r>
+            <a:r>
+              <a:rPr/>
+              <a:t> </a:t>
+            </a:r>
+            <a:r>
+              <a:rPr/>
+              <a:t>up</a:t>
+            </a:r>
+            <a:r>
+              <a:rPr/>
+              <a:t> </a:t>
+            </a:r>
+            <a:r>
+              <a:rPr/>
+              <a:t>and</a:t>
+            </a:r>
+            <a:r>
+              <a:rPr/>
+              <a:t> </a:t>
+            </a:r>
+            <a:r>
+              <a:rPr/>
+              <a:t>take</a:t>
+            </a:r>
+            <a:r>
+              <a:rPr/>
+              <a:t> </a:t>
+            </a:r>
+            <a:r>
+              <a:rPr/>
+              <a:t>a</a:t>
+            </a:r>
+            <a:r>
+              <a:rPr/>
+              <a:t> </a:t>
+            </a:r>
+            <a:r>
+              <a:rPr/>
+              <a:t>look,</a:t>
+            </a:r>
+            <a:r>
+              <a:rPr/>
+              <a:t> </a:t>
+            </a:r>
+            <a:r>
+              <a:rPr/>
+              <a:t>and</a:t>
+            </a:r>
+            <a:r>
+              <a:rPr/>
+              <a:t> </a:t>
+            </a:r>
+            <a:r>
+              <a:rPr/>
+              <a:t>reflect</a:t>
+            </a:r>
+            <a:r>
+              <a:rPr/>
+              <a:t> </a:t>
+            </a:r>
+            <a:r>
+              <a:rPr/>
+              <a:t>on</a:t>
             </a:r>
             <a:r>
               <a:rPr/>
@@ -11998,3339 +11086,15 @@
             </a:r>
             <a:r>
               <a:rPr/>
-              <a:t>facilitator</a:t>
-            </a:r>
-            <a:r>
-              <a:rPr/>
-              <a:t> </a:t>
-            </a:r>
-            <a:r>
-              <a:rPr/>
-              <a:t>asks</a:t>
-            </a:r>
-            <a:r>
-              <a:rPr/>
-              <a:t> </a:t>
-            </a:r>
-            <a:r>
-              <a:rPr/>
-              <a:t>the</a:t>
-            </a:r>
-            <a:r>
-              <a:rPr/>
-              <a:t> </a:t>
-            </a:r>
-            <a:r>
-              <a:rPr/>
-              <a:t>group</a:t>
-            </a:r>
-            <a:r>
-              <a:rPr/>
-              <a:t> </a:t>
-            </a:r>
-            <a:r>
-              <a:rPr/>
-              <a:t>to</a:t>
-            </a:r>
-            <a:r>
-              <a:rPr/>
-              <a:t> </a:t>
-            </a:r>
-            <a:r>
-              <a:rPr/>
-              <a:t>reflect</a:t>
-            </a:r>
-            <a:r>
-              <a:rPr/>
-              <a:t> </a:t>
-            </a:r>
-            <a:r>
-              <a:rPr/>
-              <a:t>on</a:t>
-            </a:r>
-            <a:r>
-              <a:rPr/>
-              <a:t> </a:t>
-            </a:r>
-            <a:r>
-              <a:rPr/>
-              <a:t>what</a:t>
-            </a:r>
-            <a:r>
-              <a:rPr/>
-              <a:t> </a:t>
-            </a:r>
-            <a:r>
-              <a:rPr/>
-              <a:t>they</a:t>
-            </a:r>
-            <a:r>
-              <a:rPr/>
-              <a:t> </a:t>
-            </a:r>
-            <a:r>
-              <a:rPr/>
-              <a:t>heard</a:t>
-            </a:r>
-            <a:r>
-              <a:rPr/>
-              <a:t> </a:t>
-            </a:r>
-            <a:r>
-              <a:rPr/>
-              <a:t>(in</a:t>
-            </a:r>
-            <a:r>
-              <a:rPr/>
-              <a:t> </a:t>
-            </a:r>
-            <a:r>
-              <a:rPr/>
-              <a:t>their</a:t>
-            </a:r>
-            <a:r>
-              <a:rPr/>
-              <a:t> </a:t>
-            </a:r>
-            <a:r>
-              <a:rPr/>
-              <a:t>own</a:t>
-            </a:r>
-            <a:r>
-              <a:rPr/>
-              <a:t> </a:t>
-            </a:r>
-            <a:r>
-              <a:rPr/>
-              <a:t>story,</a:t>
-            </a:r>
-            <a:r>
-              <a:rPr/>
-              <a:t> </a:t>
-            </a:r>
-            <a:r>
-              <a:rPr/>
-              <a:t>and</a:t>
-            </a:r>
-            <a:r>
-              <a:rPr/>
-              <a:t> </a:t>
-            </a:r>
-            <a:r>
-              <a:rPr/>
-              <a:t>others’</a:t>
-            </a:r>
-            <a:r>
-              <a:rPr/>
-              <a:t> </a:t>
-            </a:r>
-            <a:r>
-              <a:rPr/>
-              <a:t>stories)</a:t>
-            </a:r>
-            <a:r>
-              <a:rPr/>
-              <a:t> </a:t>
-            </a:r>
-            <a:r>
-              <a:rPr/>
-              <a:t>and</a:t>
-            </a:r>
-            <a:r>
-              <a:rPr/>
-              <a:t> </a:t>
-            </a:r>
-            <a:r>
-              <a:rPr/>
-              <a:t>document</a:t>
-            </a:r>
-            <a:r>
-              <a:rPr/>
-              <a:t> </a:t>
-            </a:r>
-            <a:r>
-              <a:rPr/>
-              <a:t>and/or</a:t>
-            </a:r>
-            <a:r>
-              <a:rPr/>
-              <a:t> </a:t>
-            </a:r>
-            <a:r>
-              <a:rPr/>
-              <a:t>discuss</a:t>
-            </a:r>
-            <a:r>
-              <a:rPr/>
-              <a:t> </a:t>
-            </a:r>
-            <a:r>
-              <a:rPr/>
-              <a:t>all</a:t>
-            </a:r>
-            <a:r>
-              <a:rPr/>
-              <a:t> </a:t>
-            </a:r>
-            <a:r>
-              <a:rPr/>
-              <a:t>the</a:t>
-            </a:r>
-            <a:r>
-              <a:rPr/>
-              <a:t> </a:t>
-            </a:r>
-            <a:r>
-              <a:rPr/>
-              <a:t>different</a:t>
-            </a:r>
-            <a:r>
-              <a:rPr/>
-              <a:t> </a:t>
-            </a:r>
-            <a:r>
-              <a:rPr/>
-              <a:t>ways</a:t>
-            </a:r>
-            <a:r>
-              <a:rPr/>
-              <a:t> </a:t>
-            </a:r>
-            <a:r>
-              <a:rPr/>
-              <a:t>the</a:t>
-            </a:r>
-            <a:r>
-              <a:rPr/>
-              <a:t> </a:t>
-            </a:r>
-            <a:r>
-              <a:rPr/>
-              <a:t>group</a:t>
-            </a:r>
-            <a:r>
-              <a:rPr/>
-              <a:t> </a:t>
-            </a:r>
-            <a:r>
-              <a:rPr/>
-              <a:t>uses</a:t>
-            </a:r>
-            <a:r>
-              <a:rPr/>
-              <a:t> </a:t>
-            </a:r>
-            <a:r>
-              <a:rPr/>
-              <a:t>the</a:t>
-            </a:r>
-            <a:r>
-              <a:rPr/>
-              <a:t> </a:t>
-            </a:r>
-            <a:r>
-              <a:rPr/>
-              <a:t>web.</a:t>
-            </a:r>
-          </a:p>
-          <a:p>
-            <a:pPr lvl="0" marL="0" indent="0">
-              <a:buNone/>
-            </a:pPr>
-          </a:p>
-          <a:p>
-            <a:pPr lvl="0" marL="1270000" indent="0">
-              <a:buNone/>
-            </a:pPr>
-            <a:r>
-              <a:rPr sz="2000"/>
-              <a:t>Tip!</a:t>
-            </a:r>
-            <a:r>
-              <a:rPr sz="2000"/>
-              <a:t> </a:t>
-            </a:r>
-            <a:r>
-              <a:rPr sz="2000"/>
-              <a:t>If</a:t>
-            </a:r>
-            <a:r>
-              <a:rPr sz="2000"/>
-              <a:t> </a:t>
-            </a:r>
-            <a:r>
-              <a:rPr sz="2000"/>
-              <a:t>time</a:t>
-            </a:r>
-            <a:r>
-              <a:rPr sz="2000"/>
-              <a:t> </a:t>
-            </a:r>
-            <a:r>
-              <a:rPr sz="2000"/>
-              <a:t>is</a:t>
-            </a:r>
-            <a:r>
-              <a:rPr sz="2000"/>
-              <a:t> </a:t>
-            </a:r>
-            <a:r>
-              <a:rPr sz="2000"/>
-              <a:t>tight,</a:t>
-            </a:r>
-            <a:r>
-              <a:rPr sz="2000"/>
-              <a:t> </a:t>
-            </a:r>
-            <a:r>
-              <a:rPr sz="2000"/>
-              <a:t>the</a:t>
-            </a:r>
-            <a:r>
-              <a:rPr sz="2000"/>
-              <a:t> </a:t>
-            </a:r>
-            <a:r>
-              <a:rPr sz="2000"/>
-              <a:t>facilitator</a:t>
-            </a:r>
-            <a:r>
-              <a:rPr sz="2000"/>
-              <a:t> </a:t>
-            </a:r>
-            <a:r>
-              <a:rPr sz="2000"/>
-              <a:t>may</a:t>
-            </a:r>
-            <a:r>
-              <a:rPr sz="2000"/>
-              <a:t> </a:t>
-            </a:r>
-            <a:r>
-              <a:rPr sz="2000"/>
-              <a:t>opt</a:t>
-            </a:r>
-            <a:r>
-              <a:rPr sz="2000"/>
-              <a:t> </a:t>
-            </a:r>
-            <a:r>
-              <a:rPr sz="2000"/>
-              <a:t>to</a:t>
-            </a:r>
-            <a:r>
-              <a:rPr sz="2000"/>
-              <a:t> </a:t>
-            </a:r>
-            <a:r>
-              <a:rPr sz="2000"/>
-              <a:t>do</a:t>
-            </a:r>
-            <a:r>
-              <a:rPr sz="2000"/>
-              <a:t> </a:t>
-            </a:r>
-            <a:r>
-              <a:rPr sz="2000"/>
-              <a:t>either</a:t>
-            </a:r>
-            <a:r>
-              <a:rPr sz="2000"/>
-              <a:t> </a:t>
-            </a:r>
-            <a:r>
-              <a:rPr sz="2000"/>
-              <a:t>the</a:t>
-            </a:r>
-            <a:r>
-              <a:rPr sz="2000"/>
-              <a:t> </a:t>
-            </a:r>
-            <a:r>
-              <a:rPr sz="2000"/>
-              <a:t>word</a:t>
-            </a:r>
-            <a:r>
-              <a:rPr sz="2000"/>
-              <a:t> </a:t>
-            </a:r>
-            <a:r>
-              <a:rPr sz="2000"/>
-              <a:t>map</a:t>
-            </a:r>
-            <a:r>
-              <a:rPr sz="2000"/>
-              <a:t> </a:t>
-            </a:r>
-            <a:r>
-              <a:rPr sz="2000"/>
-              <a:t>exercise,</a:t>
-            </a:r>
-            <a:r>
-              <a:rPr sz="2000"/>
-              <a:t> </a:t>
-            </a:r>
-            <a:r>
-              <a:rPr sz="2000"/>
-              <a:t>or</a:t>
-            </a:r>
-            <a:r>
-              <a:rPr sz="2000"/>
-              <a:t> </a:t>
-            </a:r>
-            <a:r>
-              <a:rPr sz="2000"/>
-              <a:t>pose</a:t>
-            </a:r>
-            <a:r>
-              <a:rPr sz="2000"/>
-              <a:t> </a:t>
-            </a:r>
-            <a:r>
-              <a:rPr sz="2000"/>
-              <a:t>some</a:t>
-            </a:r>
-            <a:r>
-              <a:rPr sz="2000"/>
-              <a:t> </a:t>
-            </a:r>
-            <a:r>
-              <a:rPr sz="2000"/>
-              <a:t>exploration</a:t>
-            </a:r>
-            <a:r>
-              <a:rPr sz="2000"/>
-              <a:t> </a:t>
-            </a:r>
-            <a:r>
-              <a:rPr sz="2000"/>
-              <a:t>questions.</a:t>
-            </a:r>
-          </a:p>
-          <a:p>
-            <a:pPr lvl="0" marL="0" indent="0">
-              <a:buNone/>
-            </a:pPr>
-          </a:p>
-          <a:p>
-            <a:pPr lvl="1"/>
-            <a:r>
-              <a:rPr sz="2000"/>
-              <a:t>Word</a:t>
-            </a:r>
-            <a:r>
-              <a:rPr sz="2000"/>
-              <a:t> </a:t>
-            </a:r>
-            <a:r>
-              <a:rPr sz="2000"/>
-              <a:t>Map:</a:t>
-            </a:r>
-            <a:r>
-              <a:rPr sz="2000"/>
-              <a:t> </a:t>
-            </a:r>
-            <a:r>
-              <a:rPr sz="2000"/>
-              <a:t>Using</a:t>
-            </a:r>
-            <a:r>
-              <a:rPr sz="2000"/>
-              <a:t> </a:t>
-            </a:r>
-            <a:r>
-              <a:rPr sz="2000"/>
-              <a:t>sticky</a:t>
-            </a:r>
-            <a:r>
-              <a:rPr sz="2000"/>
-              <a:t> </a:t>
-            </a:r>
-            <a:r>
-              <a:rPr sz="2000"/>
-              <a:t>notes</a:t>
-            </a:r>
-            <a:r>
-              <a:rPr sz="2000"/>
-              <a:t> </a:t>
-            </a:r>
-            <a:r>
-              <a:rPr sz="2000"/>
-              <a:t>or</a:t>
-            </a:r>
-            <a:r>
-              <a:rPr sz="2000"/>
-              <a:t> </a:t>
-            </a:r>
-            <a:r>
-              <a:rPr sz="2000"/>
-              <a:t>note</a:t>
-            </a:r>
-            <a:r>
-              <a:rPr sz="2000"/>
-              <a:t> </a:t>
-            </a:r>
-            <a:r>
-              <a:rPr sz="2000"/>
-              <a:t>cards,</a:t>
-            </a:r>
-            <a:r>
-              <a:rPr sz="2000"/>
-              <a:t> </a:t>
-            </a:r>
-            <a:r>
-              <a:rPr sz="2000"/>
-              <a:t>learners</a:t>
-            </a:r>
-            <a:r>
-              <a:rPr sz="2000"/>
-              <a:t> </a:t>
-            </a:r>
-            <a:r>
-              <a:rPr sz="2000"/>
-              <a:t>making</a:t>
-            </a:r>
-            <a:r>
-              <a:rPr sz="2000"/>
-              <a:t> </a:t>
-            </a:r>
-            <a:r>
-              <a:rPr sz="2000"/>
-              <a:t>lists</a:t>
-            </a:r>
-            <a:r>
-              <a:rPr sz="2000"/>
-              <a:t> </a:t>
-            </a:r>
-            <a:r>
-              <a:rPr sz="2000"/>
-              <a:t>of</a:t>
-            </a:r>
-            <a:r>
-              <a:rPr sz="2000"/>
-              <a:t> </a:t>
-            </a:r>
-            <a:r>
-              <a:rPr sz="2000"/>
-              <a:t>words</a:t>
-            </a:r>
-            <a:r>
-              <a:rPr sz="2000"/>
-              <a:t> </a:t>
-            </a:r>
-            <a:r>
-              <a:rPr sz="2000"/>
-              <a:t>learners</a:t>
-            </a:r>
-            <a:r>
-              <a:rPr sz="2000"/>
-              <a:t> </a:t>
-            </a:r>
-            <a:r>
-              <a:rPr sz="2000"/>
-              <a:t>heard</a:t>
-            </a:r>
-            <a:r>
-              <a:rPr sz="2000"/>
-              <a:t> </a:t>
-            </a:r>
-            <a:r>
-              <a:rPr sz="2000"/>
-              <a:t>in</a:t>
-            </a:r>
-            <a:r>
-              <a:rPr sz="2000"/>
-              <a:t> </a:t>
-            </a:r>
-            <a:r>
-              <a:rPr sz="2000"/>
-              <a:t>the</a:t>
-            </a:r>
-            <a:r>
-              <a:rPr sz="2000"/>
-              <a:t> </a:t>
-            </a:r>
-            <a:r>
-              <a:rPr sz="2000"/>
-              <a:t>stories.</a:t>
-            </a:r>
-            <a:r>
-              <a:rPr sz="2000"/>
-              <a:t> </a:t>
-            </a:r>
-            <a:r>
-              <a:rPr sz="2000"/>
-              <a:t>Learners</a:t>
-            </a:r>
-            <a:r>
-              <a:rPr sz="2000"/>
-              <a:t> </a:t>
-            </a:r>
-            <a:r>
-              <a:rPr sz="2000"/>
-              <a:t>should</a:t>
-            </a:r>
-            <a:r>
-              <a:rPr sz="2000"/>
-              <a:t> </a:t>
-            </a:r>
-            <a:r>
-              <a:rPr sz="2000"/>
-              <a:t>write</a:t>
-            </a:r>
-            <a:r>
-              <a:rPr sz="2000"/>
-              <a:t> </a:t>
-            </a:r>
-            <a:r>
-              <a:rPr sz="2000"/>
-              <a:t>one</a:t>
-            </a:r>
-            <a:r>
-              <a:rPr sz="2000"/>
-              <a:t> </a:t>
-            </a:r>
-            <a:r>
-              <a:rPr sz="2000"/>
-              <a:t>word</a:t>
-            </a:r>
-            <a:r>
-              <a:rPr sz="2000"/>
-              <a:t> </a:t>
-            </a:r>
-            <a:r>
-              <a:rPr sz="2000"/>
-              <a:t>per</a:t>
-            </a:r>
-            <a:r>
-              <a:rPr sz="2000"/>
-              <a:t> </a:t>
-            </a:r>
-            <a:r>
-              <a:rPr sz="2000"/>
-              <a:t>sticky</a:t>
-            </a:r>
-            <a:r>
-              <a:rPr sz="2000"/>
-              <a:t> </a:t>
-            </a:r>
-            <a:r>
-              <a:rPr sz="2000"/>
-              <a:t>note.</a:t>
-            </a:r>
-          </a:p>
-          <a:p>
-            <a:pPr lvl="0" marL="0" indent="0">
-              <a:buNone/>
-            </a:pPr>
-          </a:p>
-          <a:p>
-            <a:pPr lvl="1"/>
-            <a:r>
-              <a:rPr sz="2000"/>
-              <a:t>VERBS:</a:t>
-            </a:r>
-            <a:r>
-              <a:rPr sz="2000"/>
-              <a:t> </a:t>
-            </a:r>
-            <a:r>
-              <a:rPr sz="2000"/>
-              <a:t>what</a:t>
-            </a:r>
-            <a:r>
-              <a:rPr sz="2000"/>
-              <a:t> </a:t>
-            </a:r>
-            <a:r>
-              <a:rPr sz="2000"/>
-              <a:t>we</a:t>
-            </a:r>
-            <a:r>
-              <a:rPr sz="2000"/>
-              <a:t> </a:t>
-            </a:r>
-            <a:r>
-              <a:rPr sz="2000"/>
-              <a:t>do</a:t>
-            </a:r>
-            <a:r>
-              <a:rPr sz="2000"/>
-              <a:t> </a:t>
-            </a:r>
-            <a:r>
-              <a:rPr sz="2000"/>
-              <a:t>or</a:t>
-            </a:r>
-            <a:r>
-              <a:rPr sz="2000"/>
-              <a:t> </a:t>
-            </a:r>
-            <a:r>
-              <a:rPr sz="2000"/>
-              <a:t>would</a:t>
-            </a:r>
-            <a:r>
-              <a:rPr sz="2000"/>
-              <a:t> </a:t>
-            </a:r>
-            <a:r>
-              <a:rPr sz="2000"/>
-              <a:t>like</a:t>
-            </a:r>
-            <a:r>
-              <a:rPr sz="2000"/>
-              <a:t> </a:t>
-            </a:r>
-            <a:r>
-              <a:rPr sz="2000"/>
-              <a:t>to</a:t>
-            </a:r>
-            <a:r>
-              <a:rPr sz="2000"/>
-              <a:t> </a:t>
-            </a:r>
-            <a:r>
-              <a:rPr sz="2000"/>
-              <a:t>do</a:t>
-            </a:r>
-            <a:r>
-              <a:rPr sz="2000"/>
-              <a:t> </a:t>
-            </a:r>
-            <a:r>
-              <a:rPr sz="2000"/>
-              <a:t>on</a:t>
-            </a:r>
-            <a:r>
-              <a:rPr sz="2000"/>
-              <a:t> </a:t>
-            </a:r>
-            <a:r>
-              <a:rPr sz="2000"/>
-              <a:t>the</a:t>
-            </a:r>
-            <a:r>
-              <a:rPr sz="2000"/>
-              <a:t> </a:t>
-            </a:r>
-            <a:r>
-              <a:rPr sz="2000"/>
-              <a:t>web–</a:t>
-            </a:r>
-            <a:r>
-              <a:rPr sz="2000"/>
-              <a:t> </a:t>
-            </a:r>
-            <a:r>
-              <a:rPr sz="2000"/>
-              <a:t>(examples</a:t>
-            </a:r>
-            <a:r>
-              <a:rPr sz="2000"/>
-              <a:t> </a:t>
-            </a:r>
-            <a:r>
-              <a:rPr sz="2000"/>
-              <a:t>might</a:t>
-            </a:r>
-            <a:r>
-              <a:rPr sz="2000"/>
-              <a:t> </a:t>
-            </a:r>
-            <a:r>
-              <a:rPr sz="2000"/>
-              <a:t>be</a:t>
-            </a:r>
-            <a:r>
-              <a:rPr sz="2000"/>
-              <a:t> </a:t>
-            </a:r>
-            <a:r>
-              <a:rPr sz="2000"/>
-              <a:t>connect,</a:t>
-            </a:r>
-            <a:r>
-              <a:rPr sz="2000"/>
-              <a:t> </a:t>
-            </a:r>
-            <a:r>
-              <a:rPr sz="2000"/>
-              <a:t>learn,</a:t>
-            </a:r>
-            <a:r>
-              <a:rPr sz="2000"/>
-              <a:t> </a:t>
-            </a:r>
-            <a:r>
-              <a:rPr sz="2000"/>
-              <a:t>shop)</a:t>
-            </a:r>
-          </a:p>
-          <a:p>
-            <a:pPr lvl="0" marL="0" indent="0">
-              <a:buNone/>
-            </a:pPr>
-          </a:p>
-          <a:p>
-            <a:pPr lvl="1"/>
-            <a:r>
-              <a:rPr sz="2000"/>
-              <a:t>ADJECTIVES:</a:t>
-            </a:r>
-            <a:r>
-              <a:rPr sz="2000"/>
-              <a:t> </a:t>
-            </a:r>
-            <a:r>
-              <a:rPr sz="2000"/>
-              <a:t>what</a:t>
-            </a:r>
-            <a:r>
-              <a:rPr sz="2000"/>
-              <a:t> </a:t>
-            </a:r>
-            <a:r>
-              <a:rPr sz="2000"/>
-              <a:t>is</a:t>
-            </a:r>
-            <a:r>
-              <a:rPr sz="2000"/>
-              <a:t> </a:t>
-            </a:r>
-            <a:r>
-              <a:rPr sz="2000"/>
-              <a:t>the</a:t>
-            </a:r>
-            <a:r>
-              <a:rPr sz="2000"/>
-              <a:t> </a:t>
-            </a:r>
-            <a:r>
-              <a:rPr sz="2000"/>
-              <a:t>experience</a:t>
-            </a:r>
-            <a:r>
-              <a:rPr sz="2000"/>
-              <a:t> </a:t>
-            </a:r>
-            <a:r>
-              <a:rPr sz="2000"/>
-              <a:t>like</a:t>
-            </a:r>
-            <a:r>
-              <a:rPr sz="2000"/>
-              <a:t> </a:t>
-            </a:r>
-            <a:r>
-              <a:rPr sz="2000"/>
-              <a:t>for</a:t>
-            </a:r>
-            <a:r>
-              <a:rPr sz="2000"/>
-              <a:t> </a:t>
-            </a:r>
-            <a:r>
-              <a:rPr sz="2000"/>
-              <a:t>us,</a:t>
-            </a:r>
-            <a:r>
-              <a:rPr sz="2000"/>
-              <a:t> </a:t>
-            </a:r>
-            <a:r>
-              <a:rPr sz="2000"/>
-              <a:t>and</a:t>
-            </a:r>
-            <a:r>
-              <a:rPr sz="2000"/>
-              <a:t> </a:t>
-            </a:r>
-            <a:r>
-              <a:rPr sz="2000"/>
-              <a:t>for</a:t>
-            </a:r>
-            <a:r>
-              <a:rPr sz="2000"/>
-              <a:t> </a:t>
-            </a:r>
-            <a:r>
-              <a:rPr sz="2000"/>
-              <a:t>others?</a:t>
-            </a:r>
-            <a:r>
-              <a:rPr sz="2000"/>
-              <a:t> </a:t>
-            </a:r>
-            <a:r>
-              <a:rPr sz="2000"/>
-              <a:t>(examples:</a:t>
-            </a:r>
-            <a:r>
-              <a:rPr sz="2000"/>
-              <a:t> </a:t>
-            </a:r>
-            <a:r>
-              <a:rPr sz="2000"/>
-              <a:t>exciting,</a:t>
-            </a:r>
-            <a:r>
-              <a:rPr sz="2000"/>
-              <a:t> </a:t>
-            </a:r>
-            <a:r>
-              <a:rPr sz="2000"/>
-              <a:t>fun,</a:t>
-            </a:r>
-            <a:r>
-              <a:rPr sz="2000"/>
-              <a:t> </a:t>
-            </a:r>
-            <a:r>
-              <a:rPr sz="2000"/>
-              <a:t>overwhelming,</a:t>
-            </a:r>
-            <a:r>
-              <a:rPr sz="2000"/>
-              <a:t> </a:t>
-            </a:r>
-            <a:r>
-              <a:rPr sz="2000"/>
-              <a:t>confusing)</a:t>
-            </a:r>
-          </a:p>
-          <a:p>
-            <a:pPr lvl="0" marL="0" indent="0">
-              <a:buNone/>
-            </a:pPr>
-          </a:p>
-          <a:p>
-            <a:pPr lvl="1"/>
-            <a:r>
-              <a:rPr sz="2000"/>
-              <a:t>NOUNS:</a:t>
-            </a:r>
-            <a:r>
-              <a:rPr sz="2000"/>
-              <a:t> </a:t>
-            </a:r>
-            <a:r>
-              <a:rPr sz="2000"/>
-              <a:t>things</a:t>
-            </a:r>
-            <a:r>
-              <a:rPr sz="2000"/>
-              <a:t> </a:t>
-            </a:r>
-            <a:r>
-              <a:rPr sz="2000"/>
-              <a:t>that</a:t>
-            </a:r>
-            <a:r>
-              <a:rPr sz="2000"/>
-              <a:t> </a:t>
-            </a:r>
-            <a:r>
-              <a:rPr sz="2000"/>
-              <a:t>happen/are</a:t>
-            </a:r>
-            <a:r>
-              <a:rPr sz="2000"/>
-              <a:t> </a:t>
-            </a:r>
-            <a:r>
-              <a:rPr sz="2000"/>
-              <a:t>found</a:t>
-            </a:r>
-            <a:r>
-              <a:rPr sz="2000"/>
-              <a:t> </a:t>
-            </a:r>
-            <a:r>
-              <a:rPr sz="2000"/>
-              <a:t>online,</a:t>
-            </a:r>
-            <a:r>
-              <a:rPr sz="2000"/>
-              <a:t> </a:t>
-            </a:r>
-            <a:r>
-              <a:rPr sz="2000"/>
-              <a:t>or</a:t>
-            </a:r>
-            <a:r>
-              <a:rPr sz="2000"/>
-              <a:t> </a:t>
-            </a:r>
-            <a:r>
-              <a:rPr sz="2000"/>
-              <a:t>what</a:t>
-            </a:r>
-            <a:r>
-              <a:rPr sz="2000"/>
-              <a:t> </a:t>
-            </a:r>
-            <a:r>
-              <a:rPr sz="2000"/>
-              <a:t>we</a:t>
-            </a:r>
-            <a:r>
-              <a:rPr sz="2000"/>
-              <a:t> </a:t>
-            </a:r>
-            <a:r>
-              <a:rPr sz="2000"/>
-              <a:t>use</a:t>
-            </a:r>
-            <a:r>
-              <a:rPr sz="2000"/>
-              <a:t> </a:t>
-            </a:r>
-            <a:r>
-              <a:rPr sz="2000"/>
-              <a:t>to</a:t>
-            </a:r>
-            <a:r>
-              <a:rPr sz="2000"/>
-              <a:t> </a:t>
-            </a:r>
-            <a:r>
-              <a:rPr sz="2000"/>
-              <a:t>connect</a:t>
-            </a:r>
-            <a:r>
-              <a:rPr sz="2000"/>
-              <a:t> </a:t>
-            </a:r>
-            <a:r>
-              <a:rPr sz="2000"/>
-              <a:t>(examples:</a:t>
-            </a:r>
-            <a:r>
-              <a:rPr sz="2000"/>
-              <a:t> </a:t>
-            </a:r>
-            <a:r>
-              <a:rPr sz="2000"/>
-              <a:t>communities,</a:t>
-            </a:r>
-            <a:r>
-              <a:rPr sz="2000"/>
-              <a:t> </a:t>
-            </a:r>
-            <a:r>
-              <a:rPr sz="2000"/>
-              <a:t>music,</a:t>
-            </a:r>
-            <a:r>
-              <a:rPr sz="2000"/>
-              <a:t> </a:t>
-            </a:r>
-            <a:r>
-              <a:rPr sz="2000"/>
-              <a:t>cell</a:t>
-            </a:r>
-            <a:r>
-              <a:rPr sz="2000"/>
-              <a:t> </a:t>
-            </a:r>
-            <a:r>
-              <a:rPr sz="2000"/>
-              <a:t>phone,</a:t>
-            </a:r>
-            <a:r>
-              <a:rPr sz="2000"/>
-              <a:t> </a:t>
-            </a:r>
-            <a:r>
-              <a:rPr sz="2000"/>
-              <a:t>modem)</a:t>
-            </a:r>
-          </a:p>
-          <a:p>
-            <a:pPr lvl="0" marL="0" indent="0">
-              <a:buNone/>
-            </a:pPr>
-          </a:p>
-          <a:p>
-            <a:pPr lvl="1"/>
-            <a:r>
-              <a:rPr sz="2000"/>
-              <a:t>Learners</a:t>
-            </a:r>
-            <a:r>
-              <a:rPr sz="2000"/>
-              <a:t> </a:t>
-            </a:r>
-            <a:r>
-              <a:rPr sz="2000"/>
-              <a:t>bring</a:t>
-            </a:r>
-            <a:r>
-              <a:rPr sz="2000"/>
-              <a:t> </a:t>
-            </a:r>
-            <a:r>
-              <a:rPr sz="2000"/>
-              <a:t>their</a:t>
-            </a:r>
-            <a:r>
-              <a:rPr sz="2000"/>
-              <a:t> </a:t>
-            </a:r>
-            <a:r>
-              <a:rPr sz="2000"/>
-              <a:t>the</a:t>
-            </a:r>
-            <a:r>
-              <a:rPr sz="2000"/>
-              <a:t> </a:t>
-            </a:r>
-            <a:r>
-              <a:rPr sz="2000"/>
-              <a:t>sticky</a:t>
-            </a:r>
-            <a:r>
-              <a:rPr sz="2000"/>
-              <a:t> </a:t>
-            </a:r>
-            <a:r>
-              <a:rPr sz="2000"/>
-              <a:t>notes</a:t>
-            </a:r>
-            <a:r>
-              <a:rPr sz="2000"/>
-              <a:t> </a:t>
-            </a:r>
-            <a:r>
-              <a:rPr sz="2000"/>
-              <a:t>and</a:t>
-            </a:r>
-            <a:r>
-              <a:rPr sz="2000"/>
-              <a:t> </a:t>
-            </a:r>
-            <a:r>
-              <a:rPr sz="2000"/>
-              <a:t>gather</a:t>
-            </a:r>
-            <a:r>
-              <a:rPr sz="2000"/>
-              <a:t> </a:t>
-            </a:r>
-            <a:r>
-              <a:rPr sz="2000"/>
-              <a:t>them</a:t>
-            </a:r>
-            <a:r>
-              <a:rPr sz="2000"/>
-              <a:t> </a:t>
-            </a:r>
-            <a:r>
-              <a:rPr sz="2000"/>
-              <a:t>on</a:t>
-            </a:r>
-            <a:r>
-              <a:rPr sz="2000"/>
-              <a:t> </a:t>
-            </a:r>
-            <a:r>
-              <a:rPr sz="2000"/>
-              <a:t>a</a:t>
-            </a:r>
-            <a:r>
-              <a:rPr sz="2000"/>
-              <a:t> </a:t>
-            </a:r>
-            <a:r>
-              <a:rPr sz="2000"/>
-              <a:t>wall,</a:t>
-            </a:r>
-            <a:r>
-              <a:rPr sz="2000"/>
-              <a:t> </a:t>
-            </a:r>
-            <a:r>
-              <a:rPr sz="2000"/>
-              <a:t>in</a:t>
-            </a:r>
-            <a:r>
-              <a:rPr sz="2000"/>
-              <a:t> </a:t>
-            </a:r>
-            <a:r>
-              <a:rPr sz="2000"/>
-              <a:t>word</a:t>
-            </a:r>
-            <a:r>
-              <a:rPr sz="2000"/>
-              <a:t> </a:t>
-            </a:r>
-            <a:r>
-              <a:rPr sz="2000"/>
-              <a:t>groupings</a:t>
-            </a:r>
-            <a:r>
-              <a:rPr sz="2000"/>
-              <a:t> </a:t>
-            </a:r>
-            <a:r>
-              <a:rPr sz="2000"/>
-              <a:t>(verbs,</a:t>
-            </a:r>
-            <a:r>
-              <a:rPr sz="2000"/>
-              <a:t> </a:t>
-            </a:r>
-            <a:r>
-              <a:rPr sz="2000"/>
-              <a:t>adjectives,</a:t>
-            </a:r>
-            <a:r>
-              <a:rPr sz="2000"/>
-              <a:t> </a:t>
-            </a:r>
-            <a:r>
-              <a:rPr sz="2000"/>
-              <a:t>nouns).</a:t>
-            </a:r>
-            <a:r>
-              <a:rPr sz="2000"/>
-              <a:t> </a:t>
-            </a:r>
-            <a:r>
-              <a:rPr sz="2000"/>
-              <a:t>Facilitator</a:t>
-            </a:r>
-            <a:r>
-              <a:rPr sz="2000"/>
-              <a:t> </a:t>
-            </a:r>
-            <a:r>
-              <a:rPr sz="2000"/>
-              <a:t>invites</a:t>
-            </a:r>
-            <a:r>
-              <a:rPr sz="2000"/>
-              <a:t> </a:t>
-            </a:r>
-            <a:r>
-              <a:rPr sz="2000"/>
-              <a:t>learners</a:t>
-            </a:r>
-            <a:r>
-              <a:rPr sz="2000"/>
-              <a:t> </a:t>
-            </a:r>
-            <a:r>
-              <a:rPr sz="2000"/>
-              <a:t>to</a:t>
-            </a:r>
-            <a:r>
-              <a:rPr sz="2000"/>
-              <a:t> </a:t>
-            </a:r>
-            <a:r>
-              <a:rPr sz="2000"/>
-              <a:t>come</a:t>
-            </a:r>
-            <a:r>
-              <a:rPr sz="2000"/>
-              <a:t> </a:t>
-            </a:r>
-            <a:r>
-              <a:rPr sz="2000"/>
-              <a:t>up</a:t>
-            </a:r>
-            <a:r>
-              <a:rPr sz="2000"/>
-              <a:t> </a:t>
-            </a:r>
-            <a:r>
-              <a:rPr sz="2000"/>
-              <a:t>and</a:t>
-            </a:r>
-            <a:r>
-              <a:rPr sz="2000"/>
-              <a:t> </a:t>
-            </a:r>
-            <a:r>
-              <a:rPr sz="2000"/>
-              <a:t>take</a:t>
-            </a:r>
-            <a:r>
-              <a:rPr sz="2000"/>
-              <a:t> </a:t>
-            </a:r>
-            <a:r>
-              <a:rPr sz="2000"/>
-              <a:t>a</a:t>
-            </a:r>
-            <a:r>
-              <a:rPr sz="2000"/>
-              <a:t> </a:t>
-            </a:r>
-            <a:r>
-              <a:rPr sz="2000"/>
-              <a:t>look,</a:t>
-            </a:r>
-            <a:r>
-              <a:rPr sz="2000"/>
-              <a:t> </a:t>
-            </a:r>
-            <a:r>
-              <a:rPr sz="2000"/>
-              <a:t>and</a:t>
-            </a:r>
-            <a:r>
-              <a:rPr sz="2000"/>
-              <a:t> </a:t>
-            </a:r>
-            <a:r>
-              <a:rPr sz="2000"/>
-              <a:t>reflect</a:t>
-            </a:r>
-            <a:r>
-              <a:rPr sz="2000"/>
-              <a:t> </a:t>
-            </a:r>
-            <a:r>
-              <a:rPr sz="2000"/>
-              <a:t>on</a:t>
-            </a:r>
-            <a:r>
-              <a:rPr sz="2000"/>
-              <a:t> </a:t>
-            </a:r>
-            <a:r>
-              <a:rPr sz="2000"/>
-              <a:t>the</a:t>
-            </a:r>
-            <a:r>
-              <a:rPr sz="2000"/>
-              <a:t> </a:t>
-            </a:r>
-            <a:r>
-              <a:rPr sz="2000"/>
               <a:t>following</a:t>
             </a:r>
             <a:r>
-              <a:rPr sz="2000"/>
-              <a:t> </a:t>
-            </a:r>
-            <a:r>
-              <a:rPr sz="2000"/>
+              <a:rPr/>
+              <a:t> </a:t>
+            </a:r>
+            <a:r>
+              <a:rPr/>
               <a:t>question</a:t>
-            </a:r>
-          </a:p>
-          <a:p>
-            <a:pPr lvl="0" marL="0" indent="0">
-              <a:buNone/>
-            </a:pPr>
-          </a:p>
-          <a:p>
-            <a:pPr lvl="1"/>
-            <a:r>
-              <a:rPr sz="2000"/>
-              <a:t>What</a:t>
-            </a:r>
-            <a:r>
-              <a:rPr sz="2000"/>
-              <a:t> </a:t>
-            </a:r>
-            <a:r>
-              <a:rPr sz="2000"/>
-              <a:t>are</a:t>
-            </a:r>
-            <a:r>
-              <a:rPr sz="2000"/>
-              <a:t> </a:t>
-            </a:r>
-            <a:r>
-              <a:rPr sz="2000"/>
-              <a:t>you</a:t>
-            </a:r>
-            <a:r>
-              <a:rPr sz="2000"/>
-              <a:t> </a:t>
-            </a:r>
-            <a:r>
-              <a:rPr sz="2000"/>
-              <a:t>surprised</a:t>
-            </a:r>
-            <a:r>
-              <a:rPr sz="2000"/>
-              <a:t> </a:t>
-            </a:r>
-            <a:r>
-              <a:rPr sz="2000"/>
-              <a:t>to</a:t>
-            </a:r>
-            <a:r>
-              <a:rPr sz="2000"/>
-              <a:t> </a:t>
-            </a:r>
-            <a:r>
-              <a:rPr sz="2000"/>
-              <a:t>see?</a:t>
-            </a:r>
-          </a:p>
-          <a:p>
-            <a:pPr lvl="0" marL="0" indent="0">
-              <a:buNone/>
-            </a:pPr>
-          </a:p>
-          <a:p>
-            <a:pPr lvl="1"/>
-            <a:r>
-              <a:rPr sz="2000"/>
-              <a:t>What</a:t>
-            </a:r>
-            <a:r>
-              <a:rPr sz="2000"/>
-              <a:t> </a:t>
-            </a:r>
-            <a:r>
-              <a:rPr sz="2000"/>
-              <a:t>is</a:t>
-            </a:r>
-            <a:r>
-              <a:rPr sz="2000"/>
-              <a:t> </a:t>
-            </a:r>
-            <a:r>
-              <a:rPr sz="2000"/>
-              <a:t>missing?</a:t>
-            </a:r>
-          </a:p>
-          <a:p>
-            <a:pPr lvl="0" marL="0" indent="0">
-              <a:buNone/>
-            </a:pPr>
-          </a:p>
-          <a:p>
-            <a:pPr lvl="1"/>
-            <a:r>
-              <a:rPr sz="2000"/>
-              <a:t>What</a:t>
-            </a:r>
-            <a:r>
-              <a:rPr sz="2000"/>
-              <a:t> </a:t>
-            </a:r>
-            <a:r>
-              <a:rPr sz="2000"/>
-              <a:t>stands</a:t>
-            </a:r>
-            <a:r>
-              <a:rPr sz="2000"/>
-              <a:t> </a:t>
-            </a:r>
-            <a:r>
-              <a:rPr sz="2000"/>
-              <a:t>out?</a:t>
-            </a:r>
-          </a:p>
-          <a:p>
-            <a:pPr lvl="0" marL="0" indent="0">
-              <a:buNone/>
-            </a:pPr>
-          </a:p>
-          <a:p>
-            <a:pPr lvl="1"/>
-            <a:r>
-              <a:rPr sz="2000"/>
-              <a:t>Exploration</a:t>
-            </a:r>
-            <a:r>
-              <a:rPr sz="2000"/>
-              <a:t> </a:t>
-            </a:r>
-            <a:r>
-              <a:rPr sz="2000"/>
-              <a:t>Questions:</a:t>
-            </a:r>
-            <a:r>
-              <a:rPr sz="2000"/>
-              <a:t> </a:t>
-            </a:r>
-            <a:r>
-              <a:rPr sz="2000"/>
-              <a:t>Learners</a:t>
-            </a:r>
-            <a:r>
-              <a:rPr sz="2000"/>
-              <a:t> </a:t>
-            </a:r>
-            <a:r>
-              <a:rPr sz="2000"/>
-              <a:t>consider</a:t>
-            </a:r>
-            <a:r>
-              <a:rPr sz="2000"/>
-              <a:t> </a:t>
-            </a:r>
-            <a:r>
-              <a:rPr sz="2000"/>
-              <a:t>some</a:t>
-            </a:r>
-            <a:r>
-              <a:rPr sz="2000"/>
-              <a:t> </a:t>
-            </a:r>
-            <a:r>
-              <a:rPr sz="2000"/>
-              <a:t>exploration</a:t>
-            </a:r>
-            <a:r>
-              <a:rPr sz="2000"/>
-              <a:t> </a:t>
-            </a:r>
-            <a:r>
-              <a:rPr sz="2000"/>
-              <a:t>questions,</a:t>
-            </a:r>
-            <a:r>
-              <a:rPr sz="2000"/>
-              <a:t> </a:t>
-            </a:r>
-            <a:r>
-              <a:rPr sz="2000"/>
-              <a:t>writing</a:t>
-            </a:r>
-            <a:r>
-              <a:rPr sz="2000"/>
-              <a:t> </a:t>
-            </a:r>
-            <a:r>
-              <a:rPr sz="2000"/>
-              <a:t>answers,</a:t>
-            </a:r>
-            <a:r>
-              <a:rPr sz="2000"/>
-              <a:t> </a:t>
-            </a:r>
-            <a:r>
-              <a:rPr sz="2000"/>
-              <a:t>ideas</a:t>
-            </a:r>
-            <a:r>
-              <a:rPr sz="2000"/>
-              <a:t> </a:t>
-            </a:r>
-            <a:r>
-              <a:rPr sz="2000"/>
-              <a:t>and</a:t>
-            </a:r>
-            <a:r>
-              <a:rPr sz="2000"/>
-              <a:t> </a:t>
-            </a:r>
-            <a:r>
-              <a:rPr sz="2000"/>
-              <a:t>thoughts</a:t>
-            </a:r>
-            <a:r>
-              <a:rPr sz="2000"/>
-              <a:t> </a:t>
-            </a:r>
-            <a:r>
-              <a:rPr sz="2000"/>
-              <a:t>on</a:t>
-            </a:r>
-            <a:r>
-              <a:rPr sz="2000"/>
-              <a:t> </a:t>
-            </a:r>
-            <a:r>
-              <a:rPr sz="2000"/>
-              <a:t>sticky</a:t>
-            </a:r>
-            <a:r>
-              <a:rPr sz="2000"/>
-              <a:t> </a:t>
-            </a:r>
-            <a:r>
-              <a:rPr sz="2000"/>
-              <a:t>notes.</a:t>
-            </a:r>
-            <a:r>
-              <a:rPr sz="2000"/>
-              <a:t> </a:t>
-            </a:r>
-            <a:r>
-              <a:rPr sz="2000"/>
-              <a:t>Facilitator</a:t>
-            </a:r>
-            <a:r>
-              <a:rPr sz="2000"/>
-              <a:t> </a:t>
-            </a:r>
-            <a:r>
-              <a:rPr sz="2000"/>
-              <a:t>can</a:t>
-            </a:r>
-            <a:r>
-              <a:rPr sz="2000"/>
-              <a:t> </a:t>
-            </a:r>
-            <a:r>
-              <a:rPr sz="2000"/>
-              <a:t>chose</a:t>
-            </a:r>
-            <a:r>
-              <a:rPr sz="2000"/>
-              <a:t> </a:t>
-            </a:r>
-            <a:r>
-              <a:rPr sz="2000"/>
-              <a:t>among</a:t>
-            </a:r>
-            <a:r>
-              <a:rPr sz="2000"/>
-              <a:t> </a:t>
-            </a:r>
-            <a:r>
-              <a:rPr sz="2000"/>
-              <a:t>the</a:t>
-            </a:r>
-            <a:r>
-              <a:rPr sz="2000"/>
-              <a:t> </a:t>
-            </a:r>
-            <a:r>
-              <a:rPr sz="2000"/>
-              <a:t>following</a:t>
-            </a:r>
-            <a:r>
-              <a:rPr sz="2000"/>
-              <a:t> </a:t>
-            </a:r>
-            <a:r>
-              <a:rPr sz="2000"/>
-              <a:t>questions</a:t>
-            </a:r>
-            <a:r>
-              <a:rPr sz="2000"/>
-              <a:t> </a:t>
-            </a:r>
-            <a:r>
-              <a:rPr sz="2000"/>
-              <a:t>(or</a:t>
-            </a:r>
-            <a:r>
-              <a:rPr sz="2000"/>
-              <a:t> </a:t>
-            </a:r>
-            <a:r>
-              <a:rPr sz="2000"/>
-              <a:t>make</a:t>
-            </a:r>
-            <a:r>
-              <a:rPr sz="2000"/>
-              <a:t> </a:t>
-            </a:r>
-            <a:r>
-              <a:rPr sz="2000"/>
-              <a:t>up</a:t>
-            </a:r>
-            <a:r>
-              <a:rPr sz="2000"/>
-              <a:t> </a:t>
-            </a:r>
-            <a:r>
-              <a:rPr sz="2000"/>
-              <a:t>their</a:t>
-            </a:r>
-            <a:r>
-              <a:rPr sz="2000"/>
-              <a:t> </a:t>
-            </a:r>
-            <a:r>
-              <a:rPr sz="2000"/>
-              <a:t>own)</a:t>
-            </a:r>
-            <a:r>
-              <a:rPr sz="2000"/>
-              <a:t> </a:t>
-            </a:r>
-            <a:r>
-              <a:rPr sz="2000"/>
-              <a:t>based</a:t>
-            </a:r>
-            <a:r>
-              <a:rPr sz="2000"/>
-              <a:t> </a:t>
-            </a:r>
-            <a:r>
-              <a:rPr sz="2000"/>
-              <a:t>on</a:t>
-            </a:r>
-            <a:r>
-              <a:rPr sz="2000"/>
-              <a:t> </a:t>
-            </a:r>
-            <a:r>
-              <a:rPr sz="2000"/>
-              <a:t>the</a:t>
-            </a:r>
-            <a:r>
-              <a:rPr sz="2000"/>
-              <a:t> </a:t>
-            </a:r>
-            <a:r>
-              <a:rPr sz="2000"/>
-              <a:t>audience</a:t>
-            </a:r>
-            <a:r>
-              <a:rPr sz="2000"/>
-              <a:t> </a:t>
-            </a:r>
-            <a:r>
-              <a:rPr sz="2000"/>
-              <a:t>and</a:t>
-            </a:r>
-            <a:r>
-              <a:rPr sz="2000"/>
-              <a:t> </a:t>
-            </a:r>
-            <a:r>
-              <a:rPr sz="2000"/>
-              <a:t>what</a:t>
-            </a:r>
-            <a:r>
-              <a:rPr sz="2000"/>
-              <a:t> </a:t>
-            </a:r>
-            <a:r>
-              <a:rPr sz="2000"/>
-              <a:t>has</a:t>
-            </a:r>
-            <a:r>
-              <a:rPr sz="2000"/>
-              <a:t> </a:t>
-            </a:r>
-            <a:r>
-              <a:rPr sz="2000"/>
-              <a:t>emerged</a:t>
-            </a:r>
-            <a:r>
-              <a:rPr sz="2000"/>
-              <a:t> </a:t>
-            </a:r>
-            <a:r>
-              <a:rPr sz="2000"/>
-              <a:t>in</a:t>
-            </a:r>
-            <a:r>
-              <a:rPr sz="2000"/>
-              <a:t> </a:t>
-            </a:r>
-            <a:r>
-              <a:rPr sz="2000"/>
-              <a:t>the</a:t>
-            </a:r>
-            <a:r>
-              <a:rPr sz="2000"/>
-              <a:t> </a:t>
-            </a:r>
-            <a:r>
-              <a:rPr sz="2000"/>
-              <a:t>stories</a:t>
-            </a:r>
-          </a:p>
-          <a:p>
-            <a:pPr lvl="0" marL="0" indent="0">
-              <a:buNone/>
-            </a:pPr>
-          </a:p>
-          <a:p>
-            <a:pPr lvl="1"/>
-            <a:r>
-              <a:rPr sz="2000"/>
-              <a:t>What’s</a:t>
-            </a:r>
-            <a:r>
-              <a:rPr sz="2000"/>
-              <a:t> </a:t>
-            </a:r>
-            <a:r>
-              <a:rPr sz="2000"/>
-              <a:t>mysterious</a:t>
-            </a:r>
-            <a:r>
-              <a:rPr sz="2000"/>
-              <a:t> </a:t>
-            </a:r>
-            <a:r>
-              <a:rPr sz="2000"/>
-              <a:t>about</a:t>
-            </a:r>
-            <a:r>
-              <a:rPr sz="2000"/>
-              <a:t> </a:t>
-            </a:r>
-            <a:r>
-              <a:rPr sz="2000"/>
-              <a:t>the</a:t>
-            </a:r>
-            <a:r>
-              <a:rPr sz="2000"/>
-              <a:t> </a:t>
-            </a:r>
-            <a:r>
-              <a:rPr sz="2000"/>
-              <a:t>web?</a:t>
-            </a:r>
-            <a:r>
-              <a:rPr sz="2000"/>
-              <a:t> </a:t>
-            </a:r>
-            <a:r>
-              <a:rPr sz="2000"/>
-              <a:t>What’s</a:t>
-            </a:r>
-            <a:r>
-              <a:rPr sz="2000"/>
-              <a:t> </a:t>
-            </a:r>
-            <a:r>
-              <a:rPr sz="2000"/>
-              <a:t>something</a:t>
-            </a:r>
-            <a:r>
-              <a:rPr sz="2000"/>
-              <a:t> </a:t>
-            </a:r>
-            <a:r>
-              <a:rPr sz="2000"/>
-              <a:t>you’ve</a:t>
-            </a:r>
-            <a:r>
-              <a:rPr sz="2000"/>
-              <a:t> </a:t>
-            </a:r>
-            <a:r>
-              <a:rPr sz="2000"/>
-              <a:t>been</a:t>
-            </a:r>
-            <a:r>
-              <a:rPr sz="2000"/>
-              <a:t> </a:t>
-            </a:r>
-            <a:r>
-              <a:rPr sz="2000"/>
-              <a:t>curious/wondering</a:t>
-            </a:r>
-            <a:r>
-              <a:rPr sz="2000"/>
-              <a:t> </a:t>
-            </a:r>
-            <a:r>
-              <a:rPr sz="2000"/>
-              <a:t>about</a:t>
-            </a:r>
-            <a:r>
-              <a:rPr sz="2000"/>
-              <a:t> </a:t>
-            </a:r>
-            <a:r>
-              <a:rPr sz="2000"/>
-              <a:t>web</a:t>
-            </a:r>
-            <a:r>
-              <a:rPr sz="2000"/>
-              <a:t> </a:t>
-            </a:r>
-            <a:r>
-              <a:rPr sz="2000"/>
-              <a:t>tech,</a:t>
-            </a:r>
-            <a:r>
-              <a:rPr sz="2000"/>
-              <a:t> </a:t>
-            </a:r>
-            <a:r>
-              <a:rPr sz="2000"/>
-              <a:t>something</a:t>
-            </a:r>
-            <a:r>
-              <a:rPr sz="2000"/>
-              <a:t> </a:t>
-            </a:r>
-            <a:r>
-              <a:rPr sz="2000"/>
-              <a:t>you</a:t>
-            </a:r>
-            <a:r>
-              <a:rPr sz="2000"/>
-              <a:t> </a:t>
-            </a:r>
-            <a:r>
-              <a:rPr sz="2000"/>
-              <a:t>want</a:t>
-            </a:r>
-            <a:r>
-              <a:rPr sz="2000"/>
-              <a:t> </a:t>
-            </a:r>
-            <a:r>
-              <a:rPr sz="2000"/>
-              <a:t>to</a:t>
-            </a:r>
-            <a:r>
-              <a:rPr sz="2000"/>
-              <a:t> </a:t>
-            </a:r>
-            <a:r>
-              <a:rPr sz="2000"/>
-              <a:t>learn?</a:t>
-            </a:r>
-          </a:p>
-          <a:p>
-            <a:pPr lvl="0" marL="0" indent="0">
-              <a:buNone/>
-            </a:pPr>
-          </a:p>
-          <a:p>
-            <a:pPr lvl="1"/>
-            <a:r>
-              <a:rPr sz="2000"/>
-              <a:t>What</a:t>
-            </a:r>
-            <a:r>
-              <a:rPr sz="2000"/>
-              <a:t> </a:t>
-            </a:r>
-            <a:r>
-              <a:rPr sz="2000"/>
-              <a:t>are</a:t>
-            </a:r>
-            <a:r>
-              <a:rPr sz="2000"/>
-              <a:t> </a:t>
-            </a:r>
-            <a:r>
-              <a:rPr sz="2000"/>
-              <a:t>some</a:t>
-            </a:r>
-            <a:r>
-              <a:rPr sz="2000"/>
-              <a:t> </a:t>
-            </a:r>
-            <a:r>
-              <a:rPr sz="2000"/>
-              <a:t>of</a:t>
-            </a:r>
-            <a:r>
-              <a:rPr sz="2000"/>
-              <a:t> </a:t>
-            </a:r>
-            <a:r>
-              <a:rPr sz="2000"/>
-              <a:t>the</a:t>
-            </a:r>
-            <a:r>
-              <a:rPr sz="2000"/>
-              <a:t> </a:t>
-            </a:r>
-            <a:r>
-              <a:rPr sz="2000"/>
-              <a:t>ways</a:t>
-            </a:r>
-            <a:r>
-              <a:rPr sz="2000"/>
-              <a:t> </a:t>
-            </a:r>
-            <a:r>
-              <a:rPr sz="2000"/>
-              <a:t>the</a:t>
-            </a:r>
-            <a:r>
-              <a:rPr sz="2000"/>
-              <a:t> </a:t>
-            </a:r>
-            <a:r>
-              <a:rPr sz="2000"/>
-              <a:t>web</a:t>
-            </a:r>
-            <a:r>
-              <a:rPr sz="2000"/>
-              <a:t> </a:t>
-            </a:r>
-            <a:r>
-              <a:rPr sz="2000"/>
-              <a:t>has</a:t>
-            </a:r>
-            <a:r>
-              <a:rPr sz="2000"/>
-              <a:t> </a:t>
-            </a:r>
-            <a:r>
-              <a:rPr sz="2000"/>
-              <a:t>changed</a:t>
-            </a:r>
-            <a:r>
-              <a:rPr sz="2000"/>
-              <a:t> </a:t>
-            </a:r>
-            <a:r>
-              <a:rPr sz="2000"/>
-              <a:t>your</a:t>
-            </a:r>
-            <a:r>
-              <a:rPr sz="2000"/>
-              <a:t> </a:t>
-            </a:r>
-            <a:r>
-              <a:rPr sz="2000"/>
-              <a:t>relationships?</a:t>
-            </a:r>
-            <a:r>
-              <a:rPr sz="2000"/>
-              <a:t> </a:t>
-            </a:r>
-            <a:r>
-              <a:rPr sz="2000"/>
-              <a:t>What’s</a:t>
-            </a:r>
-            <a:r>
-              <a:rPr sz="2000"/>
-              <a:t> </a:t>
-            </a:r>
-            <a:r>
-              <a:rPr sz="2000"/>
-              <a:t>different</a:t>
-            </a:r>
-            <a:r>
-              <a:rPr sz="2000"/>
-              <a:t> </a:t>
-            </a:r>
-            <a:r>
-              <a:rPr sz="2000"/>
-              <a:t>about</a:t>
-            </a:r>
-            <a:r>
-              <a:rPr sz="2000"/>
-              <a:t> </a:t>
-            </a:r>
-            <a:r>
-              <a:rPr sz="2000"/>
-              <a:t>interaction</a:t>
-            </a:r>
-            <a:r>
-              <a:rPr sz="2000"/>
-              <a:t> </a:t>
-            </a:r>
-            <a:r>
-              <a:rPr sz="2000"/>
-              <a:t>on</a:t>
-            </a:r>
-            <a:r>
-              <a:rPr sz="2000"/>
-              <a:t> </a:t>
-            </a:r>
-            <a:r>
-              <a:rPr sz="2000"/>
-              <a:t>the</a:t>
-            </a:r>
-            <a:r>
-              <a:rPr sz="2000"/>
-              <a:t> </a:t>
-            </a:r>
-            <a:r>
-              <a:rPr sz="2000"/>
-              <a:t>web</a:t>
-            </a:r>
-            <a:r>
-              <a:rPr sz="2000"/>
-              <a:t> </a:t>
-            </a:r>
-            <a:r>
-              <a:rPr sz="2000"/>
-              <a:t>versus</a:t>
-            </a:r>
-            <a:r>
-              <a:rPr sz="2000"/>
-              <a:t> </a:t>
-            </a:r>
-            <a:r>
-              <a:rPr sz="2000"/>
-              <a:t>“</a:t>
-            </a:r>
-            <a:r>
-              <a:rPr sz="2000"/>
-              <a:t>in</a:t>
-            </a:r>
-            <a:r>
-              <a:rPr sz="2000"/>
-              <a:t> </a:t>
-            </a:r>
-            <a:r>
-              <a:rPr sz="2000"/>
-              <a:t>real</a:t>
-            </a:r>
-            <a:r>
-              <a:rPr sz="2000"/>
-              <a:t> </a:t>
-            </a:r>
-            <a:r>
-              <a:rPr sz="2000"/>
-              <a:t>life</a:t>
-            </a:r>
-            <a:r>
-              <a:rPr sz="2000"/>
-              <a:t>”</a:t>
-            </a:r>
-            <a:r>
-              <a:rPr sz="2000"/>
-              <a:t>?</a:t>
-            </a:r>
-          </a:p>
-          <a:p>
-            <a:pPr lvl="0" marL="0" indent="0">
-              <a:buNone/>
-            </a:pPr>
-          </a:p>
-          <a:p>
-            <a:pPr lvl="1"/>
-            <a:r>
-              <a:rPr sz="2000"/>
-              <a:t>Are</a:t>
-            </a:r>
-            <a:r>
-              <a:rPr sz="2000"/>
-              <a:t> </a:t>
-            </a:r>
-            <a:r>
-              <a:rPr sz="2000"/>
-              <a:t>YOU</a:t>
-            </a:r>
-            <a:r>
-              <a:rPr sz="2000"/>
-              <a:t> </a:t>
-            </a:r>
-            <a:r>
-              <a:rPr sz="2000"/>
-              <a:t>on</a:t>
-            </a:r>
-            <a:r>
-              <a:rPr sz="2000"/>
-              <a:t> </a:t>
-            </a:r>
-            <a:r>
-              <a:rPr sz="2000"/>
-              <a:t>the</a:t>
-            </a:r>
-            <a:r>
-              <a:rPr sz="2000"/>
-              <a:t> </a:t>
-            </a:r>
-            <a:r>
-              <a:rPr sz="2000"/>
-              <a:t>web?</a:t>
-            </a:r>
-            <a:r>
-              <a:rPr sz="2000"/>
-              <a:t> </a:t>
-            </a:r>
-            <a:r>
-              <a:rPr sz="2000"/>
-              <a:t>How</a:t>
-            </a:r>
-            <a:r>
-              <a:rPr sz="2000"/>
-              <a:t> </a:t>
-            </a:r>
-            <a:r>
-              <a:rPr sz="2000"/>
-              <a:t>and</a:t>
-            </a:r>
-            <a:r>
-              <a:rPr sz="2000"/>
-              <a:t> </a:t>
-            </a:r>
-            <a:r>
-              <a:rPr sz="2000"/>
-              <a:t>where</a:t>
-            </a:r>
-            <a:r>
-              <a:rPr sz="2000"/>
-              <a:t> </a:t>
-            </a:r>
-            <a:r>
-              <a:rPr sz="2000"/>
-              <a:t>are</a:t>
-            </a:r>
-            <a:r>
-              <a:rPr sz="2000"/>
-              <a:t> </a:t>
-            </a:r>
-            <a:r>
-              <a:rPr sz="2000"/>
-              <a:t>you</a:t>
-            </a:r>
-            <a:r>
-              <a:rPr sz="2000"/>
-              <a:t> </a:t>
-            </a:r>
-            <a:r>
-              <a:rPr sz="2000"/>
-              <a:t>represented</a:t>
-            </a:r>
-            <a:r>
-              <a:rPr sz="2000"/>
-              <a:t> </a:t>
-            </a:r>
-            <a:r>
-              <a:rPr sz="2000"/>
-              <a:t>on</a:t>
-            </a:r>
-            <a:r>
-              <a:rPr sz="2000"/>
-              <a:t> </a:t>
-            </a:r>
-            <a:r>
-              <a:rPr sz="2000"/>
-              <a:t>the</a:t>
-            </a:r>
-            <a:r>
-              <a:rPr sz="2000"/>
-              <a:t> </a:t>
-            </a:r>
-            <a:r>
-              <a:rPr sz="2000"/>
-              <a:t>web?</a:t>
-            </a:r>
-          </a:p>
-          <a:p>
-            <a:pPr lvl="0" marL="0" indent="0">
-              <a:buNone/>
-            </a:pPr>
-          </a:p>
-          <a:p>
-            <a:pPr lvl="1"/>
-            <a:r>
-              <a:rPr sz="2000"/>
-              <a:t>How</a:t>
-            </a:r>
-            <a:r>
-              <a:rPr sz="2000"/>
-              <a:t> </a:t>
-            </a:r>
-            <a:r>
-              <a:rPr sz="2000"/>
-              <a:t>do</a:t>
-            </a:r>
-            <a:r>
-              <a:rPr sz="2000"/>
-              <a:t> </a:t>
-            </a:r>
-            <a:r>
-              <a:rPr sz="2000"/>
-              <a:t>you</a:t>
-            </a:r>
-            <a:r>
-              <a:rPr sz="2000"/>
-              <a:t> </a:t>
-            </a:r>
-            <a:r>
-              <a:rPr sz="2000"/>
-              <a:t>express</a:t>
-            </a:r>
-            <a:r>
-              <a:rPr sz="2000"/>
-              <a:t> </a:t>
-            </a:r>
-            <a:r>
-              <a:rPr sz="2000"/>
-              <a:t>yourself</a:t>
-            </a:r>
-            <a:r>
-              <a:rPr sz="2000"/>
-              <a:t> </a:t>
-            </a:r>
-            <a:r>
-              <a:rPr sz="2000"/>
-              <a:t>online?</a:t>
-            </a:r>
-            <a:r>
-              <a:rPr sz="2000"/>
-              <a:t> </a:t>
-            </a:r>
-            <a:r>
-              <a:rPr sz="2000"/>
-              <a:t>Who</a:t>
-            </a:r>
-            <a:r>
-              <a:rPr sz="2000"/>
-              <a:t> </a:t>
-            </a:r>
-            <a:r>
-              <a:rPr sz="2000"/>
-              <a:t>are</a:t>
-            </a:r>
-            <a:r>
-              <a:rPr sz="2000"/>
-              <a:t> </a:t>
-            </a:r>
-            <a:r>
-              <a:rPr sz="2000"/>
-              <a:t>your</a:t>
-            </a:r>
-            <a:r>
-              <a:rPr sz="2000"/>
-              <a:t> </a:t>
-            </a:r>
-            <a:r>
-              <a:rPr sz="2000"/>
-              <a:t>different</a:t>
-            </a:r>
-            <a:r>
-              <a:rPr sz="2000"/>
-              <a:t> </a:t>
-            </a:r>
-            <a:r>
-              <a:rPr sz="2000"/>
-              <a:t>audiences–</a:t>
-            </a:r>
-            <a:r>
-              <a:rPr sz="2000"/>
-              <a:t> </a:t>
-            </a:r>
-            <a:r>
-              <a:rPr sz="2000"/>
-              <a:t>who’s</a:t>
-            </a:r>
-            <a:r>
-              <a:rPr sz="2000"/>
-              <a:t> </a:t>
-            </a:r>
-            <a:r>
-              <a:rPr sz="2000"/>
-              <a:t>looking</a:t>
-            </a:r>
-            <a:r>
-              <a:rPr sz="2000"/>
-              <a:t> </a:t>
-            </a:r>
-            <a:r>
-              <a:rPr sz="2000"/>
-              <a:t>or</a:t>
-            </a:r>
-            <a:r>
-              <a:rPr sz="2000"/>
-              <a:t> </a:t>
-            </a:r>
-            <a:r>
-              <a:rPr sz="2000"/>
-              <a:t>watching?</a:t>
-            </a:r>
-            <a:r>
-              <a:rPr sz="2000"/>
-              <a:t> </a:t>
-            </a:r>
-            <a:r>
-              <a:rPr sz="2000"/>
-              <a:t>What</a:t>
-            </a:r>
-            <a:r>
-              <a:rPr sz="2000"/>
-              <a:t> </a:t>
-            </a:r>
-            <a:r>
-              <a:rPr sz="2000"/>
-              <a:t>do</a:t>
-            </a:r>
-            <a:r>
-              <a:rPr sz="2000"/>
-              <a:t> </a:t>
-            </a:r>
-            <a:r>
-              <a:rPr sz="2000"/>
-              <a:t>you</a:t>
-            </a:r>
-            <a:r>
-              <a:rPr sz="2000"/>
-              <a:t> </a:t>
-            </a:r>
-            <a:r>
-              <a:rPr sz="2000"/>
-              <a:t>choose</a:t>
-            </a:r>
-            <a:r>
-              <a:rPr sz="2000"/>
-              <a:t> </a:t>
-            </a:r>
-            <a:r>
-              <a:rPr sz="2000"/>
-              <a:t>to</a:t>
-            </a:r>
-            <a:r>
-              <a:rPr sz="2000"/>
-              <a:t> </a:t>
-            </a:r>
-            <a:r>
-              <a:rPr sz="2000"/>
-              <a:t>share?</a:t>
-            </a:r>
-          </a:p>
-          <a:p>
-            <a:pPr lvl="0" marL="0" indent="0">
-              <a:buNone/>
-            </a:pPr>
-          </a:p>
-          <a:p>
-            <a:pPr lvl="1"/>
-            <a:r>
-              <a:rPr sz="2000"/>
-              <a:t>Put</a:t>
-            </a:r>
-            <a:r>
-              <a:rPr sz="2000"/>
-              <a:t> </a:t>
-            </a:r>
-            <a:r>
-              <a:rPr sz="2000"/>
-              <a:t>sticky</a:t>
-            </a:r>
-            <a:r>
-              <a:rPr sz="2000"/>
-              <a:t> </a:t>
-            </a:r>
-            <a:r>
-              <a:rPr sz="2000"/>
-              <a:t>notes</a:t>
-            </a:r>
-            <a:r>
-              <a:rPr sz="2000"/>
-              <a:t> </a:t>
-            </a:r>
-            <a:r>
-              <a:rPr sz="2000"/>
-              <a:t>again</a:t>
-            </a:r>
-            <a:r>
-              <a:rPr sz="2000"/>
-              <a:t> </a:t>
-            </a:r>
-            <a:r>
-              <a:rPr sz="2000"/>
-              <a:t>on</a:t>
-            </a:r>
-            <a:r>
-              <a:rPr sz="2000"/>
-              <a:t> </a:t>
-            </a:r>
-            <a:r>
-              <a:rPr sz="2000"/>
-              <a:t>the</a:t>
-            </a:r>
-            <a:r>
-              <a:rPr sz="2000"/>
-              <a:t> </a:t>
-            </a:r>
-            <a:r>
-              <a:rPr sz="2000"/>
-              <a:t>wall,</a:t>
-            </a:r>
-            <a:r>
-              <a:rPr sz="2000"/>
-              <a:t> </a:t>
-            </a:r>
-            <a:r>
-              <a:rPr sz="2000"/>
-              <a:t>and</a:t>
-            </a:r>
-            <a:r>
-              <a:rPr sz="2000"/>
-              <a:t> </a:t>
-            </a:r>
-            <a:r>
-              <a:rPr sz="2000"/>
-              <a:t>again</a:t>
-            </a:r>
-            <a:r>
-              <a:rPr sz="2000"/>
-              <a:t> </a:t>
-            </a:r>
-            <a:r>
-              <a:rPr sz="2000"/>
-              <a:t>invite</a:t>
-            </a:r>
-            <a:r>
-              <a:rPr sz="2000"/>
-              <a:t> </a:t>
-            </a:r>
-            <a:r>
-              <a:rPr sz="2000"/>
-              <a:t>learners</a:t>
-            </a:r>
-            <a:r>
-              <a:rPr sz="2000"/>
-              <a:t> </a:t>
-            </a:r>
-            <a:r>
-              <a:rPr sz="2000"/>
-              <a:t>to</a:t>
-            </a:r>
-            <a:r>
-              <a:rPr sz="2000"/>
-              <a:t> </a:t>
-            </a:r>
-            <a:r>
-              <a:rPr sz="2000"/>
-              <a:t>look</a:t>
-            </a:r>
-            <a:r>
-              <a:rPr sz="2000"/>
-              <a:t> </a:t>
-            </a:r>
-            <a:r>
-              <a:rPr sz="2000"/>
-              <a:t>and</a:t>
-            </a:r>
-            <a:r>
-              <a:rPr sz="2000"/>
-              <a:t> </a:t>
-            </a:r>
-            <a:r>
-              <a:rPr sz="2000"/>
-              <a:t>discuss.</a:t>
-            </a:r>
-          </a:p>
-          <a:p>
-            <a:pPr lvl="0" marL="0" indent="0">
-              <a:buNone/>
-            </a:pPr>
-          </a:p>
-          <a:p>
-            <a:pPr lvl="1"/>
-            <a:r>
-              <a:rPr sz="2000"/>
-              <a:t>Tip!</a:t>
-            </a:r>
-            <a:r>
-              <a:rPr sz="2000"/>
-              <a:t> </a:t>
-            </a:r>
-            <a:r>
-              <a:rPr sz="2000"/>
-              <a:t>The</a:t>
-            </a:r>
-            <a:r>
-              <a:rPr sz="2000"/>
-              <a:t> </a:t>
-            </a:r>
-            <a:r>
-              <a:rPr sz="2000"/>
-              <a:t>facilitator</a:t>
-            </a:r>
-            <a:r>
-              <a:rPr sz="2000"/>
-              <a:t> </a:t>
-            </a:r>
-            <a:r>
-              <a:rPr sz="2000"/>
-              <a:t>can</a:t>
-            </a:r>
-            <a:r>
-              <a:rPr sz="2000"/>
-              <a:t> </a:t>
-            </a:r>
-            <a:r>
-              <a:rPr sz="2000"/>
-              <a:t>use</a:t>
-            </a:r>
-            <a:r>
-              <a:rPr sz="2000"/>
-              <a:t> </a:t>
-            </a:r>
-            <a:r>
-              <a:rPr sz="2000"/>
-              <a:t>responses</a:t>
-            </a:r>
-            <a:r>
-              <a:rPr sz="2000"/>
-              <a:t> </a:t>
-            </a:r>
-            <a:r>
-              <a:rPr sz="2000"/>
-              <a:t>to</a:t>
-            </a:r>
-            <a:r>
-              <a:rPr sz="2000"/>
-              <a:t> </a:t>
-            </a:r>
-            <a:r>
-              <a:rPr sz="2000"/>
-              <a:t>stories</a:t>
-            </a:r>
-            <a:r>
-              <a:rPr sz="2000"/>
-              <a:t> </a:t>
-            </a:r>
-            <a:r>
-              <a:rPr sz="2000"/>
-              <a:t>and</a:t>
-            </a:r>
-            <a:r>
-              <a:rPr sz="2000"/>
-              <a:t> </a:t>
-            </a:r>
-            <a:r>
-              <a:rPr sz="2000"/>
-              <a:t>exploration</a:t>
-            </a:r>
-            <a:r>
-              <a:rPr sz="2000"/>
-              <a:t> </a:t>
-            </a:r>
-            <a:r>
-              <a:rPr sz="2000"/>
-              <a:t>questions</a:t>
-            </a:r>
-            <a:r>
-              <a:rPr sz="2000"/>
-              <a:t> </a:t>
-            </a:r>
-            <a:r>
-              <a:rPr sz="2000"/>
-              <a:t>to</a:t>
-            </a:r>
-            <a:r>
-              <a:rPr sz="2000"/>
-              <a:t> </a:t>
-            </a:r>
-            <a:r>
-              <a:rPr sz="2000"/>
-              <a:t>shape</a:t>
-            </a:r>
-            <a:r>
-              <a:rPr sz="2000"/>
-              <a:t> </a:t>
-            </a:r>
-            <a:r>
-              <a:rPr sz="2000"/>
-              <a:t>the</a:t>
-            </a:r>
-            <a:r>
-              <a:rPr sz="2000"/>
-              <a:t> </a:t>
-            </a:r>
-            <a:r>
-              <a:rPr sz="2000"/>
-              <a:t>rest</a:t>
-            </a:r>
-            <a:r>
-              <a:rPr sz="2000"/>
-              <a:t> </a:t>
-            </a:r>
-            <a:r>
-              <a:rPr sz="2000"/>
-              <a:t>of</a:t>
-            </a:r>
-            <a:r>
-              <a:rPr sz="2000"/>
-              <a:t> </a:t>
-            </a:r>
-            <a:r>
-              <a:rPr sz="2000"/>
-              <a:t>the</a:t>
-            </a:r>
-            <a:r>
-              <a:rPr sz="2000"/>
-              <a:t> </a:t>
-            </a:r>
-            <a:r>
-              <a:rPr sz="2000"/>
-              <a:t>program–</a:t>
-            </a:r>
-            <a:r>
-              <a:rPr sz="2000"/>
-              <a:t> </a:t>
-            </a:r>
-            <a:r>
-              <a:rPr sz="2000"/>
-              <a:t>return</a:t>
-            </a:r>
-            <a:r>
-              <a:rPr sz="2000"/>
-              <a:t> </a:t>
-            </a:r>
-            <a:r>
-              <a:rPr sz="2000"/>
-              <a:t>to</a:t>
-            </a:r>
-            <a:r>
-              <a:rPr sz="2000"/>
-              <a:t> </a:t>
-            </a:r>
-            <a:r>
-              <a:rPr sz="2000"/>
-              <a:t>the</a:t>
-            </a:r>
-            <a:r>
-              <a:rPr sz="2000"/>
-              <a:t> </a:t>
-            </a:r>
-            <a:r>
-              <a:rPr sz="2000"/>
-              <a:t>questions</a:t>
-            </a:r>
-            <a:r>
-              <a:rPr sz="2000"/>
-              <a:t> </a:t>
-            </a:r>
-            <a:r>
-              <a:rPr sz="2000"/>
-              <a:t>for</a:t>
-            </a:r>
-            <a:r>
-              <a:rPr sz="2000"/>
-              <a:t> </a:t>
-            </a:r>
-            <a:r>
-              <a:rPr sz="2000"/>
-              <a:t>context,</a:t>
-            </a:r>
-            <a:r>
-              <a:rPr sz="2000"/>
-              <a:t> </a:t>
-            </a:r>
-            <a:r>
-              <a:rPr sz="2000"/>
-              <a:t>examples,</a:t>
-            </a:r>
-            <a:r>
-              <a:rPr sz="2000"/>
-              <a:t> </a:t>
-            </a:r>
-            <a:r>
-              <a:rPr sz="2000"/>
-              <a:t>and</a:t>
-            </a:r>
-            <a:r>
-              <a:rPr sz="2000"/>
-              <a:t> </a:t>
-            </a:r>
-            <a:r>
-              <a:rPr sz="2000"/>
-              <a:t>to</a:t>
-            </a:r>
-            <a:r>
-              <a:rPr sz="2000"/>
-              <a:t> </a:t>
-            </a:r>
-            <a:r>
-              <a:rPr sz="2000"/>
-              <a:t>address</a:t>
-            </a:r>
-            <a:r>
-              <a:rPr sz="2000"/>
-              <a:t> </a:t>
-            </a:r>
-            <a:r>
-              <a:rPr sz="2000"/>
-              <a:t>gaps</a:t>
-            </a:r>
-            <a:r>
-              <a:rPr sz="2000"/>
-              <a:t> </a:t>
-            </a:r>
-            <a:r>
-              <a:rPr sz="2000"/>
-              <a:t>in</a:t>
-            </a:r>
-            <a:r>
-              <a:rPr sz="2000"/>
-              <a:t> </a:t>
-            </a:r>
-            <a:r>
-              <a:rPr sz="2000"/>
-              <a:t>knowledge</a:t>
-            </a:r>
-            <a:r>
-              <a:rPr sz="2000"/>
-              <a:t> </a:t>
-            </a:r>
-            <a:r>
-              <a:rPr sz="2000"/>
-              <a:t>and</a:t>
-            </a:r>
-            <a:r>
-              <a:rPr sz="2000"/>
-              <a:t> </a:t>
-            </a:r>
-            <a:r>
-              <a:rPr sz="2000"/>
-              <a:t>understanding,</a:t>
-            </a:r>
-            <a:r>
-              <a:rPr sz="2000"/>
-              <a:t> </a:t>
-            </a:r>
-            <a:r>
-              <a:rPr sz="2000"/>
-              <a:t>or</a:t>
-            </a:r>
-            <a:r>
-              <a:rPr sz="2000"/>
-              <a:t> </a:t>
-            </a:r>
-            <a:r>
-              <a:rPr sz="2000"/>
-              <a:t>leverage</a:t>
-            </a:r>
-            <a:r>
-              <a:rPr sz="2000"/>
-              <a:t> </a:t>
-            </a:r>
-            <a:r>
-              <a:rPr sz="2000"/>
-              <a:t>special</a:t>
-            </a:r>
-            <a:r>
-              <a:rPr sz="2000"/>
-              <a:t> </a:t>
-            </a:r>
-            <a:r>
-              <a:rPr sz="2000"/>
-              <a:t>expertise–</a:t>
-            </a:r>
-            <a:r>
-              <a:rPr sz="2000"/>
-              <a:t> </a:t>
-            </a:r>
-            <a:r>
-              <a:rPr sz="2000"/>
-              <a:t>ie</a:t>
-            </a:r>
-            <a:r>
-              <a:rPr sz="2000"/>
-              <a:t> </a:t>
-            </a:r>
-            <a:r>
-              <a:rPr sz="2000"/>
-              <a:t>“</a:t>
-            </a:r>
-            <a:r>
-              <a:rPr sz="2000"/>
-              <a:t>we</a:t>
-            </a:r>
-            <a:r>
-              <a:rPr sz="2000"/>
-              <a:t> </a:t>
-            </a:r>
-            <a:r>
-              <a:rPr sz="2000"/>
-              <a:t>had</a:t>
-            </a:r>
-            <a:r>
-              <a:rPr sz="2000"/>
-              <a:t> </a:t>
-            </a:r>
-            <a:r>
-              <a:rPr sz="2000"/>
-              <a:t>a</a:t>
-            </a:r>
-            <a:r>
-              <a:rPr sz="2000"/>
-              <a:t> </a:t>
-            </a:r>
-            <a:r>
-              <a:rPr sz="2000"/>
-              <a:t>question</a:t>
-            </a:r>
-            <a:r>
-              <a:rPr sz="2000"/>
-              <a:t> </a:t>
-            </a:r>
-            <a:r>
-              <a:rPr sz="2000"/>
-              <a:t>about</a:t>
-            </a:r>
-            <a:r>
-              <a:rPr sz="2000"/>
-              <a:t> </a:t>
-            </a:r>
-            <a:r>
-              <a:rPr sz="2000"/>
-              <a:t>how</a:t>
-            </a:r>
-            <a:r>
-              <a:rPr sz="2000"/>
-              <a:t> </a:t>
-            </a:r>
-            <a:r>
-              <a:rPr sz="2000"/>
-              <a:t>a</a:t>
-            </a:r>
-            <a:r>
-              <a:rPr sz="2000"/>
-              <a:t> </a:t>
-            </a:r>
-            <a:r>
-              <a:rPr sz="2000"/>
-              <a:t>browser</a:t>
-            </a:r>
-            <a:r>
-              <a:rPr sz="2000"/>
-              <a:t> </a:t>
-            </a:r>
-            <a:r>
-              <a:rPr sz="2000"/>
-              <a:t>works,</a:t>
-            </a:r>
-            <a:r>
-              <a:rPr sz="2000"/>
-              <a:t> </a:t>
-            </a:r>
-            <a:r>
-              <a:rPr sz="2000"/>
-              <a:t>so</a:t>
-            </a:r>
-            <a:r>
-              <a:rPr sz="2000"/>
-              <a:t> </a:t>
-            </a:r>
-            <a:r>
-              <a:rPr sz="2000"/>
-              <a:t>let’s</a:t>
-            </a:r>
-            <a:r>
-              <a:rPr sz="2000"/>
-              <a:t> </a:t>
-            </a:r>
-            <a:r>
-              <a:rPr sz="2000"/>
-              <a:t>explore</a:t>
-            </a:r>
-            <a:r>
-              <a:rPr sz="2000"/>
-              <a:t> </a:t>
-            </a:r>
-            <a:r>
-              <a:rPr sz="2000"/>
-              <a:t>that</a:t>
-            </a:r>
-            <a:r>
-              <a:rPr sz="2000"/>
-              <a:t> </a:t>
-            </a:r>
-            <a:r>
-              <a:rPr sz="2000"/>
-              <a:t>now</a:t>
-            </a:r>
-            <a:r>
-              <a:rPr sz="2000"/>
-              <a:t>”</a:t>
-            </a:r>
-            <a:r>
-              <a:rPr sz="2000"/>
-              <a:t> </a:t>
-            </a:r>
-            <a:r>
-              <a:rPr sz="2000"/>
-              <a:t>or</a:t>
-            </a:r>
-            <a:r>
-              <a:rPr sz="2000"/>
-              <a:t> </a:t>
-            </a:r>
-            <a:r>
-              <a:rPr sz="2000"/>
-              <a:t>“</a:t>
-            </a:r>
-            <a:r>
-              <a:rPr sz="2000"/>
-              <a:t>some</a:t>
-            </a:r>
-            <a:r>
-              <a:rPr sz="2000"/>
-              <a:t> </a:t>
-            </a:r>
-            <a:r>
-              <a:rPr sz="2000"/>
-              <a:t>of</a:t>
-            </a:r>
-            <a:r>
-              <a:rPr sz="2000"/>
-              <a:t> </a:t>
-            </a:r>
-            <a:r>
-              <a:rPr sz="2000"/>
-              <a:t>you</a:t>
-            </a:r>
-            <a:r>
-              <a:rPr sz="2000"/>
-              <a:t> </a:t>
-            </a:r>
-            <a:r>
-              <a:rPr sz="2000"/>
-              <a:t>are</a:t>
-            </a:r>
-            <a:r>
-              <a:rPr sz="2000"/>
-              <a:t> </a:t>
-            </a:r>
-            <a:r>
-              <a:rPr sz="2000"/>
-              <a:t>active</a:t>
-            </a:r>
-            <a:r>
-              <a:rPr sz="2000"/>
-              <a:t> </a:t>
-            </a:r>
-            <a:r>
-              <a:rPr sz="2000"/>
-              <a:t>youtube</a:t>
-            </a:r>
-            <a:r>
-              <a:rPr sz="2000"/>
-              <a:t> </a:t>
-            </a:r>
-            <a:r>
-              <a:rPr sz="2000"/>
-              <a:t>users–</a:t>
-            </a:r>
-            <a:r>
-              <a:rPr sz="2000"/>
-              <a:t> </a:t>
-            </a:r>
-            <a:r>
-              <a:rPr sz="2000"/>
-              <a:t>what</a:t>
-            </a:r>
-            <a:r>
-              <a:rPr sz="2000"/>
-              <a:t> </a:t>
-            </a:r>
-            <a:r>
-              <a:rPr sz="2000"/>
-              <a:t>can</a:t>
-            </a:r>
-            <a:r>
-              <a:rPr sz="2000"/>
-              <a:t> </a:t>
-            </a:r>
-            <a:r>
-              <a:rPr sz="2000"/>
-              <a:t>you</a:t>
-            </a:r>
-            <a:r>
-              <a:rPr sz="2000"/>
-              <a:t> </a:t>
-            </a:r>
-            <a:r>
-              <a:rPr sz="2000"/>
-              <a:t>tell</a:t>
-            </a:r>
-            <a:r>
-              <a:rPr sz="2000"/>
-              <a:t> </a:t>
-            </a:r>
-            <a:r>
-              <a:rPr sz="2000"/>
-              <a:t>us</a:t>
-            </a:r>
-            <a:r>
-              <a:rPr sz="2000"/>
-              <a:t> </a:t>
-            </a:r>
-            <a:r>
-              <a:rPr sz="2000"/>
-              <a:t>about</a:t>
-            </a:r>
-            <a:r>
-              <a:rPr sz="2000"/>
-              <a:t> </a:t>
-            </a:r>
-            <a:r>
-              <a:rPr sz="2000"/>
-              <a:t>the</a:t>
-            </a:r>
-            <a:r>
-              <a:rPr sz="2000"/>
-              <a:t> </a:t>
-            </a:r>
-            <a:r>
-              <a:rPr sz="2000"/>
-              <a:t>platform?</a:t>
-            </a:r>
-            <a:r>
-              <a:rPr sz="2000"/>
-              <a:t>”</a:t>
-            </a:r>
-          </a:p>
-          <a:p>
-            <a:pPr lvl="0" marL="0" indent="0">
-              <a:buNone/>
-            </a:pPr>
-          </a:p>
-          <a:p>
-            <a:pPr lvl="0" marL="1270000" indent="0">
-              <a:buNone/>
-            </a:pPr>
-            <a:r>
-              <a:rPr sz="2000"/>
-              <a:t>Tip!</a:t>
-            </a:r>
-            <a:r>
-              <a:rPr sz="2000"/>
-              <a:t> </a:t>
-            </a:r>
-            <a:r>
-              <a:rPr sz="2000"/>
-              <a:t>Always</a:t>
-            </a:r>
-            <a:r>
-              <a:rPr sz="2000"/>
-              <a:t> </a:t>
-            </a:r>
-            <a:r>
-              <a:rPr sz="2000"/>
-              <a:t>be</a:t>
-            </a:r>
-            <a:r>
-              <a:rPr sz="2000"/>
-              <a:t> </a:t>
-            </a:r>
-            <a:r>
-              <a:rPr sz="2000"/>
-              <a:t>respectful</a:t>
-            </a:r>
-            <a:r>
-              <a:rPr sz="2000"/>
-              <a:t> </a:t>
-            </a:r>
-            <a:r>
-              <a:rPr sz="2000"/>
-              <a:t>of</a:t>
-            </a:r>
-            <a:r>
-              <a:rPr sz="2000"/>
-              <a:t> </a:t>
-            </a:r>
-            <a:r>
-              <a:rPr sz="2000"/>
-              <a:t>varied</a:t>
-            </a:r>
-            <a:r>
-              <a:rPr sz="2000"/>
-              <a:t> </a:t>
-            </a:r>
-            <a:r>
-              <a:rPr sz="2000"/>
-              <a:t>viewpoints,</a:t>
-            </a:r>
-            <a:r>
-              <a:rPr sz="2000"/>
-              <a:t> </a:t>
-            </a:r>
-            <a:r>
-              <a:rPr sz="2000"/>
-              <a:t>ideas,</a:t>
-            </a:r>
-            <a:r>
-              <a:rPr sz="2000"/>
-              <a:t> </a:t>
-            </a:r>
-            <a:r>
-              <a:rPr sz="2000"/>
-              <a:t>and</a:t>
-            </a:r>
-            <a:r>
-              <a:rPr sz="2000"/>
-              <a:t> </a:t>
-            </a:r>
-            <a:r>
-              <a:rPr sz="2000"/>
-              <a:t>perspectives</a:t>
-            </a:r>
-            <a:r>
-              <a:rPr sz="2000"/>
-              <a:t> </a:t>
-            </a:r>
-            <a:r>
-              <a:rPr sz="2000"/>
-              <a:t>when</a:t>
-            </a:r>
-            <a:r>
-              <a:rPr sz="2000"/>
-              <a:t> </a:t>
-            </a:r>
-            <a:r>
-              <a:rPr sz="2000"/>
-              <a:t>referring</a:t>
-            </a:r>
-            <a:r>
-              <a:rPr sz="2000"/>
-              <a:t> </a:t>
-            </a:r>
-            <a:r>
-              <a:rPr sz="2000"/>
-              <a:t>to</a:t>
-            </a:r>
-            <a:r>
-              <a:rPr sz="2000"/>
-              <a:t> </a:t>
-            </a:r>
-            <a:r>
-              <a:rPr sz="2000"/>
-              <a:t>content</a:t>
-            </a:r>
-            <a:r>
-              <a:rPr sz="2000"/>
-              <a:t> </a:t>
-            </a:r>
-            <a:r>
-              <a:rPr sz="2000"/>
-              <a:t>that</a:t>
-            </a:r>
-            <a:r>
-              <a:rPr sz="2000"/>
-              <a:t> </a:t>
-            </a:r>
-            <a:r>
-              <a:rPr sz="2000"/>
-              <a:t>the</a:t>
-            </a:r>
-            <a:r>
-              <a:rPr sz="2000"/>
-              <a:t> </a:t>
-            </a:r>
-            <a:r>
-              <a:rPr sz="2000"/>
-              <a:t>learners</a:t>
-            </a:r>
-            <a:r>
-              <a:rPr sz="2000"/>
-              <a:t> </a:t>
-            </a:r>
-            <a:r>
-              <a:rPr sz="2000"/>
-              <a:t>share.</a:t>
-            </a:r>
-            <a:r>
-              <a:rPr sz="2000"/>
-              <a:t> </a:t>
-            </a:r>
-            <a:r>
-              <a:rPr sz="2000"/>
-              <a:t>At</a:t>
-            </a:r>
-            <a:r>
-              <a:rPr sz="2000"/>
-              <a:t> </a:t>
-            </a:r>
-            <a:r>
-              <a:rPr sz="2000"/>
-              <a:t>the</a:t>
-            </a:r>
-            <a:r>
-              <a:rPr sz="2000"/>
-              <a:t> </a:t>
-            </a:r>
-            <a:r>
-              <a:rPr sz="2000"/>
-              <a:t>end</a:t>
-            </a:r>
-            <a:r>
-              <a:rPr sz="2000"/>
-              <a:t> </a:t>
-            </a:r>
-            <a:r>
-              <a:rPr sz="2000"/>
-              <a:t>of</a:t>
-            </a:r>
-            <a:r>
-              <a:rPr sz="2000"/>
-              <a:t> </a:t>
-            </a:r>
-            <a:r>
-              <a:rPr sz="2000"/>
-              <a:t>the</a:t>
-            </a:r>
-            <a:r>
-              <a:rPr sz="2000"/>
-              <a:t> </a:t>
-            </a:r>
-            <a:r>
-              <a:rPr sz="2000"/>
-              <a:t>session,</a:t>
-            </a:r>
-            <a:r>
-              <a:rPr sz="2000"/>
-              <a:t> </a:t>
-            </a:r>
-            <a:r>
-              <a:rPr sz="2000"/>
-              <a:t>thank</a:t>
-            </a:r>
-            <a:r>
-              <a:rPr sz="2000"/>
-              <a:t> </a:t>
-            </a:r>
-            <a:r>
-              <a:rPr sz="2000"/>
-              <a:t>the</a:t>
-            </a:r>
-            <a:r>
-              <a:rPr sz="2000"/>
-              <a:t> </a:t>
-            </a:r>
-            <a:r>
-              <a:rPr sz="2000"/>
-              <a:t>learners</a:t>
-            </a:r>
-            <a:r>
-              <a:rPr sz="2000"/>
-              <a:t> </a:t>
-            </a:r>
-            <a:r>
-              <a:rPr sz="2000"/>
-              <a:t>for</a:t>
-            </a:r>
-            <a:r>
-              <a:rPr sz="2000"/>
-              <a:t> </a:t>
-            </a:r>
-            <a:r>
-              <a:rPr sz="2000"/>
-              <a:t>their</a:t>
-            </a:r>
-            <a:r>
-              <a:rPr sz="2000"/>
-              <a:t> </a:t>
-            </a:r>
-            <a:r>
-              <a:rPr sz="2000"/>
-              <a:t>participation,</a:t>
-            </a:r>
-            <a:r>
-              <a:rPr sz="2000"/>
-              <a:t> </a:t>
-            </a:r>
-            <a:r>
-              <a:rPr sz="2000"/>
-              <a:t>questions,</a:t>
-            </a:r>
-            <a:r>
-              <a:rPr sz="2000"/>
-              <a:t> </a:t>
-            </a:r>
-            <a:r>
-              <a:rPr sz="2000"/>
-              <a:t>and</a:t>
-            </a:r>
-            <a:r>
-              <a:rPr sz="2000"/>
-              <a:t> </a:t>
-            </a:r>
-            <a:r>
-              <a:rPr sz="2000"/>
-              <a:t>insights!</a:t>
             </a:r>
           </a:p>
         </p:txBody>
@@ -15352,7 +11116,7 @@
           <a:p>
             <a:fld id="{18BDFEC3-8487-43E8-A154-7C12CBC1FFF2}" type="slidenum">
               <a:rPr lang="en-US"/>
-              <a:t>11</a:t>
+              <a:t>9</a:t>
             </a:fld>
             <a:endParaRPr lang="en-US"/>
           </a:p>
@@ -15364,6 +11128,4452 @@
 </file>
 
 <file path=ppt/notesSlides/notesSlide8.xml><?xml version="1.0" encoding="utf-8"?>
+<p:notes xmlns:a="http://schemas.openxmlformats.org/drawingml/2006/main" xmlns:r="http://schemas.openxmlformats.org/officeDocument/2006/relationships" xmlns:p="http://schemas.openxmlformats.org/presentationml/2006/main">
+  <p:cSld>
+    <p:spTree>
+      <p:nvGrpSpPr>
+        <p:cNvPr id="1" name=""/>
+        <p:cNvGrpSpPr/>
+        <p:nvPr/>
+      </p:nvGrpSpPr>
+      <p:grpSpPr>
+        <a:xfrm>
+          <a:off x="0" y="0"/>
+          <a:ext cx="0" cy="0"/>
+          <a:chOff x="0" y="0"/>
+          <a:chExt cx="0" cy="0"/>
+        </a:xfrm>
+      </p:grpSpPr>
+      <p:sp>
+        <p:nvSpPr>
+          <p:cNvPr id="2" name="Slide Image Placeholder 1"/>
+          <p:cNvSpPr>
+            <a:spLocks noGrp="1" noRot="1" noChangeAspect="1"/>
+          </p:cNvSpPr>
+          <p:nvPr>
+            <p:ph type="sldImg"/>
+          </p:nvPr>
+        </p:nvSpPr>
+        <p:spPr/>
+      </p:sp>
+      <p:sp>
+        <p:nvSpPr>
+          <p:cNvPr id="3" name="Notes Placeholder 2"/>
+          <p:cNvSpPr>
+            <a:spLocks noGrp="1"/>
+          </p:cNvSpPr>
+          <p:nvPr>
+            <p:ph type="body" idx="1"/>
+          </p:nvPr>
+        </p:nvSpPr>
+        <p:spPr/>
+        <p:txBody>
+          <a:bodyPr/>
+          <a:lstStyle/>
+          <a:p>
+            <a:pPr lvl="1"/>
+            <a:r>
+              <a:rPr/>
+              <a:t>Put</a:t>
+            </a:r>
+            <a:r>
+              <a:rPr/>
+              <a:t> </a:t>
+            </a:r>
+            <a:r>
+              <a:rPr/>
+              <a:t>sticky</a:t>
+            </a:r>
+            <a:r>
+              <a:rPr/>
+              <a:t> </a:t>
+            </a:r>
+            <a:r>
+              <a:rPr/>
+              <a:t>notes</a:t>
+            </a:r>
+            <a:r>
+              <a:rPr/>
+              <a:t> </a:t>
+            </a:r>
+            <a:r>
+              <a:rPr/>
+              <a:t>again</a:t>
+            </a:r>
+            <a:r>
+              <a:rPr/>
+              <a:t> </a:t>
+            </a:r>
+            <a:r>
+              <a:rPr/>
+              <a:t>on</a:t>
+            </a:r>
+            <a:r>
+              <a:rPr/>
+              <a:t> </a:t>
+            </a:r>
+            <a:r>
+              <a:rPr/>
+              <a:t>the</a:t>
+            </a:r>
+            <a:r>
+              <a:rPr/>
+              <a:t> </a:t>
+            </a:r>
+            <a:r>
+              <a:rPr/>
+              <a:t>wall,</a:t>
+            </a:r>
+            <a:r>
+              <a:rPr/>
+              <a:t> </a:t>
+            </a:r>
+            <a:r>
+              <a:rPr/>
+              <a:t>and</a:t>
+            </a:r>
+            <a:r>
+              <a:rPr/>
+              <a:t> </a:t>
+            </a:r>
+            <a:r>
+              <a:rPr/>
+              <a:t>again</a:t>
+            </a:r>
+            <a:r>
+              <a:rPr/>
+              <a:t> </a:t>
+            </a:r>
+            <a:r>
+              <a:rPr/>
+              <a:t>invite</a:t>
+            </a:r>
+            <a:r>
+              <a:rPr/>
+              <a:t> </a:t>
+            </a:r>
+            <a:r>
+              <a:rPr/>
+              <a:t>learners</a:t>
+            </a:r>
+            <a:r>
+              <a:rPr/>
+              <a:t> </a:t>
+            </a:r>
+            <a:r>
+              <a:rPr/>
+              <a:t>to</a:t>
+            </a:r>
+            <a:r>
+              <a:rPr/>
+              <a:t> </a:t>
+            </a:r>
+            <a:r>
+              <a:rPr/>
+              <a:t>look</a:t>
+            </a:r>
+            <a:r>
+              <a:rPr/>
+              <a:t> </a:t>
+            </a:r>
+            <a:r>
+              <a:rPr/>
+              <a:t>and</a:t>
+            </a:r>
+            <a:r>
+              <a:rPr/>
+              <a:t> </a:t>
+            </a:r>
+            <a:r>
+              <a:rPr/>
+              <a:t>discuss.</a:t>
+            </a:r>
+            <a:r>
+              <a:rPr/>
+              <a:t> </a:t>
+            </a:r>
+            <a:r>
+              <a:rPr/>
+              <a:t>&gt;</a:t>
+            </a:r>
+            <a:r>
+              <a:rPr/>
+              <a:t> </a:t>
+            </a:r>
+            <a:r>
+              <a:rPr/>
+              <a:t>Tip!</a:t>
+            </a:r>
+            <a:r>
+              <a:rPr/>
+              <a:t> </a:t>
+            </a:r>
+            <a:r>
+              <a:rPr/>
+              <a:t>The</a:t>
+            </a:r>
+            <a:r>
+              <a:rPr/>
+              <a:t> </a:t>
+            </a:r>
+            <a:r>
+              <a:rPr/>
+              <a:t>facilitator</a:t>
+            </a:r>
+            <a:r>
+              <a:rPr/>
+              <a:t> </a:t>
+            </a:r>
+            <a:r>
+              <a:rPr/>
+              <a:t>can</a:t>
+            </a:r>
+            <a:r>
+              <a:rPr/>
+              <a:t> </a:t>
+            </a:r>
+            <a:r>
+              <a:rPr/>
+              <a:t>use</a:t>
+            </a:r>
+            <a:r>
+              <a:rPr/>
+              <a:t> </a:t>
+            </a:r>
+            <a:r>
+              <a:rPr/>
+              <a:t>responses</a:t>
+            </a:r>
+            <a:r>
+              <a:rPr/>
+              <a:t> </a:t>
+            </a:r>
+            <a:r>
+              <a:rPr/>
+              <a:t>to</a:t>
+            </a:r>
+            <a:r>
+              <a:rPr/>
+              <a:t> </a:t>
+            </a:r>
+            <a:r>
+              <a:rPr/>
+              <a:t>stories</a:t>
+            </a:r>
+            <a:r>
+              <a:rPr/>
+              <a:t> </a:t>
+            </a:r>
+            <a:r>
+              <a:rPr/>
+              <a:t>and</a:t>
+            </a:r>
+            <a:r>
+              <a:rPr/>
+              <a:t> </a:t>
+            </a:r>
+            <a:r>
+              <a:rPr/>
+              <a:t>exploration</a:t>
+            </a:r>
+            <a:r>
+              <a:rPr/>
+              <a:t> </a:t>
+            </a:r>
+            <a:r>
+              <a:rPr/>
+              <a:t>questions</a:t>
+            </a:r>
+            <a:r>
+              <a:rPr/>
+              <a:t> </a:t>
+            </a:r>
+            <a:r>
+              <a:rPr/>
+              <a:t>to</a:t>
+            </a:r>
+            <a:r>
+              <a:rPr/>
+              <a:t> </a:t>
+            </a:r>
+            <a:r>
+              <a:rPr/>
+              <a:t>shape</a:t>
+            </a:r>
+            <a:r>
+              <a:rPr/>
+              <a:t> </a:t>
+            </a:r>
+            <a:r>
+              <a:rPr/>
+              <a:t>the</a:t>
+            </a:r>
+            <a:r>
+              <a:rPr/>
+              <a:t> </a:t>
+            </a:r>
+            <a:r>
+              <a:rPr/>
+              <a:t>rest</a:t>
+            </a:r>
+            <a:r>
+              <a:rPr/>
+              <a:t> </a:t>
+            </a:r>
+            <a:r>
+              <a:rPr/>
+              <a:t>of</a:t>
+            </a:r>
+            <a:r>
+              <a:rPr/>
+              <a:t> </a:t>
+            </a:r>
+            <a:r>
+              <a:rPr/>
+              <a:t>the</a:t>
+            </a:r>
+            <a:r>
+              <a:rPr/>
+              <a:t> </a:t>
+            </a:r>
+            <a:r>
+              <a:rPr/>
+              <a:t>program–</a:t>
+            </a:r>
+            <a:r>
+              <a:rPr/>
+              <a:t> </a:t>
+            </a:r>
+            <a:r>
+              <a:rPr/>
+              <a:t>return</a:t>
+            </a:r>
+            <a:r>
+              <a:rPr/>
+              <a:t> </a:t>
+            </a:r>
+            <a:r>
+              <a:rPr/>
+              <a:t>to</a:t>
+            </a:r>
+            <a:r>
+              <a:rPr/>
+              <a:t> </a:t>
+            </a:r>
+            <a:r>
+              <a:rPr/>
+              <a:t>the</a:t>
+            </a:r>
+            <a:r>
+              <a:rPr/>
+              <a:t> </a:t>
+            </a:r>
+            <a:r>
+              <a:rPr/>
+              <a:t>questions</a:t>
+            </a:r>
+            <a:r>
+              <a:rPr/>
+              <a:t> </a:t>
+            </a:r>
+            <a:r>
+              <a:rPr/>
+              <a:t>for</a:t>
+            </a:r>
+            <a:r>
+              <a:rPr/>
+              <a:t> </a:t>
+            </a:r>
+            <a:r>
+              <a:rPr/>
+              <a:t>context,</a:t>
+            </a:r>
+            <a:r>
+              <a:rPr/>
+              <a:t> </a:t>
+            </a:r>
+            <a:r>
+              <a:rPr/>
+              <a:t>examples,</a:t>
+            </a:r>
+            <a:r>
+              <a:rPr/>
+              <a:t> </a:t>
+            </a:r>
+            <a:r>
+              <a:rPr/>
+              <a:t>and</a:t>
+            </a:r>
+            <a:r>
+              <a:rPr/>
+              <a:t> </a:t>
+            </a:r>
+            <a:r>
+              <a:rPr/>
+              <a:t>to</a:t>
+            </a:r>
+            <a:r>
+              <a:rPr/>
+              <a:t> </a:t>
+            </a:r>
+            <a:r>
+              <a:rPr/>
+              <a:t>address</a:t>
+            </a:r>
+            <a:r>
+              <a:rPr/>
+              <a:t> </a:t>
+            </a:r>
+            <a:r>
+              <a:rPr/>
+              <a:t>gaps</a:t>
+            </a:r>
+            <a:r>
+              <a:rPr/>
+              <a:t> </a:t>
+            </a:r>
+            <a:r>
+              <a:rPr/>
+              <a:t>in</a:t>
+            </a:r>
+            <a:r>
+              <a:rPr/>
+              <a:t> </a:t>
+            </a:r>
+            <a:r>
+              <a:rPr/>
+              <a:t>knowledge</a:t>
+            </a:r>
+            <a:r>
+              <a:rPr/>
+              <a:t> </a:t>
+            </a:r>
+            <a:r>
+              <a:rPr/>
+              <a:t>and</a:t>
+            </a:r>
+            <a:r>
+              <a:rPr/>
+              <a:t> </a:t>
+            </a:r>
+            <a:r>
+              <a:rPr/>
+              <a:t>understanding,</a:t>
+            </a:r>
+            <a:r>
+              <a:rPr/>
+              <a:t> </a:t>
+            </a:r>
+            <a:r>
+              <a:rPr/>
+              <a:t>or</a:t>
+            </a:r>
+            <a:r>
+              <a:rPr/>
+              <a:t> </a:t>
+            </a:r>
+            <a:r>
+              <a:rPr/>
+              <a:t>leverage</a:t>
+            </a:r>
+            <a:r>
+              <a:rPr/>
+              <a:t> </a:t>
+            </a:r>
+            <a:r>
+              <a:rPr/>
+              <a:t>special</a:t>
+            </a:r>
+            <a:r>
+              <a:rPr/>
+              <a:t> </a:t>
+            </a:r>
+            <a:r>
+              <a:rPr/>
+              <a:t>expertise–</a:t>
+            </a:r>
+            <a:r>
+              <a:rPr/>
+              <a:t> </a:t>
+            </a:r>
+            <a:r>
+              <a:rPr/>
+              <a:t>ie</a:t>
+            </a:r>
+            <a:r>
+              <a:rPr/>
+              <a:t> </a:t>
+            </a:r>
+            <a:r>
+              <a:rPr/>
+              <a:t>“</a:t>
+            </a:r>
+            <a:r>
+              <a:rPr/>
+              <a:t>we</a:t>
+            </a:r>
+            <a:r>
+              <a:rPr/>
+              <a:t> </a:t>
+            </a:r>
+            <a:r>
+              <a:rPr/>
+              <a:t>had</a:t>
+            </a:r>
+            <a:r>
+              <a:rPr/>
+              <a:t> </a:t>
+            </a:r>
+            <a:r>
+              <a:rPr/>
+              <a:t>a</a:t>
+            </a:r>
+            <a:r>
+              <a:rPr/>
+              <a:t> </a:t>
+            </a:r>
+            <a:r>
+              <a:rPr/>
+              <a:t>question</a:t>
+            </a:r>
+            <a:r>
+              <a:rPr/>
+              <a:t> </a:t>
+            </a:r>
+            <a:r>
+              <a:rPr/>
+              <a:t>about</a:t>
+            </a:r>
+            <a:r>
+              <a:rPr/>
+              <a:t> </a:t>
+            </a:r>
+            <a:r>
+              <a:rPr/>
+              <a:t>how</a:t>
+            </a:r>
+            <a:r>
+              <a:rPr/>
+              <a:t> </a:t>
+            </a:r>
+            <a:r>
+              <a:rPr/>
+              <a:t>a</a:t>
+            </a:r>
+            <a:r>
+              <a:rPr/>
+              <a:t> </a:t>
+            </a:r>
+            <a:r>
+              <a:rPr/>
+              <a:t>browser</a:t>
+            </a:r>
+            <a:r>
+              <a:rPr/>
+              <a:t> </a:t>
+            </a:r>
+            <a:r>
+              <a:rPr/>
+              <a:t>works,</a:t>
+            </a:r>
+            <a:r>
+              <a:rPr/>
+              <a:t> </a:t>
+            </a:r>
+            <a:r>
+              <a:rPr/>
+              <a:t>so</a:t>
+            </a:r>
+            <a:r>
+              <a:rPr/>
+              <a:t> </a:t>
+            </a:r>
+            <a:r>
+              <a:rPr/>
+              <a:t>let’s</a:t>
+            </a:r>
+            <a:r>
+              <a:rPr/>
+              <a:t> </a:t>
+            </a:r>
+            <a:r>
+              <a:rPr/>
+              <a:t>explore</a:t>
+            </a:r>
+            <a:r>
+              <a:rPr/>
+              <a:t> </a:t>
+            </a:r>
+            <a:r>
+              <a:rPr/>
+              <a:t>that</a:t>
+            </a:r>
+            <a:r>
+              <a:rPr/>
+              <a:t> </a:t>
+            </a:r>
+            <a:r>
+              <a:rPr/>
+              <a:t>now</a:t>
+            </a:r>
+            <a:r>
+              <a:rPr/>
+              <a:t>”</a:t>
+            </a:r>
+            <a:r>
+              <a:rPr/>
+              <a:t> </a:t>
+            </a:r>
+            <a:r>
+              <a:rPr/>
+              <a:t>or</a:t>
+            </a:r>
+            <a:r>
+              <a:rPr/>
+              <a:t> </a:t>
+            </a:r>
+            <a:r>
+              <a:rPr/>
+              <a:t>“</a:t>
+            </a:r>
+            <a:r>
+              <a:rPr/>
+              <a:t>some</a:t>
+            </a:r>
+            <a:r>
+              <a:rPr/>
+              <a:t> </a:t>
+            </a:r>
+            <a:r>
+              <a:rPr/>
+              <a:t>of</a:t>
+            </a:r>
+            <a:r>
+              <a:rPr/>
+              <a:t> </a:t>
+            </a:r>
+            <a:r>
+              <a:rPr/>
+              <a:t>you</a:t>
+            </a:r>
+            <a:r>
+              <a:rPr/>
+              <a:t> </a:t>
+            </a:r>
+            <a:r>
+              <a:rPr/>
+              <a:t>are</a:t>
+            </a:r>
+            <a:r>
+              <a:rPr/>
+              <a:t> </a:t>
+            </a:r>
+            <a:r>
+              <a:rPr/>
+              <a:t>active</a:t>
+            </a:r>
+            <a:r>
+              <a:rPr/>
+              <a:t> </a:t>
+            </a:r>
+            <a:r>
+              <a:rPr/>
+              <a:t>youtube</a:t>
+            </a:r>
+            <a:r>
+              <a:rPr/>
+              <a:t> </a:t>
+            </a:r>
+            <a:r>
+              <a:rPr/>
+              <a:t>users–</a:t>
+            </a:r>
+            <a:r>
+              <a:rPr/>
+              <a:t> </a:t>
+            </a:r>
+            <a:r>
+              <a:rPr/>
+              <a:t>what</a:t>
+            </a:r>
+            <a:r>
+              <a:rPr/>
+              <a:t> </a:t>
+            </a:r>
+            <a:r>
+              <a:rPr/>
+              <a:t>can</a:t>
+            </a:r>
+            <a:r>
+              <a:rPr/>
+              <a:t> </a:t>
+            </a:r>
+            <a:r>
+              <a:rPr/>
+              <a:t>you</a:t>
+            </a:r>
+            <a:r>
+              <a:rPr/>
+              <a:t> </a:t>
+            </a:r>
+            <a:r>
+              <a:rPr/>
+              <a:t>tell</a:t>
+            </a:r>
+            <a:r>
+              <a:rPr/>
+              <a:t> </a:t>
+            </a:r>
+            <a:r>
+              <a:rPr/>
+              <a:t>us</a:t>
+            </a:r>
+            <a:r>
+              <a:rPr/>
+              <a:t> </a:t>
+            </a:r>
+            <a:r>
+              <a:rPr/>
+              <a:t>about</a:t>
+            </a:r>
+            <a:r>
+              <a:rPr/>
+              <a:t> </a:t>
+            </a:r>
+            <a:r>
+              <a:rPr/>
+              <a:t>the</a:t>
+            </a:r>
+            <a:r>
+              <a:rPr/>
+              <a:t> </a:t>
+            </a:r>
+            <a:r>
+              <a:rPr/>
+              <a:t>platform?</a:t>
+            </a:r>
+            <a:r>
+              <a:rPr/>
+              <a:t>”</a:t>
+            </a:r>
+          </a:p>
+          <a:p>
+            <a:pPr lvl="0" marL="0" indent="0">
+              <a:buNone/>
+            </a:pPr>
+          </a:p>
+          <a:p>
+            <a:pPr lvl="0" marL="1270000" indent="0">
+              <a:buNone/>
+            </a:pPr>
+            <a:r>
+              <a:rPr sz="2000"/>
+              <a:t>Tip!</a:t>
+            </a:r>
+            <a:r>
+              <a:rPr sz="2000"/>
+              <a:t> </a:t>
+            </a:r>
+            <a:r>
+              <a:rPr sz="2000"/>
+              <a:t>Always</a:t>
+            </a:r>
+            <a:r>
+              <a:rPr sz="2000"/>
+              <a:t> </a:t>
+            </a:r>
+            <a:r>
+              <a:rPr sz="2000"/>
+              <a:t>be</a:t>
+            </a:r>
+            <a:r>
+              <a:rPr sz="2000"/>
+              <a:t> </a:t>
+            </a:r>
+            <a:r>
+              <a:rPr sz="2000"/>
+              <a:t>respectful</a:t>
+            </a:r>
+            <a:r>
+              <a:rPr sz="2000"/>
+              <a:t> </a:t>
+            </a:r>
+            <a:r>
+              <a:rPr sz="2000"/>
+              <a:t>of</a:t>
+            </a:r>
+            <a:r>
+              <a:rPr sz="2000"/>
+              <a:t> </a:t>
+            </a:r>
+            <a:r>
+              <a:rPr sz="2000"/>
+              <a:t>varied</a:t>
+            </a:r>
+            <a:r>
+              <a:rPr sz="2000"/>
+              <a:t> </a:t>
+            </a:r>
+            <a:r>
+              <a:rPr sz="2000"/>
+              <a:t>viewpoints,</a:t>
+            </a:r>
+            <a:r>
+              <a:rPr sz="2000"/>
+              <a:t> </a:t>
+            </a:r>
+            <a:r>
+              <a:rPr sz="2000"/>
+              <a:t>ideas,</a:t>
+            </a:r>
+            <a:r>
+              <a:rPr sz="2000"/>
+              <a:t> </a:t>
+            </a:r>
+            <a:r>
+              <a:rPr sz="2000"/>
+              <a:t>and</a:t>
+            </a:r>
+            <a:r>
+              <a:rPr sz="2000"/>
+              <a:t> </a:t>
+            </a:r>
+            <a:r>
+              <a:rPr sz="2000"/>
+              <a:t>perspectives</a:t>
+            </a:r>
+            <a:r>
+              <a:rPr sz="2000"/>
+              <a:t> </a:t>
+            </a:r>
+            <a:r>
+              <a:rPr sz="2000"/>
+              <a:t>when</a:t>
+            </a:r>
+            <a:r>
+              <a:rPr sz="2000"/>
+              <a:t> </a:t>
+            </a:r>
+            <a:r>
+              <a:rPr sz="2000"/>
+              <a:t>referring</a:t>
+            </a:r>
+            <a:r>
+              <a:rPr sz="2000"/>
+              <a:t> </a:t>
+            </a:r>
+            <a:r>
+              <a:rPr sz="2000"/>
+              <a:t>to</a:t>
+            </a:r>
+            <a:r>
+              <a:rPr sz="2000"/>
+              <a:t> </a:t>
+            </a:r>
+            <a:r>
+              <a:rPr sz="2000"/>
+              <a:t>content</a:t>
+            </a:r>
+            <a:r>
+              <a:rPr sz="2000"/>
+              <a:t> </a:t>
+            </a:r>
+            <a:r>
+              <a:rPr sz="2000"/>
+              <a:t>that</a:t>
+            </a:r>
+            <a:r>
+              <a:rPr sz="2000"/>
+              <a:t> </a:t>
+            </a:r>
+            <a:r>
+              <a:rPr sz="2000"/>
+              <a:t>the</a:t>
+            </a:r>
+            <a:r>
+              <a:rPr sz="2000"/>
+              <a:t> </a:t>
+            </a:r>
+            <a:r>
+              <a:rPr sz="2000"/>
+              <a:t>learners</a:t>
+            </a:r>
+            <a:r>
+              <a:rPr sz="2000"/>
+              <a:t> </a:t>
+            </a:r>
+            <a:r>
+              <a:rPr sz="2000"/>
+              <a:t>share.</a:t>
+            </a:r>
+            <a:r>
+              <a:rPr sz="2000"/>
+              <a:t> </a:t>
+            </a:r>
+            <a:r>
+              <a:rPr sz="2000"/>
+              <a:t>At</a:t>
+            </a:r>
+            <a:r>
+              <a:rPr sz="2000"/>
+              <a:t> </a:t>
+            </a:r>
+            <a:r>
+              <a:rPr sz="2000"/>
+              <a:t>the</a:t>
+            </a:r>
+            <a:r>
+              <a:rPr sz="2000"/>
+              <a:t> </a:t>
+            </a:r>
+            <a:r>
+              <a:rPr sz="2000"/>
+              <a:t>end</a:t>
+            </a:r>
+            <a:r>
+              <a:rPr sz="2000"/>
+              <a:t> </a:t>
+            </a:r>
+            <a:r>
+              <a:rPr sz="2000"/>
+              <a:t>of</a:t>
+            </a:r>
+            <a:r>
+              <a:rPr sz="2000"/>
+              <a:t> </a:t>
+            </a:r>
+            <a:r>
+              <a:rPr sz="2000"/>
+              <a:t>the</a:t>
+            </a:r>
+            <a:r>
+              <a:rPr sz="2000"/>
+              <a:t> </a:t>
+            </a:r>
+            <a:r>
+              <a:rPr sz="2000"/>
+              <a:t>session,</a:t>
+            </a:r>
+            <a:r>
+              <a:rPr sz="2000"/>
+              <a:t> </a:t>
+            </a:r>
+            <a:r>
+              <a:rPr sz="2000"/>
+              <a:t>thank</a:t>
+            </a:r>
+            <a:r>
+              <a:rPr sz="2000"/>
+              <a:t> </a:t>
+            </a:r>
+            <a:r>
+              <a:rPr sz="2000"/>
+              <a:t>the</a:t>
+            </a:r>
+            <a:r>
+              <a:rPr sz="2000"/>
+              <a:t> </a:t>
+            </a:r>
+            <a:r>
+              <a:rPr sz="2000"/>
+              <a:t>learners</a:t>
+            </a:r>
+            <a:r>
+              <a:rPr sz="2000"/>
+              <a:t> </a:t>
+            </a:r>
+            <a:r>
+              <a:rPr sz="2000"/>
+              <a:t>for</a:t>
+            </a:r>
+            <a:r>
+              <a:rPr sz="2000"/>
+              <a:t> </a:t>
+            </a:r>
+            <a:r>
+              <a:rPr sz="2000"/>
+              <a:t>their</a:t>
+            </a:r>
+            <a:r>
+              <a:rPr sz="2000"/>
+              <a:t> </a:t>
+            </a:r>
+            <a:r>
+              <a:rPr sz="2000"/>
+              <a:t>participation,</a:t>
+            </a:r>
+            <a:r>
+              <a:rPr sz="2000"/>
+              <a:t> </a:t>
+            </a:r>
+            <a:r>
+              <a:rPr sz="2000"/>
+              <a:t>questions,</a:t>
+            </a:r>
+            <a:r>
+              <a:rPr sz="2000"/>
+              <a:t> </a:t>
+            </a:r>
+            <a:r>
+              <a:rPr sz="2000"/>
+              <a:t>and</a:t>
+            </a:r>
+            <a:r>
+              <a:rPr sz="2000"/>
+              <a:t> </a:t>
+            </a:r>
+            <a:r>
+              <a:rPr sz="2000"/>
+              <a:t>insights!</a:t>
+            </a:r>
+          </a:p>
+          <a:p>
+            <a:pPr lvl="0" marL="0" indent="0">
+              <a:buNone/>
+            </a:pPr>
+          </a:p>
+          <a:p>
+            <a:pPr lvl="1"/>
+            <a:r>
+              <a:rPr/>
+              <a:t>Now</a:t>
+            </a:r>
+            <a:r>
+              <a:rPr/>
+              <a:t> </a:t>
+            </a:r>
+            <a:r>
+              <a:rPr/>
+              <a:t>that</a:t>
+            </a:r>
+            <a:r>
+              <a:rPr/>
+              <a:t> </a:t>
+            </a:r>
+            <a:r>
+              <a:rPr/>
+              <a:t>learners</a:t>
+            </a:r>
+            <a:r>
+              <a:rPr/>
+              <a:t> </a:t>
+            </a:r>
+            <a:r>
+              <a:rPr/>
+              <a:t>have</a:t>
+            </a:r>
+            <a:r>
+              <a:rPr/>
+              <a:t> </a:t>
+            </a:r>
+            <a:r>
+              <a:rPr/>
+              <a:t>shared</a:t>
+            </a:r>
+            <a:r>
+              <a:rPr/>
+              <a:t> </a:t>
+            </a:r>
+            <a:r>
+              <a:rPr/>
+              <a:t>their</a:t>
+            </a:r>
+            <a:r>
+              <a:rPr/>
+              <a:t> </a:t>
+            </a:r>
+            <a:r>
+              <a:rPr/>
+              <a:t>individual</a:t>
+            </a:r>
+            <a:r>
+              <a:rPr/>
+              <a:t> </a:t>
+            </a:r>
+            <a:r>
+              <a:rPr/>
+              <a:t>stories,</a:t>
+            </a:r>
+            <a:r>
+              <a:rPr/>
+              <a:t> </a:t>
+            </a:r>
+            <a:r>
+              <a:rPr/>
+              <a:t>the</a:t>
+            </a:r>
+            <a:r>
+              <a:rPr/>
+              <a:t> </a:t>
+            </a:r>
+            <a:r>
+              <a:rPr/>
+              <a:t>facilitator</a:t>
+            </a:r>
+            <a:r>
+              <a:rPr/>
+              <a:t> </a:t>
+            </a:r>
+            <a:r>
+              <a:rPr/>
+              <a:t>asks</a:t>
+            </a:r>
+            <a:r>
+              <a:rPr/>
+              <a:t> </a:t>
+            </a:r>
+            <a:r>
+              <a:rPr/>
+              <a:t>the</a:t>
+            </a:r>
+            <a:r>
+              <a:rPr/>
+              <a:t> </a:t>
+            </a:r>
+            <a:r>
+              <a:rPr/>
+              <a:t>group</a:t>
+            </a:r>
+            <a:r>
+              <a:rPr/>
+              <a:t> </a:t>
+            </a:r>
+            <a:r>
+              <a:rPr/>
+              <a:t>to</a:t>
+            </a:r>
+            <a:r>
+              <a:rPr/>
+              <a:t> </a:t>
+            </a:r>
+            <a:r>
+              <a:rPr/>
+              <a:t>reflect</a:t>
+            </a:r>
+            <a:r>
+              <a:rPr/>
+              <a:t> </a:t>
+            </a:r>
+            <a:r>
+              <a:rPr/>
+              <a:t>on</a:t>
+            </a:r>
+            <a:r>
+              <a:rPr/>
+              <a:t> </a:t>
+            </a:r>
+            <a:r>
+              <a:rPr/>
+              <a:t>what</a:t>
+            </a:r>
+            <a:r>
+              <a:rPr/>
+              <a:t> </a:t>
+            </a:r>
+            <a:r>
+              <a:rPr/>
+              <a:t>they</a:t>
+            </a:r>
+            <a:r>
+              <a:rPr/>
+              <a:t> </a:t>
+            </a:r>
+            <a:r>
+              <a:rPr/>
+              <a:t>heard</a:t>
+            </a:r>
+            <a:r>
+              <a:rPr/>
+              <a:t> </a:t>
+            </a:r>
+            <a:r>
+              <a:rPr/>
+              <a:t>(in</a:t>
+            </a:r>
+            <a:r>
+              <a:rPr/>
+              <a:t> </a:t>
+            </a:r>
+            <a:r>
+              <a:rPr/>
+              <a:t>their</a:t>
+            </a:r>
+            <a:r>
+              <a:rPr/>
+              <a:t> </a:t>
+            </a:r>
+            <a:r>
+              <a:rPr/>
+              <a:t>own</a:t>
+            </a:r>
+            <a:r>
+              <a:rPr/>
+              <a:t> </a:t>
+            </a:r>
+            <a:r>
+              <a:rPr/>
+              <a:t>story,</a:t>
+            </a:r>
+            <a:r>
+              <a:rPr/>
+              <a:t> </a:t>
+            </a:r>
+            <a:r>
+              <a:rPr/>
+              <a:t>and</a:t>
+            </a:r>
+            <a:r>
+              <a:rPr/>
+              <a:t> </a:t>
+            </a:r>
+            <a:r>
+              <a:rPr/>
+              <a:t>others’</a:t>
+            </a:r>
+            <a:r>
+              <a:rPr/>
+              <a:t> </a:t>
+            </a:r>
+            <a:r>
+              <a:rPr/>
+              <a:t>stories)</a:t>
+            </a:r>
+            <a:r>
+              <a:rPr/>
+              <a:t> </a:t>
+            </a:r>
+            <a:r>
+              <a:rPr/>
+              <a:t>and</a:t>
+            </a:r>
+            <a:r>
+              <a:rPr/>
+              <a:t> </a:t>
+            </a:r>
+            <a:r>
+              <a:rPr/>
+              <a:t>document</a:t>
+            </a:r>
+            <a:r>
+              <a:rPr/>
+              <a:t> </a:t>
+            </a:r>
+            <a:r>
+              <a:rPr/>
+              <a:t>and/or</a:t>
+            </a:r>
+            <a:r>
+              <a:rPr/>
+              <a:t> </a:t>
+            </a:r>
+            <a:r>
+              <a:rPr/>
+              <a:t>discuss</a:t>
+            </a:r>
+            <a:r>
+              <a:rPr/>
+              <a:t> </a:t>
+            </a:r>
+            <a:r>
+              <a:rPr/>
+              <a:t>all</a:t>
+            </a:r>
+            <a:r>
+              <a:rPr/>
+              <a:t> </a:t>
+            </a:r>
+            <a:r>
+              <a:rPr/>
+              <a:t>the</a:t>
+            </a:r>
+            <a:r>
+              <a:rPr/>
+              <a:t> </a:t>
+            </a:r>
+            <a:r>
+              <a:rPr/>
+              <a:t>different</a:t>
+            </a:r>
+            <a:r>
+              <a:rPr/>
+              <a:t> </a:t>
+            </a:r>
+            <a:r>
+              <a:rPr/>
+              <a:t>ways</a:t>
+            </a:r>
+            <a:r>
+              <a:rPr/>
+              <a:t> </a:t>
+            </a:r>
+            <a:r>
+              <a:rPr/>
+              <a:t>the</a:t>
+            </a:r>
+            <a:r>
+              <a:rPr/>
+              <a:t> </a:t>
+            </a:r>
+            <a:r>
+              <a:rPr/>
+              <a:t>group</a:t>
+            </a:r>
+            <a:r>
+              <a:rPr/>
+              <a:t> </a:t>
+            </a:r>
+            <a:r>
+              <a:rPr/>
+              <a:t>uses</a:t>
+            </a:r>
+            <a:r>
+              <a:rPr/>
+              <a:t> </a:t>
+            </a:r>
+            <a:r>
+              <a:rPr/>
+              <a:t>the</a:t>
+            </a:r>
+            <a:r>
+              <a:rPr/>
+              <a:t> </a:t>
+            </a:r>
+            <a:r>
+              <a:rPr/>
+              <a:t>web.</a:t>
+            </a:r>
+          </a:p>
+          <a:p>
+            <a:pPr lvl="0" marL="0" indent="0">
+              <a:buNone/>
+            </a:pPr>
+          </a:p>
+          <a:p>
+            <a:pPr lvl="0" marL="1270000" indent="0">
+              <a:buNone/>
+            </a:pPr>
+            <a:r>
+              <a:rPr sz="2000"/>
+              <a:t>Tip!</a:t>
+            </a:r>
+            <a:r>
+              <a:rPr sz="2000"/>
+              <a:t> </a:t>
+            </a:r>
+            <a:r>
+              <a:rPr sz="2000"/>
+              <a:t>If</a:t>
+            </a:r>
+            <a:r>
+              <a:rPr sz="2000"/>
+              <a:t> </a:t>
+            </a:r>
+            <a:r>
+              <a:rPr sz="2000"/>
+              <a:t>time</a:t>
+            </a:r>
+            <a:r>
+              <a:rPr sz="2000"/>
+              <a:t> </a:t>
+            </a:r>
+            <a:r>
+              <a:rPr sz="2000"/>
+              <a:t>is</a:t>
+            </a:r>
+            <a:r>
+              <a:rPr sz="2000"/>
+              <a:t> </a:t>
+            </a:r>
+            <a:r>
+              <a:rPr sz="2000"/>
+              <a:t>tight,</a:t>
+            </a:r>
+            <a:r>
+              <a:rPr sz="2000"/>
+              <a:t> </a:t>
+            </a:r>
+            <a:r>
+              <a:rPr sz="2000"/>
+              <a:t>the</a:t>
+            </a:r>
+            <a:r>
+              <a:rPr sz="2000"/>
+              <a:t> </a:t>
+            </a:r>
+            <a:r>
+              <a:rPr sz="2000"/>
+              <a:t>facilitator</a:t>
+            </a:r>
+            <a:r>
+              <a:rPr sz="2000"/>
+              <a:t> </a:t>
+            </a:r>
+            <a:r>
+              <a:rPr sz="2000"/>
+              <a:t>may</a:t>
+            </a:r>
+            <a:r>
+              <a:rPr sz="2000"/>
+              <a:t> </a:t>
+            </a:r>
+            <a:r>
+              <a:rPr sz="2000"/>
+              <a:t>opt</a:t>
+            </a:r>
+            <a:r>
+              <a:rPr sz="2000"/>
+              <a:t> </a:t>
+            </a:r>
+            <a:r>
+              <a:rPr sz="2000"/>
+              <a:t>to</a:t>
+            </a:r>
+            <a:r>
+              <a:rPr sz="2000"/>
+              <a:t> </a:t>
+            </a:r>
+            <a:r>
+              <a:rPr sz="2000"/>
+              <a:t>do</a:t>
+            </a:r>
+            <a:r>
+              <a:rPr sz="2000"/>
+              <a:t> </a:t>
+            </a:r>
+            <a:r>
+              <a:rPr sz="2000"/>
+              <a:t>either</a:t>
+            </a:r>
+            <a:r>
+              <a:rPr sz="2000"/>
+              <a:t> </a:t>
+            </a:r>
+            <a:r>
+              <a:rPr sz="2000"/>
+              <a:t>the</a:t>
+            </a:r>
+            <a:r>
+              <a:rPr sz="2000"/>
+              <a:t> </a:t>
+            </a:r>
+            <a:r>
+              <a:rPr sz="2000"/>
+              <a:t>word</a:t>
+            </a:r>
+            <a:r>
+              <a:rPr sz="2000"/>
+              <a:t> </a:t>
+            </a:r>
+            <a:r>
+              <a:rPr sz="2000"/>
+              <a:t>map</a:t>
+            </a:r>
+            <a:r>
+              <a:rPr sz="2000"/>
+              <a:t> </a:t>
+            </a:r>
+            <a:r>
+              <a:rPr sz="2000"/>
+              <a:t>exercise,</a:t>
+            </a:r>
+            <a:r>
+              <a:rPr sz="2000"/>
+              <a:t> </a:t>
+            </a:r>
+            <a:r>
+              <a:rPr sz="2000"/>
+              <a:t>or</a:t>
+            </a:r>
+            <a:r>
+              <a:rPr sz="2000"/>
+              <a:t> </a:t>
+            </a:r>
+            <a:r>
+              <a:rPr sz="2000"/>
+              <a:t>pose</a:t>
+            </a:r>
+            <a:r>
+              <a:rPr sz="2000"/>
+              <a:t> </a:t>
+            </a:r>
+            <a:r>
+              <a:rPr sz="2000"/>
+              <a:t>some</a:t>
+            </a:r>
+            <a:r>
+              <a:rPr sz="2000"/>
+              <a:t> </a:t>
+            </a:r>
+            <a:r>
+              <a:rPr sz="2000"/>
+              <a:t>exploration</a:t>
+            </a:r>
+            <a:r>
+              <a:rPr sz="2000"/>
+              <a:t> </a:t>
+            </a:r>
+            <a:r>
+              <a:rPr sz="2000"/>
+              <a:t>questions.</a:t>
+            </a:r>
+          </a:p>
+          <a:p>
+            <a:pPr lvl="0" marL="0" indent="0">
+              <a:buNone/>
+            </a:pPr>
+          </a:p>
+          <a:p>
+            <a:pPr lvl="1"/>
+            <a:r>
+              <a:rPr sz="2000"/>
+              <a:t>Word</a:t>
+            </a:r>
+            <a:r>
+              <a:rPr sz="2000"/>
+              <a:t> </a:t>
+            </a:r>
+            <a:r>
+              <a:rPr sz="2000"/>
+              <a:t>Map:</a:t>
+            </a:r>
+            <a:r>
+              <a:rPr sz="2000"/>
+              <a:t> </a:t>
+            </a:r>
+            <a:r>
+              <a:rPr sz="2000"/>
+              <a:t>Using</a:t>
+            </a:r>
+            <a:r>
+              <a:rPr sz="2000"/>
+              <a:t> </a:t>
+            </a:r>
+            <a:r>
+              <a:rPr sz="2000"/>
+              <a:t>sticky</a:t>
+            </a:r>
+            <a:r>
+              <a:rPr sz="2000"/>
+              <a:t> </a:t>
+            </a:r>
+            <a:r>
+              <a:rPr sz="2000"/>
+              <a:t>notes</a:t>
+            </a:r>
+            <a:r>
+              <a:rPr sz="2000"/>
+              <a:t> </a:t>
+            </a:r>
+            <a:r>
+              <a:rPr sz="2000"/>
+              <a:t>or</a:t>
+            </a:r>
+            <a:r>
+              <a:rPr sz="2000"/>
+              <a:t> </a:t>
+            </a:r>
+            <a:r>
+              <a:rPr sz="2000"/>
+              <a:t>note</a:t>
+            </a:r>
+            <a:r>
+              <a:rPr sz="2000"/>
+              <a:t> </a:t>
+            </a:r>
+            <a:r>
+              <a:rPr sz="2000"/>
+              <a:t>cards,</a:t>
+            </a:r>
+            <a:r>
+              <a:rPr sz="2000"/>
+              <a:t> </a:t>
+            </a:r>
+            <a:r>
+              <a:rPr sz="2000"/>
+              <a:t>learners</a:t>
+            </a:r>
+            <a:r>
+              <a:rPr sz="2000"/>
+              <a:t> </a:t>
+            </a:r>
+            <a:r>
+              <a:rPr sz="2000"/>
+              <a:t>making</a:t>
+            </a:r>
+            <a:r>
+              <a:rPr sz="2000"/>
+              <a:t> </a:t>
+            </a:r>
+            <a:r>
+              <a:rPr sz="2000"/>
+              <a:t>lists</a:t>
+            </a:r>
+            <a:r>
+              <a:rPr sz="2000"/>
+              <a:t> </a:t>
+            </a:r>
+            <a:r>
+              <a:rPr sz="2000"/>
+              <a:t>of</a:t>
+            </a:r>
+            <a:r>
+              <a:rPr sz="2000"/>
+              <a:t> </a:t>
+            </a:r>
+            <a:r>
+              <a:rPr sz="2000"/>
+              <a:t>words</a:t>
+            </a:r>
+            <a:r>
+              <a:rPr sz="2000"/>
+              <a:t> </a:t>
+            </a:r>
+            <a:r>
+              <a:rPr sz="2000"/>
+              <a:t>learners</a:t>
+            </a:r>
+            <a:r>
+              <a:rPr sz="2000"/>
+              <a:t> </a:t>
+            </a:r>
+            <a:r>
+              <a:rPr sz="2000"/>
+              <a:t>heard</a:t>
+            </a:r>
+            <a:r>
+              <a:rPr sz="2000"/>
+              <a:t> </a:t>
+            </a:r>
+            <a:r>
+              <a:rPr sz="2000"/>
+              <a:t>in</a:t>
+            </a:r>
+            <a:r>
+              <a:rPr sz="2000"/>
+              <a:t> </a:t>
+            </a:r>
+            <a:r>
+              <a:rPr sz="2000"/>
+              <a:t>the</a:t>
+            </a:r>
+            <a:r>
+              <a:rPr sz="2000"/>
+              <a:t> </a:t>
+            </a:r>
+            <a:r>
+              <a:rPr sz="2000"/>
+              <a:t>stories.</a:t>
+            </a:r>
+            <a:r>
+              <a:rPr sz="2000"/>
+              <a:t> </a:t>
+            </a:r>
+            <a:r>
+              <a:rPr sz="2000"/>
+              <a:t>Learners</a:t>
+            </a:r>
+            <a:r>
+              <a:rPr sz="2000"/>
+              <a:t> </a:t>
+            </a:r>
+            <a:r>
+              <a:rPr sz="2000"/>
+              <a:t>should</a:t>
+            </a:r>
+            <a:r>
+              <a:rPr sz="2000"/>
+              <a:t> </a:t>
+            </a:r>
+            <a:r>
+              <a:rPr sz="2000"/>
+              <a:t>write</a:t>
+            </a:r>
+            <a:r>
+              <a:rPr sz="2000"/>
+              <a:t> </a:t>
+            </a:r>
+            <a:r>
+              <a:rPr sz="2000"/>
+              <a:t>one</a:t>
+            </a:r>
+            <a:r>
+              <a:rPr sz="2000"/>
+              <a:t> </a:t>
+            </a:r>
+            <a:r>
+              <a:rPr sz="2000"/>
+              <a:t>word</a:t>
+            </a:r>
+            <a:r>
+              <a:rPr sz="2000"/>
+              <a:t> </a:t>
+            </a:r>
+            <a:r>
+              <a:rPr sz="2000"/>
+              <a:t>per</a:t>
+            </a:r>
+            <a:r>
+              <a:rPr sz="2000"/>
+              <a:t> </a:t>
+            </a:r>
+            <a:r>
+              <a:rPr sz="2000"/>
+              <a:t>sticky</a:t>
+            </a:r>
+            <a:r>
+              <a:rPr sz="2000"/>
+              <a:t> </a:t>
+            </a:r>
+            <a:r>
+              <a:rPr sz="2000"/>
+              <a:t>note.</a:t>
+            </a:r>
+          </a:p>
+          <a:p>
+            <a:pPr lvl="0" marL="0" indent="0">
+              <a:buNone/>
+            </a:pPr>
+          </a:p>
+          <a:p>
+            <a:pPr lvl="1"/>
+            <a:r>
+              <a:rPr sz="2000"/>
+              <a:t>VERBS:</a:t>
+            </a:r>
+            <a:r>
+              <a:rPr sz="2000"/>
+              <a:t> </a:t>
+            </a:r>
+            <a:r>
+              <a:rPr sz="2000"/>
+              <a:t>what</a:t>
+            </a:r>
+            <a:r>
+              <a:rPr sz="2000"/>
+              <a:t> </a:t>
+            </a:r>
+            <a:r>
+              <a:rPr sz="2000"/>
+              <a:t>we</a:t>
+            </a:r>
+            <a:r>
+              <a:rPr sz="2000"/>
+              <a:t> </a:t>
+            </a:r>
+            <a:r>
+              <a:rPr sz="2000"/>
+              <a:t>do</a:t>
+            </a:r>
+            <a:r>
+              <a:rPr sz="2000"/>
+              <a:t> </a:t>
+            </a:r>
+            <a:r>
+              <a:rPr sz="2000"/>
+              <a:t>or</a:t>
+            </a:r>
+            <a:r>
+              <a:rPr sz="2000"/>
+              <a:t> </a:t>
+            </a:r>
+            <a:r>
+              <a:rPr sz="2000"/>
+              <a:t>would</a:t>
+            </a:r>
+            <a:r>
+              <a:rPr sz="2000"/>
+              <a:t> </a:t>
+            </a:r>
+            <a:r>
+              <a:rPr sz="2000"/>
+              <a:t>like</a:t>
+            </a:r>
+            <a:r>
+              <a:rPr sz="2000"/>
+              <a:t> </a:t>
+            </a:r>
+            <a:r>
+              <a:rPr sz="2000"/>
+              <a:t>to</a:t>
+            </a:r>
+            <a:r>
+              <a:rPr sz="2000"/>
+              <a:t> </a:t>
+            </a:r>
+            <a:r>
+              <a:rPr sz="2000"/>
+              <a:t>do</a:t>
+            </a:r>
+            <a:r>
+              <a:rPr sz="2000"/>
+              <a:t> </a:t>
+            </a:r>
+            <a:r>
+              <a:rPr sz="2000"/>
+              <a:t>on</a:t>
+            </a:r>
+            <a:r>
+              <a:rPr sz="2000"/>
+              <a:t> </a:t>
+            </a:r>
+            <a:r>
+              <a:rPr sz="2000"/>
+              <a:t>the</a:t>
+            </a:r>
+            <a:r>
+              <a:rPr sz="2000"/>
+              <a:t> </a:t>
+            </a:r>
+            <a:r>
+              <a:rPr sz="2000"/>
+              <a:t>web–</a:t>
+            </a:r>
+            <a:r>
+              <a:rPr sz="2000"/>
+              <a:t> </a:t>
+            </a:r>
+            <a:r>
+              <a:rPr sz="2000"/>
+              <a:t>(examples</a:t>
+            </a:r>
+            <a:r>
+              <a:rPr sz="2000"/>
+              <a:t> </a:t>
+            </a:r>
+            <a:r>
+              <a:rPr sz="2000"/>
+              <a:t>might</a:t>
+            </a:r>
+            <a:r>
+              <a:rPr sz="2000"/>
+              <a:t> </a:t>
+            </a:r>
+            <a:r>
+              <a:rPr sz="2000"/>
+              <a:t>be</a:t>
+            </a:r>
+            <a:r>
+              <a:rPr sz="2000"/>
+              <a:t> </a:t>
+            </a:r>
+            <a:r>
+              <a:rPr sz="2000"/>
+              <a:t>connect,</a:t>
+            </a:r>
+            <a:r>
+              <a:rPr sz="2000"/>
+              <a:t> </a:t>
+            </a:r>
+            <a:r>
+              <a:rPr sz="2000"/>
+              <a:t>learn,</a:t>
+            </a:r>
+            <a:r>
+              <a:rPr sz="2000"/>
+              <a:t> </a:t>
+            </a:r>
+            <a:r>
+              <a:rPr sz="2000"/>
+              <a:t>shop)</a:t>
+            </a:r>
+          </a:p>
+          <a:p>
+            <a:pPr lvl="0" marL="0" indent="0">
+              <a:buNone/>
+            </a:pPr>
+          </a:p>
+          <a:p>
+            <a:pPr lvl="1"/>
+            <a:r>
+              <a:rPr sz="2000"/>
+              <a:t>ADJECTIVES:</a:t>
+            </a:r>
+            <a:r>
+              <a:rPr sz="2000"/>
+              <a:t> </a:t>
+            </a:r>
+            <a:r>
+              <a:rPr sz="2000"/>
+              <a:t>what</a:t>
+            </a:r>
+            <a:r>
+              <a:rPr sz="2000"/>
+              <a:t> </a:t>
+            </a:r>
+            <a:r>
+              <a:rPr sz="2000"/>
+              <a:t>is</a:t>
+            </a:r>
+            <a:r>
+              <a:rPr sz="2000"/>
+              <a:t> </a:t>
+            </a:r>
+            <a:r>
+              <a:rPr sz="2000"/>
+              <a:t>the</a:t>
+            </a:r>
+            <a:r>
+              <a:rPr sz="2000"/>
+              <a:t> </a:t>
+            </a:r>
+            <a:r>
+              <a:rPr sz="2000"/>
+              <a:t>experience</a:t>
+            </a:r>
+            <a:r>
+              <a:rPr sz="2000"/>
+              <a:t> </a:t>
+            </a:r>
+            <a:r>
+              <a:rPr sz="2000"/>
+              <a:t>like</a:t>
+            </a:r>
+            <a:r>
+              <a:rPr sz="2000"/>
+              <a:t> </a:t>
+            </a:r>
+            <a:r>
+              <a:rPr sz="2000"/>
+              <a:t>for</a:t>
+            </a:r>
+            <a:r>
+              <a:rPr sz="2000"/>
+              <a:t> </a:t>
+            </a:r>
+            <a:r>
+              <a:rPr sz="2000"/>
+              <a:t>us,</a:t>
+            </a:r>
+            <a:r>
+              <a:rPr sz="2000"/>
+              <a:t> </a:t>
+            </a:r>
+            <a:r>
+              <a:rPr sz="2000"/>
+              <a:t>and</a:t>
+            </a:r>
+            <a:r>
+              <a:rPr sz="2000"/>
+              <a:t> </a:t>
+            </a:r>
+            <a:r>
+              <a:rPr sz="2000"/>
+              <a:t>for</a:t>
+            </a:r>
+            <a:r>
+              <a:rPr sz="2000"/>
+              <a:t> </a:t>
+            </a:r>
+            <a:r>
+              <a:rPr sz="2000"/>
+              <a:t>others?</a:t>
+            </a:r>
+            <a:r>
+              <a:rPr sz="2000"/>
+              <a:t> </a:t>
+            </a:r>
+            <a:r>
+              <a:rPr sz="2000"/>
+              <a:t>(examples:</a:t>
+            </a:r>
+            <a:r>
+              <a:rPr sz="2000"/>
+              <a:t> </a:t>
+            </a:r>
+            <a:r>
+              <a:rPr sz="2000"/>
+              <a:t>exciting,</a:t>
+            </a:r>
+            <a:r>
+              <a:rPr sz="2000"/>
+              <a:t> </a:t>
+            </a:r>
+            <a:r>
+              <a:rPr sz="2000"/>
+              <a:t>fun,</a:t>
+            </a:r>
+            <a:r>
+              <a:rPr sz="2000"/>
+              <a:t> </a:t>
+            </a:r>
+            <a:r>
+              <a:rPr sz="2000"/>
+              <a:t>overwhelming,</a:t>
+            </a:r>
+            <a:r>
+              <a:rPr sz="2000"/>
+              <a:t> </a:t>
+            </a:r>
+            <a:r>
+              <a:rPr sz="2000"/>
+              <a:t>confusing)</a:t>
+            </a:r>
+          </a:p>
+          <a:p>
+            <a:pPr lvl="0" marL="0" indent="0">
+              <a:buNone/>
+            </a:pPr>
+          </a:p>
+          <a:p>
+            <a:pPr lvl="1"/>
+            <a:r>
+              <a:rPr sz="2000"/>
+              <a:t>NOUNS:</a:t>
+            </a:r>
+            <a:r>
+              <a:rPr sz="2000"/>
+              <a:t> </a:t>
+            </a:r>
+            <a:r>
+              <a:rPr sz="2000"/>
+              <a:t>things</a:t>
+            </a:r>
+            <a:r>
+              <a:rPr sz="2000"/>
+              <a:t> </a:t>
+            </a:r>
+            <a:r>
+              <a:rPr sz="2000"/>
+              <a:t>that</a:t>
+            </a:r>
+            <a:r>
+              <a:rPr sz="2000"/>
+              <a:t> </a:t>
+            </a:r>
+            <a:r>
+              <a:rPr sz="2000"/>
+              <a:t>happen/are</a:t>
+            </a:r>
+            <a:r>
+              <a:rPr sz="2000"/>
+              <a:t> </a:t>
+            </a:r>
+            <a:r>
+              <a:rPr sz="2000"/>
+              <a:t>found</a:t>
+            </a:r>
+            <a:r>
+              <a:rPr sz="2000"/>
+              <a:t> </a:t>
+            </a:r>
+            <a:r>
+              <a:rPr sz="2000"/>
+              <a:t>online,</a:t>
+            </a:r>
+            <a:r>
+              <a:rPr sz="2000"/>
+              <a:t> </a:t>
+            </a:r>
+            <a:r>
+              <a:rPr sz="2000"/>
+              <a:t>or</a:t>
+            </a:r>
+            <a:r>
+              <a:rPr sz="2000"/>
+              <a:t> </a:t>
+            </a:r>
+            <a:r>
+              <a:rPr sz="2000"/>
+              <a:t>what</a:t>
+            </a:r>
+            <a:r>
+              <a:rPr sz="2000"/>
+              <a:t> </a:t>
+            </a:r>
+            <a:r>
+              <a:rPr sz="2000"/>
+              <a:t>we</a:t>
+            </a:r>
+            <a:r>
+              <a:rPr sz="2000"/>
+              <a:t> </a:t>
+            </a:r>
+            <a:r>
+              <a:rPr sz="2000"/>
+              <a:t>use</a:t>
+            </a:r>
+            <a:r>
+              <a:rPr sz="2000"/>
+              <a:t> </a:t>
+            </a:r>
+            <a:r>
+              <a:rPr sz="2000"/>
+              <a:t>to</a:t>
+            </a:r>
+            <a:r>
+              <a:rPr sz="2000"/>
+              <a:t> </a:t>
+            </a:r>
+            <a:r>
+              <a:rPr sz="2000"/>
+              <a:t>connect</a:t>
+            </a:r>
+            <a:r>
+              <a:rPr sz="2000"/>
+              <a:t> </a:t>
+            </a:r>
+            <a:r>
+              <a:rPr sz="2000"/>
+              <a:t>(examples:</a:t>
+            </a:r>
+            <a:r>
+              <a:rPr sz="2000"/>
+              <a:t> </a:t>
+            </a:r>
+            <a:r>
+              <a:rPr sz="2000"/>
+              <a:t>communities,</a:t>
+            </a:r>
+            <a:r>
+              <a:rPr sz="2000"/>
+              <a:t> </a:t>
+            </a:r>
+            <a:r>
+              <a:rPr sz="2000"/>
+              <a:t>music,</a:t>
+            </a:r>
+            <a:r>
+              <a:rPr sz="2000"/>
+              <a:t> </a:t>
+            </a:r>
+            <a:r>
+              <a:rPr sz="2000"/>
+              <a:t>cell</a:t>
+            </a:r>
+            <a:r>
+              <a:rPr sz="2000"/>
+              <a:t> </a:t>
+            </a:r>
+            <a:r>
+              <a:rPr sz="2000"/>
+              <a:t>phone,</a:t>
+            </a:r>
+            <a:r>
+              <a:rPr sz="2000"/>
+              <a:t> </a:t>
+            </a:r>
+            <a:r>
+              <a:rPr sz="2000"/>
+              <a:t>modem)</a:t>
+            </a:r>
+          </a:p>
+          <a:p>
+            <a:pPr lvl="0" marL="0" indent="0">
+              <a:buNone/>
+            </a:pPr>
+          </a:p>
+          <a:p>
+            <a:pPr lvl="1"/>
+            <a:r>
+              <a:rPr sz="2000"/>
+              <a:t>Learners</a:t>
+            </a:r>
+            <a:r>
+              <a:rPr sz="2000"/>
+              <a:t> </a:t>
+            </a:r>
+            <a:r>
+              <a:rPr sz="2000"/>
+              <a:t>bring</a:t>
+            </a:r>
+            <a:r>
+              <a:rPr sz="2000"/>
+              <a:t> </a:t>
+            </a:r>
+            <a:r>
+              <a:rPr sz="2000"/>
+              <a:t>their</a:t>
+            </a:r>
+            <a:r>
+              <a:rPr sz="2000"/>
+              <a:t> </a:t>
+            </a:r>
+            <a:r>
+              <a:rPr sz="2000"/>
+              <a:t>the</a:t>
+            </a:r>
+            <a:r>
+              <a:rPr sz="2000"/>
+              <a:t> </a:t>
+            </a:r>
+            <a:r>
+              <a:rPr sz="2000"/>
+              <a:t>sticky</a:t>
+            </a:r>
+            <a:r>
+              <a:rPr sz="2000"/>
+              <a:t> </a:t>
+            </a:r>
+            <a:r>
+              <a:rPr sz="2000"/>
+              <a:t>notes</a:t>
+            </a:r>
+            <a:r>
+              <a:rPr sz="2000"/>
+              <a:t> </a:t>
+            </a:r>
+            <a:r>
+              <a:rPr sz="2000"/>
+              <a:t>and</a:t>
+            </a:r>
+            <a:r>
+              <a:rPr sz="2000"/>
+              <a:t> </a:t>
+            </a:r>
+            <a:r>
+              <a:rPr sz="2000"/>
+              <a:t>gather</a:t>
+            </a:r>
+            <a:r>
+              <a:rPr sz="2000"/>
+              <a:t> </a:t>
+            </a:r>
+            <a:r>
+              <a:rPr sz="2000"/>
+              <a:t>them</a:t>
+            </a:r>
+            <a:r>
+              <a:rPr sz="2000"/>
+              <a:t> </a:t>
+            </a:r>
+            <a:r>
+              <a:rPr sz="2000"/>
+              <a:t>on</a:t>
+            </a:r>
+            <a:r>
+              <a:rPr sz="2000"/>
+              <a:t> </a:t>
+            </a:r>
+            <a:r>
+              <a:rPr sz="2000"/>
+              <a:t>a</a:t>
+            </a:r>
+            <a:r>
+              <a:rPr sz="2000"/>
+              <a:t> </a:t>
+            </a:r>
+            <a:r>
+              <a:rPr sz="2000"/>
+              <a:t>wall,</a:t>
+            </a:r>
+            <a:r>
+              <a:rPr sz="2000"/>
+              <a:t> </a:t>
+            </a:r>
+            <a:r>
+              <a:rPr sz="2000"/>
+              <a:t>in</a:t>
+            </a:r>
+            <a:r>
+              <a:rPr sz="2000"/>
+              <a:t> </a:t>
+            </a:r>
+            <a:r>
+              <a:rPr sz="2000"/>
+              <a:t>word</a:t>
+            </a:r>
+            <a:r>
+              <a:rPr sz="2000"/>
+              <a:t> </a:t>
+            </a:r>
+            <a:r>
+              <a:rPr sz="2000"/>
+              <a:t>groupings</a:t>
+            </a:r>
+            <a:r>
+              <a:rPr sz="2000"/>
+              <a:t> </a:t>
+            </a:r>
+            <a:r>
+              <a:rPr sz="2000"/>
+              <a:t>(verbs,</a:t>
+            </a:r>
+            <a:r>
+              <a:rPr sz="2000"/>
+              <a:t> </a:t>
+            </a:r>
+            <a:r>
+              <a:rPr sz="2000"/>
+              <a:t>adjectives,</a:t>
+            </a:r>
+            <a:r>
+              <a:rPr sz="2000"/>
+              <a:t> </a:t>
+            </a:r>
+            <a:r>
+              <a:rPr sz="2000"/>
+              <a:t>nouns).</a:t>
+            </a:r>
+            <a:r>
+              <a:rPr sz="2000"/>
+              <a:t> </a:t>
+            </a:r>
+            <a:r>
+              <a:rPr sz="2000"/>
+              <a:t>Facilitator</a:t>
+            </a:r>
+            <a:r>
+              <a:rPr sz="2000"/>
+              <a:t> </a:t>
+            </a:r>
+            <a:r>
+              <a:rPr sz="2000"/>
+              <a:t>invites</a:t>
+            </a:r>
+            <a:r>
+              <a:rPr sz="2000"/>
+              <a:t> </a:t>
+            </a:r>
+            <a:r>
+              <a:rPr sz="2000"/>
+              <a:t>learners</a:t>
+            </a:r>
+            <a:r>
+              <a:rPr sz="2000"/>
+              <a:t> </a:t>
+            </a:r>
+            <a:r>
+              <a:rPr sz="2000"/>
+              <a:t>to</a:t>
+            </a:r>
+            <a:r>
+              <a:rPr sz="2000"/>
+              <a:t> </a:t>
+            </a:r>
+            <a:r>
+              <a:rPr sz="2000"/>
+              <a:t>come</a:t>
+            </a:r>
+            <a:r>
+              <a:rPr sz="2000"/>
+              <a:t> </a:t>
+            </a:r>
+            <a:r>
+              <a:rPr sz="2000"/>
+              <a:t>up</a:t>
+            </a:r>
+            <a:r>
+              <a:rPr sz="2000"/>
+              <a:t> </a:t>
+            </a:r>
+            <a:r>
+              <a:rPr sz="2000"/>
+              <a:t>and</a:t>
+            </a:r>
+            <a:r>
+              <a:rPr sz="2000"/>
+              <a:t> </a:t>
+            </a:r>
+            <a:r>
+              <a:rPr sz="2000"/>
+              <a:t>take</a:t>
+            </a:r>
+            <a:r>
+              <a:rPr sz="2000"/>
+              <a:t> </a:t>
+            </a:r>
+            <a:r>
+              <a:rPr sz="2000"/>
+              <a:t>a</a:t>
+            </a:r>
+            <a:r>
+              <a:rPr sz="2000"/>
+              <a:t> </a:t>
+            </a:r>
+            <a:r>
+              <a:rPr sz="2000"/>
+              <a:t>look,</a:t>
+            </a:r>
+            <a:r>
+              <a:rPr sz="2000"/>
+              <a:t> </a:t>
+            </a:r>
+            <a:r>
+              <a:rPr sz="2000"/>
+              <a:t>and</a:t>
+            </a:r>
+            <a:r>
+              <a:rPr sz="2000"/>
+              <a:t> </a:t>
+            </a:r>
+            <a:r>
+              <a:rPr sz="2000"/>
+              <a:t>reflect</a:t>
+            </a:r>
+            <a:r>
+              <a:rPr sz="2000"/>
+              <a:t> </a:t>
+            </a:r>
+            <a:r>
+              <a:rPr sz="2000"/>
+              <a:t>on</a:t>
+            </a:r>
+            <a:r>
+              <a:rPr sz="2000"/>
+              <a:t> </a:t>
+            </a:r>
+            <a:r>
+              <a:rPr sz="2000"/>
+              <a:t>the</a:t>
+            </a:r>
+            <a:r>
+              <a:rPr sz="2000"/>
+              <a:t> </a:t>
+            </a:r>
+            <a:r>
+              <a:rPr sz="2000"/>
+              <a:t>following</a:t>
+            </a:r>
+            <a:r>
+              <a:rPr sz="2000"/>
+              <a:t> </a:t>
+            </a:r>
+            <a:r>
+              <a:rPr sz="2000"/>
+              <a:t>question</a:t>
+            </a:r>
+          </a:p>
+          <a:p>
+            <a:pPr lvl="0" marL="0" indent="0">
+              <a:buNone/>
+            </a:pPr>
+          </a:p>
+          <a:p>
+            <a:pPr lvl="1"/>
+            <a:r>
+              <a:rPr sz="2000"/>
+              <a:t>What</a:t>
+            </a:r>
+            <a:r>
+              <a:rPr sz="2000"/>
+              <a:t> </a:t>
+            </a:r>
+            <a:r>
+              <a:rPr sz="2000"/>
+              <a:t>are</a:t>
+            </a:r>
+            <a:r>
+              <a:rPr sz="2000"/>
+              <a:t> </a:t>
+            </a:r>
+            <a:r>
+              <a:rPr sz="2000"/>
+              <a:t>you</a:t>
+            </a:r>
+            <a:r>
+              <a:rPr sz="2000"/>
+              <a:t> </a:t>
+            </a:r>
+            <a:r>
+              <a:rPr sz="2000"/>
+              <a:t>surprised</a:t>
+            </a:r>
+            <a:r>
+              <a:rPr sz="2000"/>
+              <a:t> </a:t>
+            </a:r>
+            <a:r>
+              <a:rPr sz="2000"/>
+              <a:t>to</a:t>
+            </a:r>
+            <a:r>
+              <a:rPr sz="2000"/>
+              <a:t> </a:t>
+            </a:r>
+            <a:r>
+              <a:rPr sz="2000"/>
+              <a:t>see?</a:t>
+            </a:r>
+          </a:p>
+          <a:p>
+            <a:pPr lvl="0" marL="0" indent="0">
+              <a:buNone/>
+            </a:pPr>
+          </a:p>
+          <a:p>
+            <a:pPr lvl="1"/>
+            <a:r>
+              <a:rPr sz="2000"/>
+              <a:t>What</a:t>
+            </a:r>
+            <a:r>
+              <a:rPr sz="2000"/>
+              <a:t> </a:t>
+            </a:r>
+            <a:r>
+              <a:rPr sz="2000"/>
+              <a:t>is</a:t>
+            </a:r>
+            <a:r>
+              <a:rPr sz="2000"/>
+              <a:t> </a:t>
+            </a:r>
+            <a:r>
+              <a:rPr sz="2000"/>
+              <a:t>missing?</a:t>
+            </a:r>
+          </a:p>
+          <a:p>
+            <a:pPr lvl="0" marL="0" indent="0">
+              <a:buNone/>
+            </a:pPr>
+          </a:p>
+          <a:p>
+            <a:pPr lvl="1"/>
+            <a:r>
+              <a:rPr sz="2000"/>
+              <a:t>What</a:t>
+            </a:r>
+            <a:r>
+              <a:rPr sz="2000"/>
+              <a:t> </a:t>
+            </a:r>
+            <a:r>
+              <a:rPr sz="2000"/>
+              <a:t>stands</a:t>
+            </a:r>
+            <a:r>
+              <a:rPr sz="2000"/>
+              <a:t> </a:t>
+            </a:r>
+            <a:r>
+              <a:rPr sz="2000"/>
+              <a:t>out?</a:t>
+            </a:r>
+          </a:p>
+          <a:p>
+            <a:pPr lvl="0" marL="0" indent="0">
+              <a:buNone/>
+            </a:pPr>
+          </a:p>
+          <a:p>
+            <a:pPr lvl="1"/>
+            <a:r>
+              <a:rPr sz="2000"/>
+              <a:t>Exploration</a:t>
+            </a:r>
+            <a:r>
+              <a:rPr sz="2000"/>
+              <a:t> </a:t>
+            </a:r>
+            <a:r>
+              <a:rPr sz="2000"/>
+              <a:t>Questions:</a:t>
+            </a:r>
+            <a:r>
+              <a:rPr sz="2000"/>
+              <a:t> </a:t>
+            </a:r>
+            <a:r>
+              <a:rPr sz="2000"/>
+              <a:t>Learners</a:t>
+            </a:r>
+            <a:r>
+              <a:rPr sz="2000"/>
+              <a:t> </a:t>
+            </a:r>
+            <a:r>
+              <a:rPr sz="2000"/>
+              <a:t>consider</a:t>
+            </a:r>
+            <a:r>
+              <a:rPr sz="2000"/>
+              <a:t> </a:t>
+            </a:r>
+            <a:r>
+              <a:rPr sz="2000"/>
+              <a:t>some</a:t>
+            </a:r>
+            <a:r>
+              <a:rPr sz="2000"/>
+              <a:t> </a:t>
+            </a:r>
+            <a:r>
+              <a:rPr sz="2000"/>
+              <a:t>exploration</a:t>
+            </a:r>
+            <a:r>
+              <a:rPr sz="2000"/>
+              <a:t> </a:t>
+            </a:r>
+            <a:r>
+              <a:rPr sz="2000"/>
+              <a:t>questions,</a:t>
+            </a:r>
+            <a:r>
+              <a:rPr sz="2000"/>
+              <a:t> </a:t>
+            </a:r>
+            <a:r>
+              <a:rPr sz="2000"/>
+              <a:t>writing</a:t>
+            </a:r>
+            <a:r>
+              <a:rPr sz="2000"/>
+              <a:t> </a:t>
+            </a:r>
+            <a:r>
+              <a:rPr sz="2000"/>
+              <a:t>answers,</a:t>
+            </a:r>
+            <a:r>
+              <a:rPr sz="2000"/>
+              <a:t> </a:t>
+            </a:r>
+            <a:r>
+              <a:rPr sz="2000"/>
+              <a:t>ideas</a:t>
+            </a:r>
+            <a:r>
+              <a:rPr sz="2000"/>
+              <a:t> </a:t>
+            </a:r>
+            <a:r>
+              <a:rPr sz="2000"/>
+              <a:t>and</a:t>
+            </a:r>
+            <a:r>
+              <a:rPr sz="2000"/>
+              <a:t> </a:t>
+            </a:r>
+            <a:r>
+              <a:rPr sz="2000"/>
+              <a:t>thoughts</a:t>
+            </a:r>
+            <a:r>
+              <a:rPr sz="2000"/>
+              <a:t> </a:t>
+            </a:r>
+            <a:r>
+              <a:rPr sz="2000"/>
+              <a:t>on</a:t>
+            </a:r>
+            <a:r>
+              <a:rPr sz="2000"/>
+              <a:t> </a:t>
+            </a:r>
+            <a:r>
+              <a:rPr sz="2000"/>
+              <a:t>sticky</a:t>
+            </a:r>
+            <a:r>
+              <a:rPr sz="2000"/>
+              <a:t> </a:t>
+            </a:r>
+            <a:r>
+              <a:rPr sz="2000"/>
+              <a:t>notes.</a:t>
+            </a:r>
+            <a:r>
+              <a:rPr sz="2000"/>
+              <a:t> </a:t>
+            </a:r>
+            <a:r>
+              <a:rPr sz="2000"/>
+              <a:t>Facilitator</a:t>
+            </a:r>
+            <a:r>
+              <a:rPr sz="2000"/>
+              <a:t> </a:t>
+            </a:r>
+            <a:r>
+              <a:rPr sz="2000"/>
+              <a:t>can</a:t>
+            </a:r>
+            <a:r>
+              <a:rPr sz="2000"/>
+              <a:t> </a:t>
+            </a:r>
+            <a:r>
+              <a:rPr sz="2000"/>
+              <a:t>chose</a:t>
+            </a:r>
+            <a:r>
+              <a:rPr sz="2000"/>
+              <a:t> </a:t>
+            </a:r>
+            <a:r>
+              <a:rPr sz="2000"/>
+              <a:t>among</a:t>
+            </a:r>
+            <a:r>
+              <a:rPr sz="2000"/>
+              <a:t> </a:t>
+            </a:r>
+            <a:r>
+              <a:rPr sz="2000"/>
+              <a:t>the</a:t>
+            </a:r>
+            <a:r>
+              <a:rPr sz="2000"/>
+              <a:t> </a:t>
+            </a:r>
+            <a:r>
+              <a:rPr sz="2000"/>
+              <a:t>following</a:t>
+            </a:r>
+            <a:r>
+              <a:rPr sz="2000"/>
+              <a:t> </a:t>
+            </a:r>
+            <a:r>
+              <a:rPr sz="2000"/>
+              <a:t>questions</a:t>
+            </a:r>
+            <a:r>
+              <a:rPr sz="2000"/>
+              <a:t> </a:t>
+            </a:r>
+            <a:r>
+              <a:rPr sz="2000"/>
+              <a:t>(or</a:t>
+            </a:r>
+            <a:r>
+              <a:rPr sz="2000"/>
+              <a:t> </a:t>
+            </a:r>
+            <a:r>
+              <a:rPr sz="2000"/>
+              <a:t>make</a:t>
+            </a:r>
+            <a:r>
+              <a:rPr sz="2000"/>
+              <a:t> </a:t>
+            </a:r>
+            <a:r>
+              <a:rPr sz="2000"/>
+              <a:t>up</a:t>
+            </a:r>
+            <a:r>
+              <a:rPr sz="2000"/>
+              <a:t> </a:t>
+            </a:r>
+            <a:r>
+              <a:rPr sz="2000"/>
+              <a:t>their</a:t>
+            </a:r>
+            <a:r>
+              <a:rPr sz="2000"/>
+              <a:t> </a:t>
+            </a:r>
+            <a:r>
+              <a:rPr sz="2000"/>
+              <a:t>own)</a:t>
+            </a:r>
+            <a:r>
+              <a:rPr sz="2000"/>
+              <a:t> </a:t>
+            </a:r>
+            <a:r>
+              <a:rPr sz="2000"/>
+              <a:t>based</a:t>
+            </a:r>
+            <a:r>
+              <a:rPr sz="2000"/>
+              <a:t> </a:t>
+            </a:r>
+            <a:r>
+              <a:rPr sz="2000"/>
+              <a:t>on</a:t>
+            </a:r>
+            <a:r>
+              <a:rPr sz="2000"/>
+              <a:t> </a:t>
+            </a:r>
+            <a:r>
+              <a:rPr sz="2000"/>
+              <a:t>the</a:t>
+            </a:r>
+            <a:r>
+              <a:rPr sz="2000"/>
+              <a:t> </a:t>
+            </a:r>
+            <a:r>
+              <a:rPr sz="2000"/>
+              <a:t>audience</a:t>
+            </a:r>
+            <a:r>
+              <a:rPr sz="2000"/>
+              <a:t> </a:t>
+            </a:r>
+            <a:r>
+              <a:rPr sz="2000"/>
+              <a:t>and</a:t>
+            </a:r>
+            <a:r>
+              <a:rPr sz="2000"/>
+              <a:t> </a:t>
+            </a:r>
+            <a:r>
+              <a:rPr sz="2000"/>
+              <a:t>what</a:t>
+            </a:r>
+            <a:r>
+              <a:rPr sz="2000"/>
+              <a:t> </a:t>
+            </a:r>
+            <a:r>
+              <a:rPr sz="2000"/>
+              <a:t>has</a:t>
+            </a:r>
+            <a:r>
+              <a:rPr sz="2000"/>
+              <a:t> </a:t>
+            </a:r>
+            <a:r>
+              <a:rPr sz="2000"/>
+              <a:t>emerged</a:t>
+            </a:r>
+            <a:r>
+              <a:rPr sz="2000"/>
+              <a:t> </a:t>
+            </a:r>
+            <a:r>
+              <a:rPr sz="2000"/>
+              <a:t>in</a:t>
+            </a:r>
+            <a:r>
+              <a:rPr sz="2000"/>
+              <a:t> </a:t>
+            </a:r>
+            <a:r>
+              <a:rPr sz="2000"/>
+              <a:t>the</a:t>
+            </a:r>
+            <a:r>
+              <a:rPr sz="2000"/>
+              <a:t> </a:t>
+            </a:r>
+            <a:r>
+              <a:rPr sz="2000"/>
+              <a:t>stories</a:t>
+            </a:r>
+          </a:p>
+          <a:p>
+            <a:pPr lvl="0" marL="0" indent="0">
+              <a:buNone/>
+            </a:pPr>
+          </a:p>
+          <a:p>
+            <a:pPr lvl="1"/>
+            <a:r>
+              <a:rPr sz="2000"/>
+              <a:t>What’s</a:t>
+            </a:r>
+            <a:r>
+              <a:rPr sz="2000"/>
+              <a:t> </a:t>
+            </a:r>
+            <a:r>
+              <a:rPr sz="2000"/>
+              <a:t>mysterious</a:t>
+            </a:r>
+            <a:r>
+              <a:rPr sz="2000"/>
+              <a:t> </a:t>
+            </a:r>
+            <a:r>
+              <a:rPr sz="2000"/>
+              <a:t>about</a:t>
+            </a:r>
+            <a:r>
+              <a:rPr sz="2000"/>
+              <a:t> </a:t>
+            </a:r>
+            <a:r>
+              <a:rPr sz="2000"/>
+              <a:t>the</a:t>
+            </a:r>
+            <a:r>
+              <a:rPr sz="2000"/>
+              <a:t> </a:t>
+            </a:r>
+            <a:r>
+              <a:rPr sz="2000"/>
+              <a:t>web?</a:t>
+            </a:r>
+            <a:r>
+              <a:rPr sz="2000"/>
+              <a:t> </a:t>
+            </a:r>
+            <a:r>
+              <a:rPr sz="2000"/>
+              <a:t>What’s</a:t>
+            </a:r>
+            <a:r>
+              <a:rPr sz="2000"/>
+              <a:t> </a:t>
+            </a:r>
+            <a:r>
+              <a:rPr sz="2000"/>
+              <a:t>something</a:t>
+            </a:r>
+            <a:r>
+              <a:rPr sz="2000"/>
+              <a:t> </a:t>
+            </a:r>
+            <a:r>
+              <a:rPr sz="2000"/>
+              <a:t>you’ve</a:t>
+            </a:r>
+            <a:r>
+              <a:rPr sz="2000"/>
+              <a:t> </a:t>
+            </a:r>
+            <a:r>
+              <a:rPr sz="2000"/>
+              <a:t>been</a:t>
+            </a:r>
+            <a:r>
+              <a:rPr sz="2000"/>
+              <a:t> </a:t>
+            </a:r>
+            <a:r>
+              <a:rPr sz="2000"/>
+              <a:t>curious/wondering</a:t>
+            </a:r>
+            <a:r>
+              <a:rPr sz="2000"/>
+              <a:t> </a:t>
+            </a:r>
+            <a:r>
+              <a:rPr sz="2000"/>
+              <a:t>about</a:t>
+            </a:r>
+            <a:r>
+              <a:rPr sz="2000"/>
+              <a:t> </a:t>
+            </a:r>
+            <a:r>
+              <a:rPr sz="2000"/>
+              <a:t>web</a:t>
+            </a:r>
+            <a:r>
+              <a:rPr sz="2000"/>
+              <a:t> </a:t>
+            </a:r>
+            <a:r>
+              <a:rPr sz="2000"/>
+              <a:t>tech,</a:t>
+            </a:r>
+            <a:r>
+              <a:rPr sz="2000"/>
+              <a:t> </a:t>
+            </a:r>
+            <a:r>
+              <a:rPr sz="2000"/>
+              <a:t>something</a:t>
+            </a:r>
+            <a:r>
+              <a:rPr sz="2000"/>
+              <a:t> </a:t>
+            </a:r>
+            <a:r>
+              <a:rPr sz="2000"/>
+              <a:t>you</a:t>
+            </a:r>
+            <a:r>
+              <a:rPr sz="2000"/>
+              <a:t> </a:t>
+            </a:r>
+            <a:r>
+              <a:rPr sz="2000"/>
+              <a:t>want</a:t>
+            </a:r>
+            <a:r>
+              <a:rPr sz="2000"/>
+              <a:t> </a:t>
+            </a:r>
+            <a:r>
+              <a:rPr sz="2000"/>
+              <a:t>to</a:t>
+            </a:r>
+            <a:r>
+              <a:rPr sz="2000"/>
+              <a:t> </a:t>
+            </a:r>
+            <a:r>
+              <a:rPr sz="2000"/>
+              <a:t>learn?</a:t>
+            </a:r>
+          </a:p>
+          <a:p>
+            <a:pPr lvl="0" marL="0" indent="0">
+              <a:buNone/>
+            </a:pPr>
+          </a:p>
+          <a:p>
+            <a:pPr lvl="1"/>
+            <a:r>
+              <a:rPr sz="2000"/>
+              <a:t>What</a:t>
+            </a:r>
+            <a:r>
+              <a:rPr sz="2000"/>
+              <a:t> </a:t>
+            </a:r>
+            <a:r>
+              <a:rPr sz="2000"/>
+              <a:t>are</a:t>
+            </a:r>
+            <a:r>
+              <a:rPr sz="2000"/>
+              <a:t> </a:t>
+            </a:r>
+            <a:r>
+              <a:rPr sz="2000"/>
+              <a:t>some</a:t>
+            </a:r>
+            <a:r>
+              <a:rPr sz="2000"/>
+              <a:t> </a:t>
+            </a:r>
+            <a:r>
+              <a:rPr sz="2000"/>
+              <a:t>of</a:t>
+            </a:r>
+            <a:r>
+              <a:rPr sz="2000"/>
+              <a:t> </a:t>
+            </a:r>
+            <a:r>
+              <a:rPr sz="2000"/>
+              <a:t>the</a:t>
+            </a:r>
+            <a:r>
+              <a:rPr sz="2000"/>
+              <a:t> </a:t>
+            </a:r>
+            <a:r>
+              <a:rPr sz="2000"/>
+              <a:t>ways</a:t>
+            </a:r>
+            <a:r>
+              <a:rPr sz="2000"/>
+              <a:t> </a:t>
+            </a:r>
+            <a:r>
+              <a:rPr sz="2000"/>
+              <a:t>the</a:t>
+            </a:r>
+            <a:r>
+              <a:rPr sz="2000"/>
+              <a:t> </a:t>
+            </a:r>
+            <a:r>
+              <a:rPr sz="2000"/>
+              <a:t>web</a:t>
+            </a:r>
+            <a:r>
+              <a:rPr sz="2000"/>
+              <a:t> </a:t>
+            </a:r>
+            <a:r>
+              <a:rPr sz="2000"/>
+              <a:t>has</a:t>
+            </a:r>
+            <a:r>
+              <a:rPr sz="2000"/>
+              <a:t> </a:t>
+            </a:r>
+            <a:r>
+              <a:rPr sz="2000"/>
+              <a:t>changed</a:t>
+            </a:r>
+            <a:r>
+              <a:rPr sz="2000"/>
+              <a:t> </a:t>
+            </a:r>
+            <a:r>
+              <a:rPr sz="2000"/>
+              <a:t>your</a:t>
+            </a:r>
+            <a:r>
+              <a:rPr sz="2000"/>
+              <a:t> </a:t>
+            </a:r>
+            <a:r>
+              <a:rPr sz="2000"/>
+              <a:t>relationships?</a:t>
+            </a:r>
+            <a:r>
+              <a:rPr sz="2000"/>
+              <a:t> </a:t>
+            </a:r>
+            <a:r>
+              <a:rPr sz="2000"/>
+              <a:t>What’s</a:t>
+            </a:r>
+            <a:r>
+              <a:rPr sz="2000"/>
+              <a:t> </a:t>
+            </a:r>
+            <a:r>
+              <a:rPr sz="2000"/>
+              <a:t>different</a:t>
+            </a:r>
+            <a:r>
+              <a:rPr sz="2000"/>
+              <a:t> </a:t>
+            </a:r>
+            <a:r>
+              <a:rPr sz="2000"/>
+              <a:t>about</a:t>
+            </a:r>
+            <a:r>
+              <a:rPr sz="2000"/>
+              <a:t> </a:t>
+            </a:r>
+            <a:r>
+              <a:rPr sz="2000"/>
+              <a:t>interaction</a:t>
+            </a:r>
+            <a:r>
+              <a:rPr sz="2000"/>
+              <a:t> </a:t>
+            </a:r>
+            <a:r>
+              <a:rPr sz="2000"/>
+              <a:t>on</a:t>
+            </a:r>
+            <a:r>
+              <a:rPr sz="2000"/>
+              <a:t> </a:t>
+            </a:r>
+            <a:r>
+              <a:rPr sz="2000"/>
+              <a:t>the</a:t>
+            </a:r>
+            <a:r>
+              <a:rPr sz="2000"/>
+              <a:t> </a:t>
+            </a:r>
+            <a:r>
+              <a:rPr sz="2000"/>
+              <a:t>web</a:t>
+            </a:r>
+            <a:r>
+              <a:rPr sz="2000"/>
+              <a:t> </a:t>
+            </a:r>
+            <a:r>
+              <a:rPr sz="2000"/>
+              <a:t>versus</a:t>
+            </a:r>
+            <a:r>
+              <a:rPr sz="2000"/>
+              <a:t> </a:t>
+            </a:r>
+            <a:r>
+              <a:rPr sz="2000"/>
+              <a:t>“</a:t>
+            </a:r>
+            <a:r>
+              <a:rPr sz="2000"/>
+              <a:t>in</a:t>
+            </a:r>
+            <a:r>
+              <a:rPr sz="2000"/>
+              <a:t> </a:t>
+            </a:r>
+            <a:r>
+              <a:rPr sz="2000"/>
+              <a:t>real</a:t>
+            </a:r>
+            <a:r>
+              <a:rPr sz="2000"/>
+              <a:t> </a:t>
+            </a:r>
+            <a:r>
+              <a:rPr sz="2000"/>
+              <a:t>life</a:t>
+            </a:r>
+            <a:r>
+              <a:rPr sz="2000"/>
+              <a:t>”</a:t>
+            </a:r>
+            <a:r>
+              <a:rPr sz="2000"/>
+              <a:t>?</a:t>
+            </a:r>
+          </a:p>
+          <a:p>
+            <a:pPr lvl="0" marL="0" indent="0">
+              <a:buNone/>
+            </a:pPr>
+          </a:p>
+          <a:p>
+            <a:pPr lvl="1"/>
+            <a:r>
+              <a:rPr sz="2000"/>
+              <a:t>Are</a:t>
+            </a:r>
+            <a:r>
+              <a:rPr sz="2000"/>
+              <a:t> </a:t>
+            </a:r>
+            <a:r>
+              <a:rPr sz="2000"/>
+              <a:t>YOU</a:t>
+            </a:r>
+            <a:r>
+              <a:rPr sz="2000"/>
+              <a:t> </a:t>
+            </a:r>
+            <a:r>
+              <a:rPr sz="2000"/>
+              <a:t>on</a:t>
+            </a:r>
+            <a:r>
+              <a:rPr sz="2000"/>
+              <a:t> </a:t>
+            </a:r>
+            <a:r>
+              <a:rPr sz="2000"/>
+              <a:t>the</a:t>
+            </a:r>
+            <a:r>
+              <a:rPr sz="2000"/>
+              <a:t> </a:t>
+            </a:r>
+            <a:r>
+              <a:rPr sz="2000"/>
+              <a:t>web?</a:t>
+            </a:r>
+            <a:r>
+              <a:rPr sz="2000"/>
+              <a:t> </a:t>
+            </a:r>
+            <a:r>
+              <a:rPr sz="2000"/>
+              <a:t>How</a:t>
+            </a:r>
+            <a:r>
+              <a:rPr sz="2000"/>
+              <a:t> </a:t>
+            </a:r>
+            <a:r>
+              <a:rPr sz="2000"/>
+              <a:t>and</a:t>
+            </a:r>
+            <a:r>
+              <a:rPr sz="2000"/>
+              <a:t> </a:t>
+            </a:r>
+            <a:r>
+              <a:rPr sz="2000"/>
+              <a:t>where</a:t>
+            </a:r>
+            <a:r>
+              <a:rPr sz="2000"/>
+              <a:t> </a:t>
+            </a:r>
+            <a:r>
+              <a:rPr sz="2000"/>
+              <a:t>are</a:t>
+            </a:r>
+            <a:r>
+              <a:rPr sz="2000"/>
+              <a:t> </a:t>
+            </a:r>
+            <a:r>
+              <a:rPr sz="2000"/>
+              <a:t>you</a:t>
+            </a:r>
+            <a:r>
+              <a:rPr sz="2000"/>
+              <a:t> </a:t>
+            </a:r>
+            <a:r>
+              <a:rPr sz="2000"/>
+              <a:t>represented</a:t>
+            </a:r>
+            <a:r>
+              <a:rPr sz="2000"/>
+              <a:t> </a:t>
+            </a:r>
+            <a:r>
+              <a:rPr sz="2000"/>
+              <a:t>on</a:t>
+            </a:r>
+            <a:r>
+              <a:rPr sz="2000"/>
+              <a:t> </a:t>
+            </a:r>
+            <a:r>
+              <a:rPr sz="2000"/>
+              <a:t>the</a:t>
+            </a:r>
+            <a:r>
+              <a:rPr sz="2000"/>
+              <a:t> </a:t>
+            </a:r>
+            <a:r>
+              <a:rPr sz="2000"/>
+              <a:t>web?</a:t>
+            </a:r>
+          </a:p>
+          <a:p>
+            <a:pPr lvl="0" marL="0" indent="0">
+              <a:buNone/>
+            </a:pPr>
+          </a:p>
+          <a:p>
+            <a:pPr lvl="1"/>
+            <a:r>
+              <a:rPr sz="2000"/>
+              <a:t>How</a:t>
+            </a:r>
+            <a:r>
+              <a:rPr sz="2000"/>
+              <a:t> </a:t>
+            </a:r>
+            <a:r>
+              <a:rPr sz="2000"/>
+              <a:t>do</a:t>
+            </a:r>
+            <a:r>
+              <a:rPr sz="2000"/>
+              <a:t> </a:t>
+            </a:r>
+            <a:r>
+              <a:rPr sz="2000"/>
+              <a:t>you</a:t>
+            </a:r>
+            <a:r>
+              <a:rPr sz="2000"/>
+              <a:t> </a:t>
+            </a:r>
+            <a:r>
+              <a:rPr sz="2000"/>
+              <a:t>express</a:t>
+            </a:r>
+            <a:r>
+              <a:rPr sz="2000"/>
+              <a:t> </a:t>
+            </a:r>
+            <a:r>
+              <a:rPr sz="2000"/>
+              <a:t>yourself</a:t>
+            </a:r>
+            <a:r>
+              <a:rPr sz="2000"/>
+              <a:t> </a:t>
+            </a:r>
+            <a:r>
+              <a:rPr sz="2000"/>
+              <a:t>online?</a:t>
+            </a:r>
+            <a:r>
+              <a:rPr sz="2000"/>
+              <a:t> </a:t>
+            </a:r>
+            <a:r>
+              <a:rPr sz="2000"/>
+              <a:t>Who</a:t>
+            </a:r>
+            <a:r>
+              <a:rPr sz="2000"/>
+              <a:t> </a:t>
+            </a:r>
+            <a:r>
+              <a:rPr sz="2000"/>
+              <a:t>are</a:t>
+            </a:r>
+            <a:r>
+              <a:rPr sz="2000"/>
+              <a:t> </a:t>
+            </a:r>
+            <a:r>
+              <a:rPr sz="2000"/>
+              <a:t>your</a:t>
+            </a:r>
+            <a:r>
+              <a:rPr sz="2000"/>
+              <a:t> </a:t>
+            </a:r>
+            <a:r>
+              <a:rPr sz="2000"/>
+              <a:t>different</a:t>
+            </a:r>
+            <a:r>
+              <a:rPr sz="2000"/>
+              <a:t> </a:t>
+            </a:r>
+            <a:r>
+              <a:rPr sz="2000"/>
+              <a:t>audiences–</a:t>
+            </a:r>
+            <a:r>
+              <a:rPr sz="2000"/>
+              <a:t> </a:t>
+            </a:r>
+            <a:r>
+              <a:rPr sz="2000"/>
+              <a:t>who’s</a:t>
+            </a:r>
+            <a:r>
+              <a:rPr sz="2000"/>
+              <a:t> </a:t>
+            </a:r>
+            <a:r>
+              <a:rPr sz="2000"/>
+              <a:t>looking</a:t>
+            </a:r>
+            <a:r>
+              <a:rPr sz="2000"/>
+              <a:t> </a:t>
+            </a:r>
+            <a:r>
+              <a:rPr sz="2000"/>
+              <a:t>or</a:t>
+            </a:r>
+            <a:r>
+              <a:rPr sz="2000"/>
+              <a:t> </a:t>
+            </a:r>
+            <a:r>
+              <a:rPr sz="2000"/>
+              <a:t>watching?</a:t>
+            </a:r>
+            <a:r>
+              <a:rPr sz="2000"/>
+              <a:t> </a:t>
+            </a:r>
+            <a:r>
+              <a:rPr sz="2000"/>
+              <a:t>What</a:t>
+            </a:r>
+            <a:r>
+              <a:rPr sz="2000"/>
+              <a:t> </a:t>
+            </a:r>
+            <a:r>
+              <a:rPr sz="2000"/>
+              <a:t>do</a:t>
+            </a:r>
+            <a:r>
+              <a:rPr sz="2000"/>
+              <a:t> </a:t>
+            </a:r>
+            <a:r>
+              <a:rPr sz="2000"/>
+              <a:t>you</a:t>
+            </a:r>
+            <a:r>
+              <a:rPr sz="2000"/>
+              <a:t> </a:t>
+            </a:r>
+            <a:r>
+              <a:rPr sz="2000"/>
+              <a:t>choose</a:t>
+            </a:r>
+            <a:r>
+              <a:rPr sz="2000"/>
+              <a:t> </a:t>
+            </a:r>
+            <a:r>
+              <a:rPr sz="2000"/>
+              <a:t>to</a:t>
+            </a:r>
+            <a:r>
+              <a:rPr sz="2000"/>
+              <a:t> </a:t>
+            </a:r>
+            <a:r>
+              <a:rPr sz="2000"/>
+              <a:t>share?</a:t>
+            </a:r>
+          </a:p>
+          <a:p>
+            <a:pPr lvl="0" marL="0" indent="0">
+              <a:buNone/>
+            </a:pPr>
+          </a:p>
+          <a:p>
+            <a:pPr lvl="1"/>
+            <a:r>
+              <a:rPr sz="2000"/>
+              <a:t>Put</a:t>
+            </a:r>
+            <a:r>
+              <a:rPr sz="2000"/>
+              <a:t> </a:t>
+            </a:r>
+            <a:r>
+              <a:rPr sz="2000"/>
+              <a:t>sticky</a:t>
+            </a:r>
+            <a:r>
+              <a:rPr sz="2000"/>
+              <a:t> </a:t>
+            </a:r>
+            <a:r>
+              <a:rPr sz="2000"/>
+              <a:t>notes</a:t>
+            </a:r>
+            <a:r>
+              <a:rPr sz="2000"/>
+              <a:t> </a:t>
+            </a:r>
+            <a:r>
+              <a:rPr sz="2000"/>
+              <a:t>again</a:t>
+            </a:r>
+            <a:r>
+              <a:rPr sz="2000"/>
+              <a:t> </a:t>
+            </a:r>
+            <a:r>
+              <a:rPr sz="2000"/>
+              <a:t>on</a:t>
+            </a:r>
+            <a:r>
+              <a:rPr sz="2000"/>
+              <a:t> </a:t>
+            </a:r>
+            <a:r>
+              <a:rPr sz="2000"/>
+              <a:t>the</a:t>
+            </a:r>
+            <a:r>
+              <a:rPr sz="2000"/>
+              <a:t> </a:t>
+            </a:r>
+            <a:r>
+              <a:rPr sz="2000"/>
+              <a:t>wall,</a:t>
+            </a:r>
+            <a:r>
+              <a:rPr sz="2000"/>
+              <a:t> </a:t>
+            </a:r>
+            <a:r>
+              <a:rPr sz="2000"/>
+              <a:t>and</a:t>
+            </a:r>
+            <a:r>
+              <a:rPr sz="2000"/>
+              <a:t> </a:t>
+            </a:r>
+            <a:r>
+              <a:rPr sz="2000"/>
+              <a:t>again</a:t>
+            </a:r>
+            <a:r>
+              <a:rPr sz="2000"/>
+              <a:t> </a:t>
+            </a:r>
+            <a:r>
+              <a:rPr sz="2000"/>
+              <a:t>invite</a:t>
+            </a:r>
+            <a:r>
+              <a:rPr sz="2000"/>
+              <a:t> </a:t>
+            </a:r>
+            <a:r>
+              <a:rPr sz="2000"/>
+              <a:t>learners</a:t>
+            </a:r>
+            <a:r>
+              <a:rPr sz="2000"/>
+              <a:t> </a:t>
+            </a:r>
+            <a:r>
+              <a:rPr sz="2000"/>
+              <a:t>to</a:t>
+            </a:r>
+            <a:r>
+              <a:rPr sz="2000"/>
+              <a:t> </a:t>
+            </a:r>
+            <a:r>
+              <a:rPr sz="2000"/>
+              <a:t>look</a:t>
+            </a:r>
+            <a:r>
+              <a:rPr sz="2000"/>
+              <a:t> </a:t>
+            </a:r>
+            <a:r>
+              <a:rPr sz="2000"/>
+              <a:t>and</a:t>
+            </a:r>
+            <a:r>
+              <a:rPr sz="2000"/>
+              <a:t> </a:t>
+            </a:r>
+            <a:r>
+              <a:rPr sz="2000"/>
+              <a:t>discuss.</a:t>
+            </a:r>
+          </a:p>
+          <a:p>
+            <a:pPr lvl="0" marL="0" indent="0">
+              <a:buNone/>
+            </a:pPr>
+          </a:p>
+          <a:p>
+            <a:pPr lvl="1"/>
+            <a:r>
+              <a:rPr sz="2000"/>
+              <a:t>Tip!</a:t>
+            </a:r>
+            <a:r>
+              <a:rPr sz="2000"/>
+              <a:t> </a:t>
+            </a:r>
+            <a:r>
+              <a:rPr sz="2000"/>
+              <a:t>The</a:t>
+            </a:r>
+            <a:r>
+              <a:rPr sz="2000"/>
+              <a:t> </a:t>
+            </a:r>
+            <a:r>
+              <a:rPr sz="2000"/>
+              <a:t>facilitator</a:t>
+            </a:r>
+            <a:r>
+              <a:rPr sz="2000"/>
+              <a:t> </a:t>
+            </a:r>
+            <a:r>
+              <a:rPr sz="2000"/>
+              <a:t>can</a:t>
+            </a:r>
+            <a:r>
+              <a:rPr sz="2000"/>
+              <a:t> </a:t>
+            </a:r>
+            <a:r>
+              <a:rPr sz="2000"/>
+              <a:t>use</a:t>
+            </a:r>
+            <a:r>
+              <a:rPr sz="2000"/>
+              <a:t> </a:t>
+            </a:r>
+            <a:r>
+              <a:rPr sz="2000"/>
+              <a:t>responses</a:t>
+            </a:r>
+            <a:r>
+              <a:rPr sz="2000"/>
+              <a:t> </a:t>
+            </a:r>
+            <a:r>
+              <a:rPr sz="2000"/>
+              <a:t>to</a:t>
+            </a:r>
+            <a:r>
+              <a:rPr sz="2000"/>
+              <a:t> </a:t>
+            </a:r>
+            <a:r>
+              <a:rPr sz="2000"/>
+              <a:t>stories</a:t>
+            </a:r>
+            <a:r>
+              <a:rPr sz="2000"/>
+              <a:t> </a:t>
+            </a:r>
+            <a:r>
+              <a:rPr sz="2000"/>
+              <a:t>and</a:t>
+            </a:r>
+            <a:r>
+              <a:rPr sz="2000"/>
+              <a:t> </a:t>
+            </a:r>
+            <a:r>
+              <a:rPr sz="2000"/>
+              <a:t>exploration</a:t>
+            </a:r>
+            <a:r>
+              <a:rPr sz="2000"/>
+              <a:t> </a:t>
+            </a:r>
+            <a:r>
+              <a:rPr sz="2000"/>
+              <a:t>questions</a:t>
+            </a:r>
+            <a:r>
+              <a:rPr sz="2000"/>
+              <a:t> </a:t>
+            </a:r>
+            <a:r>
+              <a:rPr sz="2000"/>
+              <a:t>to</a:t>
+            </a:r>
+            <a:r>
+              <a:rPr sz="2000"/>
+              <a:t> </a:t>
+            </a:r>
+            <a:r>
+              <a:rPr sz="2000"/>
+              <a:t>shape</a:t>
+            </a:r>
+            <a:r>
+              <a:rPr sz="2000"/>
+              <a:t> </a:t>
+            </a:r>
+            <a:r>
+              <a:rPr sz="2000"/>
+              <a:t>the</a:t>
+            </a:r>
+            <a:r>
+              <a:rPr sz="2000"/>
+              <a:t> </a:t>
+            </a:r>
+            <a:r>
+              <a:rPr sz="2000"/>
+              <a:t>rest</a:t>
+            </a:r>
+            <a:r>
+              <a:rPr sz="2000"/>
+              <a:t> </a:t>
+            </a:r>
+            <a:r>
+              <a:rPr sz="2000"/>
+              <a:t>of</a:t>
+            </a:r>
+            <a:r>
+              <a:rPr sz="2000"/>
+              <a:t> </a:t>
+            </a:r>
+            <a:r>
+              <a:rPr sz="2000"/>
+              <a:t>the</a:t>
+            </a:r>
+            <a:r>
+              <a:rPr sz="2000"/>
+              <a:t> </a:t>
+            </a:r>
+            <a:r>
+              <a:rPr sz="2000"/>
+              <a:t>program–</a:t>
+            </a:r>
+            <a:r>
+              <a:rPr sz="2000"/>
+              <a:t> </a:t>
+            </a:r>
+            <a:r>
+              <a:rPr sz="2000"/>
+              <a:t>return</a:t>
+            </a:r>
+            <a:r>
+              <a:rPr sz="2000"/>
+              <a:t> </a:t>
+            </a:r>
+            <a:r>
+              <a:rPr sz="2000"/>
+              <a:t>to</a:t>
+            </a:r>
+            <a:r>
+              <a:rPr sz="2000"/>
+              <a:t> </a:t>
+            </a:r>
+            <a:r>
+              <a:rPr sz="2000"/>
+              <a:t>the</a:t>
+            </a:r>
+            <a:r>
+              <a:rPr sz="2000"/>
+              <a:t> </a:t>
+            </a:r>
+            <a:r>
+              <a:rPr sz="2000"/>
+              <a:t>questions</a:t>
+            </a:r>
+            <a:r>
+              <a:rPr sz="2000"/>
+              <a:t> </a:t>
+            </a:r>
+            <a:r>
+              <a:rPr sz="2000"/>
+              <a:t>for</a:t>
+            </a:r>
+            <a:r>
+              <a:rPr sz="2000"/>
+              <a:t> </a:t>
+            </a:r>
+            <a:r>
+              <a:rPr sz="2000"/>
+              <a:t>context,</a:t>
+            </a:r>
+            <a:r>
+              <a:rPr sz="2000"/>
+              <a:t> </a:t>
+            </a:r>
+            <a:r>
+              <a:rPr sz="2000"/>
+              <a:t>examples,</a:t>
+            </a:r>
+            <a:r>
+              <a:rPr sz="2000"/>
+              <a:t> </a:t>
+            </a:r>
+            <a:r>
+              <a:rPr sz="2000"/>
+              <a:t>and</a:t>
+            </a:r>
+            <a:r>
+              <a:rPr sz="2000"/>
+              <a:t> </a:t>
+            </a:r>
+            <a:r>
+              <a:rPr sz="2000"/>
+              <a:t>to</a:t>
+            </a:r>
+            <a:r>
+              <a:rPr sz="2000"/>
+              <a:t> </a:t>
+            </a:r>
+            <a:r>
+              <a:rPr sz="2000"/>
+              <a:t>address</a:t>
+            </a:r>
+            <a:r>
+              <a:rPr sz="2000"/>
+              <a:t> </a:t>
+            </a:r>
+            <a:r>
+              <a:rPr sz="2000"/>
+              <a:t>gaps</a:t>
+            </a:r>
+            <a:r>
+              <a:rPr sz="2000"/>
+              <a:t> </a:t>
+            </a:r>
+            <a:r>
+              <a:rPr sz="2000"/>
+              <a:t>in</a:t>
+            </a:r>
+            <a:r>
+              <a:rPr sz="2000"/>
+              <a:t> </a:t>
+            </a:r>
+            <a:r>
+              <a:rPr sz="2000"/>
+              <a:t>knowledge</a:t>
+            </a:r>
+            <a:r>
+              <a:rPr sz="2000"/>
+              <a:t> </a:t>
+            </a:r>
+            <a:r>
+              <a:rPr sz="2000"/>
+              <a:t>and</a:t>
+            </a:r>
+            <a:r>
+              <a:rPr sz="2000"/>
+              <a:t> </a:t>
+            </a:r>
+            <a:r>
+              <a:rPr sz="2000"/>
+              <a:t>understanding,</a:t>
+            </a:r>
+            <a:r>
+              <a:rPr sz="2000"/>
+              <a:t> </a:t>
+            </a:r>
+            <a:r>
+              <a:rPr sz="2000"/>
+              <a:t>or</a:t>
+            </a:r>
+            <a:r>
+              <a:rPr sz="2000"/>
+              <a:t> </a:t>
+            </a:r>
+            <a:r>
+              <a:rPr sz="2000"/>
+              <a:t>leverage</a:t>
+            </a:r>
+            <a:r>
+              <a:rPr sz="2000"/>
+              <a:t> </a:t>
+            </a:r>
+            <a:r>
+              <a:rPr sz="2000"/>
+              <a:t>special</a:t>
+            </a:r>
+            <a:r>
+              <a:rPr sz="2000"/>
+              <a:t> </a:t>
+            </a:r>
+            <a:r>
+              <a:rPr sz="2000"/>
+              <a:t>expertise–</a:t>
+            </a:r>
+            <a:r>
+              <a:rPr sz="2000"/>
+              <a:t> </a:t>
+            </a:r>
+            <a:r>
+              <a:rPr sz="2000"/>
+              <a:t>ie</a:t>
+            </a:r>
+            <a:r>
+              <a:rPr sz="2000"/>
+              <a:t> </a:t>
+            </a:r>
+            <a:r>
+              <a:rPr sz="2000"/>
+              <a:t>“</a:t>
+            </a:r>
+            <a:r>
+              <a:rPr sz="2000"/>
+              <a:t>we</a:t>
+            </a:r>
+            <a:r>
+              <a:rPr sz="2000"/>
+              <a:t> </a:t>
+            </a:r>
+            <a:r>
+              <a:rPr sz="2000"/>
+              <a:t>had</a:t>
+            </a:r>
+            <a:r>
+              <a:rPr sz="2000"/>
+              <a:t> </a:t>
+            </a:r>
+            <a:r>
+              <a:rPr sz="2000"/>
+              <a:t>a</a:t>
+            </a:r>
+            <a:r>
+              <a:rPr sz="2000"/>
+              <a:t> </a:t>
+            </a:r>
+            <a:r>
+              <a:rPr sz="2000"/>
+              <a:t>question</a:t>
+            </a:r>
+            <a:r>
+              <a:rPr sz="2000"/>
+              <a:t> </a:t>
+            </a:r>
+            <a:r>
+              <a:rPr sz="2000"/>
+              <a:t>about</a:t>
+            </a:r>
+            <a:r>
+              <a:rPr sz="2000"/>
+              <a:t> </a:t>
+            </a:r>
+            <a:r>
+              <a:rPr sz="2000"/>
+              <a:t>how</a:t>
+            </a:r>
+            <a:r>
+              <a:rPr sz="2000"/>
+              <a:t> </a:t>
+            </a:r>
+            <a:r>
+              <a:rPr sz="2000"/>
+              <a:t>a</a:t>
+            </a:r>
+            <a:r>
+              <a:rPr sz="2000"/>
+              <a:t> </a:t>
+            </a:r>
+            <a:r>
+              <a:rPr sz="2000"/>
+              <a:t>browser</a:t>
+            </a:r>
+            <a:r>
+              <a:rPr sz="2000"/>
+              <a:t> </a:t>
+            </a:r>
+            <a:r>
+              <a:rPr sz="2000"/>
+              <a:t>works,</a:t>
+            </a:r>
+            <a:r>
+              <a:rPr sz="2000"/>
+              <a:t> </a:t>
+            </a:r>
+            <a:r>
+              <a:rPr sz="2000"/>
+              <a:t>so</a:t>
+            </a:r>
+            <a:r>
+              <a:rPr sz="2000"/>
+              <a:t> </a:t>
+            </a:r>
+            <a:r>
+              <a:rPr sz="2000"/>
+              <a:t>let’s</a:t>
+            </a:r>
+            <a:r>
+              <a:rPr sz="2000"/>
+              <a:t> </a:t>
+            </a:r>
+            <a:r>
+              <a:rPr sz="2000"/>
+              <a:t>explore</a:t>
+            </a:r>
+            <a:r>
+              <a:rPr sz="2000"/>
+              <a:t> </a:t>
+            </a:r>
+            <a:r>
+              <a:rPr sz="2000"/>
+              <a:t>that</a:t>
+            </a:r>
+            <a:r>
+              <a:rPr sz="2000"/>
+              <a:t> </a:t>
+            </a:r>
+            <a:r>
+              <a:rPr sz="2000"/>
+              <a:t>now</a:t>
+            </a:r>
+            <a:r>
+              <a:rPr sz="2000"/>
+              <a:t>”</a:t>
+            </a:r>
+            <a:r>
+              <a:rPr sz="2000"/>
+              <a:t> </a:t>
+            </a:r>
+            <a:r>
+              <a:rPr sz="2000"/>
+              <a:t>or</a:t>
+            </a:r>
+            <a:r>
+              <a:rPr sz="2000"/>
+              <a:t> </a:t>
+            </a:r>
+            <a:r>
+              <a:rPr sz="2000"/>
+              <a:t>“</a:t>
+            </a:r>
+            <a:r>
+              <a:rPr sz="2000"/>
+              <a:t>some</a:t>
+            </a:r>
+            <a:r>
+              <a:rPr sz="2000"/>
+              <a:t> </a:t>
+            </a:r>
+            <a:r>
+              <a:rPr sz="2000"/>
+              <a:t>of</a:t>
+            </a:r>
+            <a:r>
+              <a:rPr sz="2000"/>
+              <a:t> </a:t>
+            </a:r>
+            <a:r>
+              <a:rPr sz="2000"/>
+              <a:t>you</a:t>
+            </a:r>
+            <a:r>
+              <a:rPr sz="2000"/>
+              <a:t> </a:t>
+            </a:r>
+            <a:r>
+              <a:rPr sz="2000"/>
+              <a:t>are</a:t>
+            </a:r>
+            <a:r>
+              <a:rPr sz="2000"/>
+              <a:t> </a:t>
+            </a:r>
+            <a:r>
+              <a:rPr sz="2000"/>
+              <a:t>active</a:t>
+            </a:r>
+            <a:r>
+              <a:rPr sz="2000"/>
+              <a:t> </a:t>
+            </a:r>
+            <a:r>
+              <a:rPr sz="2000"/>
+              <a:t>youtube</a:t>
+            </a:r>
+            <a:r>
+              <a:rPr sz="2000"/>
+              <a:t> </a:t>
+            </a:r>
+            <a:r>
+              <a:rPr sz="2000"/>
+              <a:t>users–</a:t>
+            </a:r>
+            <a:r>
+              <a:rPr sz="2000"/>
+              <a:t> </a:t>
+            </a:r>
+            <a:r>
+              <a:rPr sz="2000"/>
+              <a:t>what</a:t>
+            </a:r>
+            <a:r>
+              <a:rPr sz="2000"/>
+              <a:t> </a:t>
+            </a:r>
+            <a:r>
+              <a:rPr sz="2000"/>
+              <a:t>can</a:t>
+            </a:r>
+            <a:r>
+              <a:rPr sz="2000"/>
+              <a:t> </a:t>
+            </a:r>
+            <a:r>
+              <a:rPr sz="2000"/>
+              <a:t>you</a:t>
+            </a:r>
+            <a:r>
+              <a:rPr sz="2000"/>
+              <a:t> </a:t>
+            </a:r>
+            <a:r>
+              <a:rPr sz="2000"/>
+              <a:t>tell</a:t>
+            </a:r>
+            <a:r>
+              <a:rPr sz="2000"/>
+              <a:t> </a:t>
+            </a:r>
+            <a:r>
+              <a:rPr sz="2000"/>
+              <a:t>us</a:t>
+            </a:r>
+            <a:r>
+              <a:rPr sz="2000"/>
+              <a:t> </a:t>
+            </a:r>
+            <a:r>
+              <a:rPr sz="2000"/>
+              <a:t>about</a:t>
+            </a:r>
+            <a:r>
+              <a:rPr sz="2000"/>
+              <a:t> </a:t>
+            </a:r>
+            <a:r>
+              <a:rPr sz="2000"/>
+              <a:t>the</a:t>
+            </a:r>
+            <a:r>
+              <a:rPr sz="2000"/>
+              <a:t> </a:t>
+            </a:r>
+            <a:r>
+              <a:rPr sz="2000"/>
+              <a:t>platform?</a:t>
+            </a:r>
+            <a:r>
+              <a:rPr sz="2000"/>
+              <a:t>”</a:t>
+            </a:r>
+          </a:p>
+          <a:p>
+            <a:pPr lvl="0" marL="0" indent="0">
+              <a:buNone/>
+            </a:pPr>
+          </a:p>
+          <a:p>
+            <a:pPr lvl="0" marL="1270000" indent="0">
+              <a:buNone/>
+            </a:pPr>
+            <a:r>
+              <a:rPr sz="2000"/>
+              <a:t>Tip!</a:t>
+            </a:r>
+            <a:r>
+              <a:rPr sz="2000"/>
+              <a:t> </a:t>
+            </a:r>
+            <a:r>
+              <a:rPr sz="2000"/>
+              <a:t>Always</a:t>
+            </a:r>
+            <a:r>
+              <a:rPr sz="2000"/>
+              <a:t> </a:t>
+            </a:r>
+            <a:r>
+              <a:rPr sz="2000"/>
+              <a:t>be</a:t>
+            </a:r>
+            <a:r>
+              <a:rPr sz="2000"/>
+              <a:t> </a:t>
+            </a:r>
+            <a:r>
+              <a:rPr sz="2000"/>
+              <a:t>respectful</a:t>
+            </a:r>
+            <a:r>
+              <a:rPr sz="2000"/>
+              <a:t> </a:t>
+            </a:r>
+            <a:r>
+              <a:rPr sz="2000"/>
+              <a:t>of</a:t>
+            </a:r>
+            <a:r>
+              <a:rPr sz="2000"/>
+              <a:t> </a:t>
+            </a:r>
+            <a:r>
+              <a:rPr sz="2000"/>
+              <a:t>varied</a:t>
+            </a:r>
+            <a:r>
+              <a:rPr sz="2000"/>
+              <a:t> </a:t>
+            </a:r>
+            <a:r>
+              <a:rPr sz="2000"/>
+              <a:t>viewpoints,</a:t>
+            </a:r>
+            <a:r>
+              <a:rPr sz="2000"/>
+              <a:t> </a:t>
+            </a:r>
+            <a:r>
+              <a:rPr sz="2000"/>
+              <a:t>ideas,</a:t>
+            </a:r>
+            <a:r>
+              <a:rPr sz="2000"/>
+              <a:t> </a:t>
+            </a:r>
+            <a:r>
+              <a:rPr sz="2000"/>
+              <a:t>and</a:t>
+            </a:r>
+            <a:r>
+              <a:rPr sz="2000"/>
+              <a:t> </a:t>
+            </a:r>
+            <a:r>
+              <a:rPr sz="2000"/>
+              <a:t>perspectives</a:t>
+            </a:r>
+            <a:r>
+              <a:rPr sz="2000"/>
+              <a:t> </a:t>
+            </a:r>
+            <a:r>
+              <a:rPr sz="2000"/>
+              <a:t>when</a:t>
+            </a:r>
+            <a:r>
+              <a:rPr sz="2000"/>
+              <a:t> </a:t>
+            </a:r>
+            <a:r>
+              <a:rPr sz="2000"/>
+              <a:t>referring</a:t>
+            </a:r>
+            <a:r>
+              <a:rPr sz="2000"/>
+              <a:t> </a:t>
+            </a:r>
+            <a:r>
+              <a:rPr sz="2000"/>
+              <a:t>to</a:t>
+            </a:r>
+            <a:r>
+              <a:rPr sz="2000"/>
+              <a:t> </a:t>
+            </a:r>
+            <a:r>
+              <a:rPr sz="2000"/>
+              <a:t>content</a:t>
+            </a:r>
+            <a:r>
+              <a:rPr sz="2000"/>
+              <a:t> </a:t>
+            </a:r>
+            <a:r>
+              <a:rPr sz="2000"/>
+              <a:t>that</a:t>
+            </a:r>
+            <a:r>
+              <a:rPr sz="2000"/>
+              <a:t> </a:t>
+            </a:r>
+            <a:r>
+              <a:rPr sz="2000"/>
+              <a:t>the</a:t>
+            </a:r>
+            <a:r>
+              <a:rPr sz="2000"/>
+              <a:t> </a:t>
+            </a:r>
+            <a:r>
+              <a:rPr sz="2000"/>
+              <a:t>learners</a:t>
+            </a:r>
+            <a:r>
+              <a:rPr sz="2000"/>
+              <a:t> </a:t>
+            </a:r>
+            <a:r>
+              <a:rPr sz="2000"/>
+              <a:t>share.</a:t>
+            </a:r>
+            <a:r>
+              <a:rPr sz="2000"/>
+              <a:t> </a:t>
+            </a:r>
+            <a:r>
+              <a:rPr sz="2000"/>
+              <a:t>At</a:t>
+            </a:r>
+            <a:r>
+              <a:rPr sz="2000"/>
+              <a:t> </a:t>
+            </a:r>
+            <a:r>
+              <a:rPr sz="2000"/>
+              <a:t>the</a:t>
+            </a:r>
+            <a:r>
+              <a:rPr sz="2000"/>
+              <a:t> </a:t>
+            </a:r>
+            <a:r>
+              <a:rPr sz="2000"/>
+              <a:t>end</a:t>
+            </a:r>
+            <a:r>
+              <a:rPr sz="2000"/>
+              <a:t> </a:t>
+            </a:r>
+            <a:r>
+              <a:rPr sz="2000"/>
+              <a:t>of</a:t>
+            </a:r>
+            <a:r>
+              <a:rPr sz="2000"/>
+              <a:t> </a:t>
+            </a:r>
+            <a:r>
+              <a:rPr sz="2000"/>
+              <a:t>the</a:t>
+            </a:r>
+            <a:r>
+              <a:rPr sz="2000"/>
+              <a:t> </a:t>
+            </a:r>
+            <a:r>
+              <a:rPr sz="2000"/>
+              <a:t>session,</a:t>
+            </a:r>
+            <a:r>
+              <a:rPr sz="2000"/>
+              <a:t> </a:t>
+            </a:r>
+            <a:r>
+              <a:rPr sz="2000"/>
+              <a:t>thank</a:t>
+            </a:r>
+            <a:r>
+              <a:rPr sz="2000"/>
+              <a:t> </a:t>
+            </a:r>
+            <a:r>
+              <a:rPr sz="2000"/>
+              <a:t>the</a:t>
+            </a:r>
+            <a:r>
+              <a:rPr sz="2000"/>
+              <a:t> </a:t>
+            </a:r>
+            <a:r>
+              <a:rPr sz="2000"/>
+              <a:t>learners</a:t>
+            </a:r>
+            <a:r>
+              <a:rPr sz="2000"/>
+              <a:t> </a:t>
+            </a:r>
+            <a:r>
+              <a:rPr sz="2000"/>
+              <a:t>for</a:t>
+            </a:r>
+            <a:r>
+              <a:rPr sz="2000"/>
+              <a:t> </a:t>
+            </a:r>
+            <a:r>
+              <a:rPr sz="2000"/>
+              <a:t>their</a:t>
+            </a:r>
+            <a:r>
+              <a:rPr sz="2000"/>
+              <a:t> </a:t>
+            </a:r>
+            <a:r>
+              <a:rPr sz="2000"/>
+              <a:t>participation,</a:t>
+            </a:r>
+            <a:r>
+              <a:rPr sz="2000"/>
+              <a:t> </a:t>
+            </a:r>
+            <a:r>
+              <a:rPr sz="2000"/>
+              <a:t>questions,</a:t>
+            </a:r>
+            <a:r>
+              <a:rPr sz="2000"/>
+              <a:t> </a:t>
+            </a:r>
+            <a:r>
+              <a:rPr sz="2000"/>
+              <a:t>and</a:t>
+            </a:r>
+            <a:r>
+              <a:rPr sz="2000"/>
+              <a:t> </a:t>
+            </a:r>
+            <a:r>
+              <a:rPr sz="2000"/>
+              <a:t>insights!</a:t>
+            </a:r>
+          </a:p>
+        </p:txBody>
+      </p:sp>
+      <p:sp>
+        <p:nvSpPr>
+          <p:cNvPr id="4" name="Slide Number Placeholder 3"/>
+          <p:cNvSpPr>
+            <a:spLocks noGrp="1"/>
+          </p:cNvSpPr>
+          <p:nvPr>
+            <p:ph type="sldNum" sz="quarter" idx="10"/>
+          </p:nvPr>
+        </p:nvSpPr>
+        <p:spPr/>
+        <p:txBody>
+          <a:bodyPr/>
+          <a:lstStyle/>
+          <a:p>
+            <a:fld id="{18BDFEC3-8487-43E8-A154-7C12CBC1FFF2}" type="slidenum">
+              <a:rPr lang="en-US"/>
+              <a:t>11</a:t>
+            </a:fld>
+            <a:endParaRPr lang="en-US"/>
+          </a:p>
+        </p:txBody>
+      </p:sp>
+    </p:spTree>
+  </p:cSld>
+</p:notes>
+</file>
+
+<file path=ppt/notesSlides/notesSlide9.xml><?xml version="1.0" encoding="utf-8"?>
 <p:notes xmlns:a="http://schemas.openxmlformats.org/drawingml/2006/main" xmlns:r="http://schemas.openxmlformats.org/officeDocument/2006/relationships" xmlns:p="http://schemas.openxmlformats.org/presentationml/2006/main">
   <p:cSld>
     <p:spTree>
@@ -19671,7 +19881,7 @@
             <a:pPr lvl="1"/>
             <a:r>
               <a:rPr/>
-              <a:t>favourite food</a:t>
+              <a:t>Favourite food</a:t>
             </a:r>
           </a:p>
         </p:txBody>
@@ -19950,7 +20160,23 @@
             <a:pPr lvl="1"/>
             <a:r>
               <a:rPr/>
-              <a:t>What’s the most important/meaningful/memorable experience you’ve had online?</a:t>
+              <a:t>How do you use the web?</a:t>
+            </a:r>
+          </a:p>
+          <a:p>
+            <a:pPr lvl="1"/>
+            <a:r>
+              <a:rPr/>
+              <a:t>What kinds of things do you like do online?</a:t>
+            </a:r>
+          </a:p>
+          <a:p>
+            <a:pPr lvl="0" marL="0" indent="0">
+              <a:buNone/>
+            </a:pPr>
+            <a:r>
+              <a:rPr/>
+              <a:t>1 minutes to think, 3 minutes each to tell a story (Teacher to go first).</a:t>
             </a:r>
           </a:p>
         </p:txBody>
@@ -20062,7 +20288,7 @@
             </a:pPr>
             <a:r>
               <a:rPr/>
-              <a:t>On the post-it notes write key words you heard in the stories (one word per sticky note).</a:t>
+              <a:t>Write the key words you heard in the stories on your white boards. We will ask each group to write each different word on a post-it and add it below.</a:t>
             </a:r>
           </a:p>
         </p:txBody>
